--- a/PalutenaGame/作品展示会用.pptx
+++ b/PalutenaGame/作品展示会用.pptx
@@ -2,24 +2,28 @@
 <file path=ppt/presentation.xml><?xml version="1.0" encoding="utf-8"?>
 <p:presentation xmlns:a="http://schemas.openxmlformats.org/drawingml/2006/main" xmlns:r="http://schemas.openxmlformats.org/officeDocument/2006/relationships" xmlns:p="http://schemas.openxmlformats.org/presentationml/2006/main" saveSubsetFonts="1">
   <p:sldMasterIdLst>
-    <p:sldMasterId id="2147483648" r:id="rId1"/>
+    <p:sldMasterId id="2147483690" r:id="rId1"/>
   </p:sldMasterIdLst>
   <p:sldIdLst>
     <p:sldId id="256" r:id="rId2"/>
-    <p:sldId id="257" r:id="rId3"/>
-    <p:sldId id="258" r:id="rId4"/>
-    <p:sldId id="260" r:id="rId5"/>
-    <p:sldId id="261" r:id="rId6"/>
-    <p:sldId id="259" r:id="rId7"/>
+    <p:sldId id="265" r:id="rId3"/>
+    <p:sldId id="262" r:id="rId4"/>
+    <p:sldId id="257" r:id="rId5"/>
+    <p:sldId id="258" r:id="rId6"/>
+    <p:sldId id="260" r:id="rId7"/>
+    <p:sldId id="261" r:id="rId8"/>
+    <p:sldId id="259" r:id="rId9"/>
+    <p:sldId id="263" r:id="rId10"/>
+    <p:sldId id="264" r:id="rId11"/>
   </p:sldIdLst>
   <p:sldSz cx="12192000" cy="6858000"/>
   <p:notesSz cx="6858000" cy="9144000"/>
   <p:defaultTextStyle>
     <a:defPPr>
-      <a:defRPr lang="ja-JP"/>
+      <a:defRPr lang="en-US"/>
     </a:defPPr>
-    <a:lvl1pPr marL="0" algn="l" defTabSz="914400" rtl="0" eaLnBrk="1" latinLnBrk="0" hangingPunct="1">
-      <a:defRPr kumimoji="1" sz="1800" kern="1200">
+    <a:lvl1pPr marL="0" algn="l" defTabSz="457200" rtl="0" eaLnBrk="1" latinLnBrk="0" hangingPunct="1">
+      <a:defRPr sz="1800" kern="1200">
         <a:solidFill>
           <a:schemeClr val="tx1"/>
         </a:solidFill>
@@ -28,8 +32,8 @@
         <a:cs typeface="+mn-cs"/>
       </a:defRPr>
     </a:lvl1pPr>
-    <a:lvl2pPr marL="457200" algn="l" defTabSz="914400" rtl="0" eaLnBrk="1" latinLnBrk="0" hangingPunct="1">
-      <a:defRPr kumimoji="1" sz="1800" kern="1200">
+    <a:lvl2pPr marL="457200" algn="l" defTabSz="457200" rtl="0" eaLnBrk="1" latinLnBrk="0" hangingPunct="1">
+      <a:defRPr sz="1800" kern="1200">
         <a:solidFill>
           <a:schemeClr val="tx1"/>
         </a:solidFill>
@@ -38,8 +42,8 @@
         <a:cs typeface="+mn-cs"/>
       </a:defRPr>
     </a:lvl2pPr>
-    <a:lvl3pPr marL="914400" algn="l" defTabSz="914400" rtl="0" eaLnBrk="1" latinLnBrk="0" hangingPunct="1">
-      <a:defRPr kumimoji="1" sz="1800" kern="1200">
+    <a:lvl3pPr marL="914400" algn="l" defTabSz="457200" rtl="0" eaLnBrk="1" latinLnBrk="0" hangingPunct="1">
+      <a:defRPr sz="1800" kern="1200">
         <a:solidFill>
           <a:schemeClr val="tx1"/>
         </a:solidFill>
@@ -48,8 +52,8 @@
         <a:cs typeface="+mn-cs"/>
       </a:defRPr>
     </a:lvl3pPr>
-    <a:lvl4pPr marL="1371600" algn="l" defTabSz="914400" rtl="0" eaLnBrk="1" latinLnBrk="0" hangingPunct="1">
-      <a:defRPr kumimoji="1" sz="1800" kern="1200">
+    <a:lvl4pPr marL="1371600" algn="l" defTabSz="457200" rtl="0" eaLnBrk="1" latinLnBrk="0" hangingPunct="1">
+      <a:defRPr sz="1800" kern="1200">
         <a:solidFill>
           <a:schemeClr val="tx1"/>
         </a:solidFill>
@@ -58,8 +62,8 @@
         <a:cs typeface="+mn-cs"/>
       </a:defRPr>
     </a:lvl4pPr>
-    <a:lvl5pPr marL="1828800" algn="l" defTabSz="914400" rtl="0" eaLnBrk="1" latinLnBrk="0" hangingPunct="1">
-      <a:defRPr kumimoji="1" sz="1800" kern="1200">
+    <a:lvl5pPr marL="1828800" algn="l" defTabSz="457200" rtl="0" eaLnBrk="1" latinLnBrk="0" hangingPunct="1">
+      <a:defRPr sz="1800" kern="1200">
         <a:solidFill>
           <a:schemeClr val="tx1"/>
         </a:solidFill>
@@ -68,8 +72,8 @@
         <a:cs typeface="+mn-cs"/>
       </a:defRPr>
     </a:lvl5pPr>
-    <a:lvl6pPr marL="2286000" algn="l" defTabSz="914400" rtl="0" eaLnBrk="1" latinLnBrk="0" hangingPunct="1">
-      <a:defRPr kumimoji="1" sz="1800" kern="1200">
+    <a:lvl6pPr marL="2286000" algn="l" defTabSz="457200" rtl="0" eaLnBrk="1" latinLnBrk="0" hangingPunct="1">
+      <a:defRPr sz="1800" kern="1200">
         <a:solidFill>
           <a:schemeClr val="tx1"/>
         </a:solidFill>
@@ -78,8 +82,8 @@
         <a:cs typeface="+mn-cs"/>
       </a:defRPr>
     </a:lvl6pPr>
-    <a:lvl7pPr marL="2743200" algn="l" defTabSz="914400" rtl="0" eaLnBrk="1" latinLnBrk="0" hangingPunct="1">
-      <a:defRPr kumimoji="1" sz="1800" kern="1200">
+    <a:lvl7pPr marL="2743200" algn="l" defTabSz="457200" rtl="0" eaLnBrk="1" latinLnBrk="0" hangingPunct="1">
+      <a:defRPr sz="1800" kern="1200">
         <a:solidFill>
           <a:schemeClr val="tx1"/>
         </a:solidFill>
@@ -88,8 +92,8 @@
         <a:cs typeface="+mn-cs"/>
       </a:defRPr>
     </a:lvl7pPr>
-    <a:lvl8pPr marL="3200400" algn="l" defTabSz="914400" rtl="0" eaLnBrk="1" latinLnBrk="0" hangingPunct="1">
-      <a:defRPr kumimoji="1" sz="1800" kern="1200">
+    <a:lvl8pPr marL="3200400" algn="l" defTabSz="457200" rtl="0" eaLnBrk="1" latinLnBrk="0" hangingPunct="1">
+      <a:defRPr sz="1800" kern="1200">
         <a:solidFill>
           <a:schemeClr val="tx1"/>
         </a:solidFill>
@@ -98,8 +102,8 @@
         <a:cs typeface="+mn-cs"/>
       </a:defRPr>
     </a:lvl8pPr>
-    <a:lvl9pPr marL="3657600" algn="l" defTabSz="914400" rtl="0" eaLnBrk="1" latinLnBrk="0" hangingPunct="1">
-      <a:defRPr kumimoji="1" sz="1800" kern="1200">
+    <a:lvl9pPr marL="3657600" algn="l" defTabSz="457200" rtl="0" eaLnBrk="1" latinLnBrk="0" hangingPunct="1">
+      <a:defRPr sz="1800" kern="1200">
         <a:solidFill>
           <a:schemeClr val="tx1"/>
         </a:solidFill>
@@ -117,8 +121,20 @@
 </p:presentation>
 </file>
 
+<file path=ppt/commentAuthors.xml><?xml version="1.0" encoding="utf-8"?>
+<p:cmAuthorLst xmlns:a="http://schemas.openxmlformats.org/drawingml/2006/main" xmlns:r="http://schemas.openxmlformats.org/officeDocument/2006/relationships" xmlns:p="http://schemas.openxmlformats.org/presentationml/2006/main">
+  <p:cmAuthor id="1" name="川﨑　美琴" initials="川﨑　美琴" lastIdx="1" clrIdx="0">
+    <p:extLst>
+      <p:ext uri="{19B8F6BF-5375-455C-9EA6-DF929625EA0E}">
+        <p15:presenceInfo xmlns:p15="http://schemas.microsoft.com/office/powerpoint/2012/main" userId="S::fko2347059@stu.o-hara.ac.jp::40be2e69-b2ab-434a-8cc4-eacbe1ee3e39" providerId="AD"/>
+      </p:ext>
+    </p:extLst>
+  </p:cmAuthor>
+</p:cmAuthorLst>
+</file>
+
 <file path=ppt/slideLayouts/slideLayout1.xml><?xml version="1.0" encoding="utf-8"?>
-<p:sldLayout xmlns:a="http://schemas.openxmlformats.org/drawingml/2006/main" xmlns:r="http://schemas.openxmlformats.org/officeDocument/2006/relationships" xmlns:p="http://schemas.openxmlformats.org/presentationml/2006/main" type="title" preserve="1">
+<p:sldLayout xmlns:a="http://schemas.openxmlformats.org/drawingml/2006/main" xmlns:r="http://schemas.openxmlformats.org/officeDocument/2006/relationships" xmlns:p="http://schemas.openxmlformats.org/presentationml/2006/main" showMasterSp="0" type="title" preserve="1">
   <p:cSld name="タイトル スライド">
     <p:spTree>
       <p:nvGrpSpPr>
@@ -136,13 +152,85 @@
       </p:grpSpPr>
       <p:sp>
         <p:nvSpPr>
-          <p:cNvPr id="2" name="タイトル 1">
-            <a:extLst>
-              <a:ext uri="{FF2B5EF4-FFF2-40B4-BE49-F238E27FC236}">
-                <a16:creationId xmlns:a16="http://schemas.microsoft.com/office/drawing/2014/main" id="{BCC2E5E7-9AED-42BA-B554-D31FCC39AB6E}"/>
-              </a:ext>
-            </a:extLst>
-          </p:cNvPr>
+          <p:cNvPr id="7" name="Rectangle 6"/>
+          <p:cNvSpPr/>
+          <p:nvPr/>
+        </p:nvSpPr>
+        <p:spPr>
+          <a:xfrm>
+            <a:off x="0" y="761999"/>
+            <a:ext cx="9141619" cy="5334001"/>
+          </a:xfrm>
+          <a:prstGeom prst="rect">
+            <a:avLst/>
+          </a:prstGeom>
+          <a:solidFill>
+            <a:schemeClr val="accent1"/>
+          </a:solidFill>
+          <a:ln>
+            <a:noFill/>
+          </a:ln>
+        </p:spPr>
+        <p:style>
+          <a:lnRef idx="2">
+            <a:schemeClr val="accent1">
+              <a:shade val="50000"/>
+            </a:schemeClr>
+          </a:lnRef>
+          <a:fillRef idx="1">
+            <a:schemeClr val="accent1"/>
+          </a:fillRef>
+          <a:effectRef idx="0">
+            <a:schemeClr val="accent1"/>
+          </a:effectRef>
+          <a:fontRef idx="minor">
+            <a:schemeClr val="lt1"/>
+          </a:fontRef>
+        </p:style>
+      </p:sp>
+      <p:sp>
+        <p:nvSpPr>
+          <p:cNvPr id="8" name="Rectangle 7"/>
+          <p:cNvSpPr/>
+          <p:nvPr/>
+        </p:nvSpPr>
+        <p:spPr>
+          <a:xfrm>
+            <a:off x="9270263" y="761999"/>
+            <a:ext cx="2925318" cy="5334001"/>
+          </a:xfrm>
+          <a:prstGeom prst="rect">
+            <a:avLst/>
+          </a:prstGeom>
+          <a:solidFill>
+            <a:srgbClr val="C8C8C8">
+              <a:alpha val="49804"/>
+            </a:srgbClr>
+          </a:solidFill>
+          <a:ln>
+            <a:noFill/>
+          </a:ln>
+        </p:spPr>
+        <p:style>
+          <a:lnRef idx="2">
+            <a:schemeClr val="accent1">
+              <a:shade val="50000"/>
+            </a:schemeClr>
+          </a:lnRef>
+          <a:fillRef idx="1">
+            <a:schemeClr val="accent1"/>
+          </a:fillRef>
+          <a:effectRef idx="0">
+            <a:schemeClr val="accent1"/>
+          </a:effectRef>
+          <a:fontRef idx="minor">
+            <a:schemeClr val="lt1"/>
+          </a:fontRef>
+        </p:style>
+      </p:sp>
+      <p:sp>
+        <p:nvSpPr>
+          <p:cNvPr id="2" name="Title 1"/>
           <p:cNvSpPr>
             <a:spLocks noGrp="1"/>
           </p:cNvSpPr>
@@ -152,34 +240,35 @@
         </p:nvSpPr>
         <p:spPr>
           <a:xfrm>
-            <a:off x="1524000" y="1122363"/>
-            <a:ext cx="9144000" cy="2387600"/>
+            <a:off x="1069848" y="1298448"/>
+            <a:ext cx="7315200" cy="3255264"/>
           </a:xfrm>
         </p:spPr>
         <p:txBody>
-          <a:bodyPr anchor="b"/>
+          <a:bodyPr anchor="b">
+            <a:normAutofit/>
+          </a:bodyPr>
           <a:lstStyle>
-            <a:lvl1pPr algn="ctr">
-              <a:defRPr sz="6000"/>
+            <a:lvl1pPr algn="l">
+              <a:defRPr sz="5900" spc="-100" baseline="0">
+                <a:solidFill>
+                  <a:srgbClr val="FFFFFF"/>
+                </a:solidFill>
+              </a:defRPr>
             </a:lvl1pPr>
           </a:lstStyle>
           <a:p>
             <a:r>
-              <a:rPr kumimoji="1" lang="ja-JP" altLang="en-US"/>
+              <a:rPr lang="ja-JP" altLang="en-US"/>
               <a:t>マスター タイトルの書式設定</a:t>
             </a:r>
-          </a:p>
-        </p:txBody>
-      </p:sp>
-      <p:sp>
-        <p:nvSpPr>
-          <p:cNvPr id="3" name="字幕 2">
-            <a:extLst>
-              <a:ext uri="{FF2B5EF4-FFF2-40B4-BE49-F238E27FC236}">
-                <a16:creationId xmlns:a16="http://schemas.microsoft.com/office/drawing/2014/main" id="{AB500547-9C90-4EF4-9B6F-A91F69E41A26}"/>
-              </a:ext>
-            </a:extLst>
-          </p:cNvPr>
+            <a:endParaRPr lang="en-US" dirty="0"/>
+          </a:p>
+        </p:txBody>
+      </p:sp>
+      <p:sp>
+        <p:nvSpPr>
+          <p:cNvPr id="3" name="Subtitle 2"/>
           <p:cNvSpPr>
             <a:spLocks noGrp="1"/>
           </p:cNvSpPr>
@@ -189,67 +278,71 @@
         </p:nvSpPr>
         <p:spPr>
           <a:xfrm>
-            <a:off x="1524000" y="3602038"/>
-            <a:ext cx="9144000" cy="1655762"/>
+            <a:off x="1100015" y="4670246"/>
+            <a:ext cx="7315200" cy="914400"/>
           </a:xfrm>
         </p:spPr>
         <p:txBody>
-          <a:bodyPr/>
+          <a:bodyPr anchor="t">
+            <a:normAutofit/>
+          </a:bodyPr>
           <a:lstStyle>
-            <a:lvl1pPr marL="0" indent="0" algn="ctr">
+            <a:lvl1pPr marL="0" indent="0" algn="l">
               <a:buNone/>
-              <a:defRPr sz="2400"/>
+              <a:defRPr sz="2200" cap="none" spc="0" baseline="0">
+                <a:solidFill>
+                  <a:schemeClr val="accent1">
+                    <a:lumMod val="20000"/>
+                    <a:lumOff val="80000"/>
+                  </a:schemeClr>
+                </a:solidFill>
+              </a:defRPr>
             </a:lvl1pPr>
             <a:lvl2pPr marL="457200" indent="0" algn="ctr">
               <a:buNone/>
-              <a:defRPr sz="2000"/>
+              <a:defRPr sz="2200"/>
             </a:lvl2pPr>
             <a:lvl3pPr marL="914400" indent="0" algn="ctr">
               <a:buNone/>
-              <a:defRPr sz="1800"/>
+              <a:defRPr sz="2200"/>
             </a:lvl3pPr>
             <a:lvl4pPr marL="1371600" indent="0" algn="ctr">
               <a:buNone/>
-              <a:defRPr sz="1600"/>
+              <a:defRPr sz="2000"/>
             </a:lvl4pPr>
             <a:lvl5pPr marL="1828800" indent="0" algn="ctr">
               <a:buNone/>
-              <a:defRPr sz="1600"/>
+              <a:defRPr sz="2000"/>
             </a:lvl5pPr>
             <a:lvl6pPr marL="2286000" indent="0" algn="ctr">
               <a:buNone/>
-              <a:defRPr sz="1600"/>
+              <a:defRPr sz="2000"/>
             </a:lvl6pPr>
             <a:lvl7pPr marL="2743200" indent="0" algn="ctr">
               <a:buNone/>
-              <a:defRPr sz="1600"/>
+              <a:defRPr sz="2000"/>
             </a:lvl7pPr>
             <a:lvl8pPr marL="3200400" indent="0" algn="ctr">
               <a:buNone/>
-              <a:defRPr sz="1600"/>
+              <a:defRPr sz="2000"/>
             </a:lvl8pPr>
             <a:lvl9pPr marL="3657600" indent="0" algn="ctr">
               <a:buNone/>
-              <a:defRPr sz="1600"/>
+              <a:defRPr sz="2000"/>
             </a:lvl9pPr>
           </a:lstStyle>
           <a:p>
             <a:r>
-              <a:rPr kumimoji="1" lang="ja-JP" altLang="en-US"/>
+              <a:rPr lang="ja-JP" altLang="en-US"/>
               <a:t>マスター サブタイトルの書式設定</a:t>
             </a:r>
-          </a:p>
-        </p:txBody>
-      </p:sp>
-      <p:sp>
-        <p:nvSpPr>
-          <p:cNvPr id="4" name="日付プレースホルダー 3">
-            <a:extLst>
-              <a:ext uri="{FF2B5EF4-FFF2-40B4-BE49-F238E27FC236}">
-                <a16:creationId xmlns:a16="http://schemas.microsoft.com/office/drawing/2014/main" id="{C89966A5-FA81-4121-A2C8-4D39680BC0D3}"/>
-              </a:ext>
-            </a:extLst>
-          </p:cNvPr>
+            <a:endParaRPr lang="en-US" dirty="0"/>
+          </a:p>
+        </p:txBody>
+      </p:sp>
+      <p:sp>
+        <p:nvSpPr>
+          <p:cNvPr id="4" name="Date Placeholder 3"/>
           <p:cNvSpPr>
             <a:spLocks noGrp="1"/>
           </p:cNvSpPr>
@@ -264,7 +357,7 @@
           <a:p>
             <a:fld id="{901FD508-957D-4871-83BC-2C400027228D}" type="datetimeFigureOut">
               <a:rPr kumimoji="1" lang="ja-JP" altLang="en-US" smtClean="0"/>
-              <a:t>2023/11/22</a:t>
+              <a:t>2023/11/29</a:t>
             </a:fld>
             <a:endParaRPr kumimoji="1" lang="ja-JP" altLang="en-US"/>
           </a:p>
@@ -272,13 +365,7 @@
       </p:sp>
       <p:sp>
         <p:nvSpPr>
-          <p:cNvPr id="5" name="フッター プレースホルダー 4">
-            <a:extLst>
-              <a:ext uri="{FF2B5EF4-FFF2-40B4-BE49-F238E27FC236}">
-                <a16:creationId xmlns:a16="http://schemas.microsoft.com/office/drawing/2014/main" id="{A6CCD53F-A7EF-4F36-AF03-DE07AB2D6AF9}"/>
-              </a:ext>
-            </a:extLst>
-          </p:cNvPr>
+          <p:cNvPr id="5" name="Footer Placeholder 4"/>
           <p:cNvSpPr>
             <a:spLocks noGrp="1"/>
           </p:cNvSpPr>
@@ -297,13 +384,7 @@
       </p:sp>
       <p:sp>
         <p:nvSpPr>
-          <p:cNvPr id="6" name="スライド番号プレースホルダー 5">
-            <a:extLst>
-              <a:ext uri="{FF2B5EF4-FFF2-40B4-BE49-F238E27FC236}">
-                <a16:creationId xmlns:a16="http://schemas.microsoft.com/office/drawing/2014/main" id="{5C90FBD4-4E8D-4B89-AAAF-15EDC29E9140}"/>
-              </a:ext>
-            </a:extLst>
-          </p:cNvPr>
+          <p:cNvPr id="6" name="Slide Number Placeholder 5"/>
           <p:cNvSpPr>
             <a:spLocks noGrp="1"/>
           </p:cNvSpPr>
@@ -327,7 +408,7 @@
     </p:spTree>
     <p:extLst>
       <p:ext uri="{BB962C8B-B14F-4D97-AF65-F5344CB8AC3E}">
-        <p14:creationId xmlns:p14="http://schemas.microsoft.com/office/powerpoint/2010/main" val="1946420825"/>
+        <p14:creationId xmlns:p14="http://schemas.microsoft.com/office/powerpoint/2010/main" val="1337410153"/>
       </p:ext>
     </p:extLst>
   </p:cSld>
@@ -356,13 +437,7 @@
       </p:grpSpPr>
       <p:sp>
         <p:nvSpPr>
-          <p:cNvPr id="2" name="タイトル 1">
-            <a:extLst>
-              <a:ext uri="{FF2B5EF4-FFF2-40B4-BE49-F238E27FC236}">
-                <a16:creationId xmlns:a16="http://schemas.microsoft.com/office/drawing/2014/main" id="{5135267E-D10D-4B10-9F53-D93C491E7CD9}"/>
-              </a:ext>
-            </a:extLst>
-          </p:cNvPr>
+          <p:cNvPr id="2" name="Title 1"/>
           <p:cNvSpPr>
             <a:spLocks noGrp="1"/>
           </p:cNvSpPr>
@@ -376,21 +451,16 @@
           <a:lstStyle/>
           <a:p>
             <a:r>
-              <a:rPr kumimoji="1" lang="ja-JP" altLang="en-US"/>
+              <a:rPr lang="ja-JP" altLang="en-US"/>
               <a:t>マスター タイトルの書式設定</a:t>
             </a:r>
-          </a:p>
-        </p:txBody>
-      </p:sp>
-      <p:sp>
-        <p:nvSpPr>
-          <p:cNvPr id="3" name="縦書きテキスト プレースホルダー 2">
-            <a:extLst>
-              <a:ext uri="{FF2B5EF4-FFF2-40B4-BE49-F238E27FC236}">
-                <a16:creationId xmlns:a16="http://schemas.microsoft.com/office/drawing/2014/main" id="{B9249F19-FD80-4265-9DF3-07D1F89782CF}"/>
-              </a:ext>
-            </a:extLst>
-          </p:cNvPr>
+            <a:endParaRPr lang="en-US" dirty="0"/>
+          </a:p>
+        </p:txBody>
+      </p:sp>
+      <p:sp>
+        <p:nvSpPr>
+          <p:cNvPr id="3" name="Vertical Text Placeholder 2"/>
           <p:cNvSpPr>
             <a:spLocks noGrp="1"/>
           </p:cNvSpPr>
@@ -400,86 +470,81 @@
         </p:nvSpPr>
         <p:spPr/>
         <p:txBody>
-          <a:bodyPr vert="eaVert"/>
+          <a:bodyPr vert="eaVert" anchor="t"/>
           <a:lstStyle/>
           <a:p>
             <a:pPr lvl="0"/>
             <a:r>
-              <a:rPr kumimoji="1" lang="ja-JP" altLang="en-US"/>
+              <a:rPr lang="ja-JP" altLang="en-US"/>
               <a:t>マスター テキストの書式設定</a:t>
             </a:r>
           </a:p>
           <a:p>
             <a:pPr lvl="1"/>
             <a:r>
-              <a:rPr kumimoji="1" lang="ja-JP" altLang="en-US"/>
+              <a:rPr lang="ja-JP" altLang="en-US"/>
               <a:t>第 </a:t>
             </a:r>
             <a:r>
-              <a:rPr kumimoji="1" lang="en-US" altLang="ja-JP"/>
+              <a:rPr lang="en-US" altLang="ja-JP"/>
               <a:t>2 </a:t>
             </a:r>
             <a:r>
-              <a:rPr kumimoji="1" lang="ja-JP" altLang="en-US"/>
+              <a:rPr lang="ja-JP" altLang="en-US"/>
               <a:t>レベル</a:t>
             </a:r>
           </a:p>
           <a:p>
             <a:pPr lvl="2"/>
             <a:r>
-              <a:rPr kumimoji="1" lang="ja-JP" altLang="en-US"/>
+              <a:rPr lang="ja-JP" altLang="en-US"/>
               <a:t>第 </a:t>
             </a:r>
             <a:r>
-              <a:rPr kumimoji="1" lang="en-US" altLang="ja-JP"/>
+              <a:rPr lang="en-US" altLang="ja-JP"/>
               <a:t>3 </a:t>
             </a:r>
             <a:r>
-              <a:rPr kumimoji="1" lang="ja-JP" altLang="en-US"/>
+              <a:rPr lang="ja-JP" altLang="en-US"/>
               <a:t>レベル</a:t>
             </a:r>
           </a:p>
           <a:p>
             <a:pPr lvl="3"/>
             <a:r>
-              <a:rPr kumimoji="1" lang="ja-JP" altLang="en-US"/>
+              <a:rPr lang="ja-JP" altLang="en-US"/>
               <a:t>第 </a:t>
             </a:r>
             <a:r>
-              <a:rPr kumimoji="1" lang="en-US" altLang="ja-JP"/>
+              <a:rPr lang="en-US" altLang="ja-JP"/>
               <a:t>4 </a:t>
             </a:r>
             <a:r>
-              <a:rPr kumimoji="1" lang="ja-JP" altLang="en-US"/>
+              <a:rPr lang="ja-JP" altLang="en-US"/>
               <a:t>レベル</a:t>
             </a:r>
           </a:p>
           <a:p>
             <a:pPr lvl="4"/>
             <a:r>
-              <a:rPr kumimoji="1" lang="ja-JP" altLang="en-US"/>
+              <a:rPr lang="ja-JP" altLang="en-US"/>
               <a:t>第 </a:t>
             </a:r>
             <a:r>
-              <a:rPr kumimoji="1" lang="en-US" altLang="ja-JP"/>
+              <a:rPr lang="en-US" altLang="ja-JP"/>
               <a:t>5 </a:t>
             </a:r>
             <a:r>
-              <a:rPr kumimoji="1" lang="ja-JP" altLang="en-US"/>
+              <a:rPr lang="ja-JP" altLang="en-US"/>
               <a:t>レベル</a:t>
             </a:r>
-          </a:p>
-        </p:txBody>
-      </p:sp>
-      <p:sp>
-        <p:nvSpPr>
-          <p:cNvPr id="4" name="日付プレースホルダー 3">
-            <a:extLst>
-              <a:ext uri="{FF2B5EF4-FFF2-40B4-BE49-F238E27FC236}">
-                <a16:creationId xmlns:a16="http://schemas.microsoft.com/office/drawing/2014/main" id="{0BCDA190-0EB4-4F80-9824-786B818E7859}"/>
-              </a:ext>
-            </a:extLst>
-          </p:cNvPr>
+            <a:endParaRPr lang="en-US" dirty="0"/>
+          </a:p>
+        </p:txBody>
+      </p:sp>
+      <p:sp>
+        <p:nvSpPr>
+          <p:cNvPr id="7" name="Date Placeholder 6"/>
           <p:cNvSpPr>
             <a:spLocks noGrp="1"/>
           </p:cNvSpPr>
@@ -494,7 +559,7 @@
           <a:p>
             <a:fld id="{901FD508-957D-4871-83BC-2C400027228D}" type="datetimeFigureOut">
               <a:rPr kumimoji="1" lang="ja-JP" altLang="en-US" smtClean="0"/>
-              <a:t>2023/11/22</a:t>
+              <a:t>2023/11/29</a:t>
             </a:fld>
             <a:endParaRPr kumimoji="1" lang="ja-JP" altLang="en-US"/>
           </a:p>
@@ -502,13 +567,7 @@
       </p:sp>
       <p:sp>
         <p:nvSpPr>
-          <p:cNvPr id="5" name="フッター プレースホルダー 4">
-            <a:extLst>
-              <a:ext uri="{FF2B5EF4-FFF2-40B4-BE49-F238E27FC236}">
-                <a16:creationId xmlns:a16="http://schemas.microsoft.com/office/drawing/2014/main" id="{CC80A3FD-9188-4734-83D0-82ED28154A0E}"/>
-              </a:ext>
-            </a:extLst>
-          </p:cNvPr>
+          <p:cNvPr id="8" name="Footer Placeholder 7"/>
           <p:cNvSpPr>
             <a:spLocks noGrp="1"/>
           </p:cNvSpPr>
@@ -527,13 +586,7 @@
       </p:sp>
       <p:sp>
         <p:nvSpPr>
-          <p:cNvPr id="6" name="スライド番号プレースホルダー 5">
-            <a:extLst>
-              <a:ext uri="{FF2B5EF4-FFF2-40B4-BE49-F238E27FC236}">
-                <a16:creationId xmlns:a16="http://schemas.microsoft.com/office/drawing/2014/main" id="{86119C78-170A-4ED5-943E-3D3F17882538}"/>
-              </a:ext>
-            </a:extLst>
-          </p:cNvPr>
+          <p:cNvPr id="9" name="Slide Number Placeholder 8"/>
           <p:cNvSpPr>
             <a:spLocks noGrp="1"/>
           </p:cNvSpPr>
@@ -557,7 +610,7 @@
     </p:spTree>
     <p:extLst>
       <p:ext uri="{BB962C8B-B14F-4D97-AF65-F5344CB8AC3E}">
-        <p14:creationId xmlns:p14="http://schemas.microsoft.com/office/powerpoint/2010/main" val="274067391"/>
+        <p14:creationId xmlns:p14="http://schemas.microsoft.com/office/powerpoint/2010/main" val="1354149899"/>
       </p:ext>
     </p:extLst>
   </p:cSld>
@@ -586,13 +639,7 @@
       </p:grpSpPr>
       <p:sp>
         <p:nvSpPr>
-          <p:cNvPr id="2" name="縦書きタイトル 1">
-            <a:extLst>
-              <a:ext uri="{FF2B5EF4-FFF2-40B4-BE49-F238E27FC236}">
-                <a16:creationId xmlns:a16="http://schemas.microsoft.com/office/drawing/2014/main" id="{7BA7E0D1-7083-46B7-9858-290CE8994807}"/>
-              </a:ext>
-            </a:extLst>
-          </p:cNvPr>
+          <p:cNvPr id="2" name="Vertical Title 1"/>
           <p:cNvSpPr>
             <a:spLocks noGrp="1"/>
           </p:cNvSpPr>
@@ -602,8 +649,8 @@
         </p:nvSpPr>
         <p:spPr>
           <a:xfrm>
-            <a:off x="8724900" y="365125"/>
-            <a:ext cx="2628900" cy="5811838"/>
+            <a:off x="381000" y="990600"/>
+            <a:ext cx="2819400" cy="4953000"/>
           </a:xfrm>
         </p:spPr>
         <p:txBody>
@@ -611,21 +658,16 @@
           <a:lstStyle/>
           <a:p>
             <a:r>
-              <a:rPr kumimoji="1" lang="ja-JP" altLang="en-US"/>
+              <a:rPr lang="ja-JP" altLang="en-US"/>
               <a:t>マスター タイトルの書式設定</a:t>
             </a:r>
-          </a:p>
-        </p:txBody>
-      </p:sp>
-      <p:sp>
-        <p:nvSpPr>
-          <p:cNvPr id="3" name="縦書きテキスト プレースホルダー 2">
-            <a:extLst>
-              <a:ext uri="{FF2B5EF4-FFF2-40B4-BE49-F238E27FC236}">
-                <a16:creationId xmlns:a16="http://schemas.microsoft.com/office/drawing/2014/main" id="{CE190957-56C7-4122-9C8C-C172A41815EE}"/>
-              </a:ext>
-            </a:extLst>
-          </p:cNvPr>
+            <a:endParaRPr lang="en-US" dirty="0"/>
+          </a:p>
+        </p:txBody>
+      </p:sp>
+      <p:sp>
+        <p:nvSpPr>
+          <p:cNvPr id="3" name="Vertical Text Placeholder 2"/>
           <p:cNvSpPr>
             <a:spLocks noGrp="1"/>
           </p:cNvSpPr>
@@ -635,91 +677,86 @@
         </p:nvSpPr>
         <p:spPr>
           <a:xfrm>
-            <a:off x="838200" y="365125"/>
-            <a:ext cx="7734300" cy="5811838"/>
+            <a:off x="3867912" y="868680"/>
+            <a:ext cx="7315200" cy="5120640"/>
           </a:xfrm>
         </p:spPr>
         <p:txBody>
-          <a:bodyPr vert="eaVert"/>
+          <a:bodyPr vert="eaVert" anchor="t"/>
           <a:lstStyle/>
           <a:p>
             <a:pPr lvl="0"/>
             <a:r>
-              <a:rPr kumimoji="1" lang="ja-JP" altLang="en-US"/>
+              <a:rPr lang="ja-JP" altLang="en-US"/>
               <a:t>マスター テキストの書式設定</a:t>
             </a:r>
           </a:p>
           <a:p>
             <a:pPr lvl="1"/>
             <a:r>
-              <a:rPr kumimoji="1" lang="ja-JP" altLang="en-US"/>
+              <a:rPr lang="ja-JP" altLang="en-US"/>
               <a:t>第 </a:t>
             </a:r>
             <a:r>
-              <a:rPr kumimoji="1" lang="en-US" altLang="ja-JP"/>
+              <a:rPr lang="en-US" altLang="ja-JP"/>
               <a:t>2 </a:t>
             </a:r>
             <a:r>
-              <a:rPr kumimoji="1" lang="ja-JP" altLang="en-US"/>
+              <a:rPr lang="ja-JP" altLang="en-US"/>
               <a:t>レベル</a:t>
             </a:r>
           </a:p>
           <a:p>
             <a:pPr lvl="2"/>
             <a:r>
-              <a:rPr kumimoji="1" lang="ja-JP" altLang="en-US"/>
+              <a:rPr lang="ja-JP" altLang="en-US"/>
               <a:t>第 </a:t>
             </a:r>
             <a:r>
-              <a:rPr kumimoji="1" lang="en-US" altLang="ja-JP"/>
+              <a:rPr lang="en-US" altLang="ja-JP"/>
               <a:t>3 </a:t>
             </a:r>
             <a:r>
-              <a:rPr kumimoji="1" lang="ja-JP" altLang="en-US"/>
+              <a:rPr lang="ja-JP" altLang="en-US"/>
               <a:t>レベル</a:t>
             </a:r>
           </a:p>
           <a:p>
             <a:pPr lvl="3"/>
             <a:r>
-              <a:rPr kumimoji="1" lang="ja-JP" altLang="en-US"/>
+              <a:rPr lang="ja-JP" altLang="en-US"/>
               <a:t>第 </a:t>
             </a:r>
             <a:r>
-              <a:rPr kumimoji="1" lang="en-US" altLang="ja-JP"/>
+              <a:rPr lang="en-US" altLang="ja-JP"/>
               <a:t>4 </a:t>
             </a:r>
             <a:r>
-              <a:rPr kumimoji="1" lang="ja-JP" altLang="en-US"/>
+              <a:rPr lang="ja-JP" altLang="en-US"/>
               <a:t>レベル</a:t>
             </a:r>
           </a:p>
           <a:p>
             <a:pPr lvl="4"/>
             <a:r>
-              <a:rPr kumimoji="1" lang="ja-JP" altLang="en-US"/>
+              <a:rPr lang="ja-JP" altLang="en-US"/>
               <a:t>第 </a:t>
             </a:r>
             <a:r>
-              <a:rPr kumimoji="1" lang="en-US" altLang="ja-JP"/>
+              <a:rPr lang="en-US" altLang="ja-JP"/>
               <a:t>5 </a:t>
             </a:r>
             <a:r>
-              <a:rPr kumimoji="1" lang="ja-JP" altLang="en-US"/>
+              <a:rPr lang="ja-JP" altLang="en-US"/>
               <a:t>レベル</a:t>
             </a:r>
-          </a:p>
-        </p:txBody>
-      </p:sp>
-      <p:sp>
-        <p:nvSpPr>
-          <p:cNvPr id="4" name="日付プレースホルダー 3">
-            <a:extLst>
-              <a:ext uri="{FF2B5EF4-FFF2-40B4-BE49-F238E27FC236}">
-                <a16:creationId xmlns:a16="http://schemas.microsoft.com/office/drawing/2014/main" id="{DB1F2B01-32A8-4F4D-B1A9-B932F6E152AE}"/>
-              </a:ext>
-            </a:extLst>
-          </p:cNvPr>
+            <a:endParaRPr lang="en-US" dirty="0"/>
+          </a:p>
+        </p:txBody>
+      </p:sp>
+      <p:sp>
+        <p:nvSpPr>
+          <p:cNvPr id="7" name="Date Placeholder 6"/>
           <p:cNvSpPr>
             <a:spLocks noGrp="1"/>
           </p:cNvSpPr>
@@ -734,7 +771,7 @@
           <a:p>
             <a:fld id="{901FD508-957D-4871-83BC-2C400027228D}" type="datetimeFigureOut">
               <a:rPr kumimoji="1" lang="ja-JP" altLang="en-US" smtClean="0"/>
-              <a:t>2023/11/22</a:t>
+              <a:t>2023/11/29</a:t>
             </a:fld>
             <a:endParaRPr kumimoji="1" lang="ja-JP" altLang="en-US"/>
           </a:p>
@@ -742,13 +779,7 @@
       </p:sp>
       <p:sp>
         <p:nvSpPr>
-          <p:cNvPr id="5" name="フッター プレースホルダー 4">
-            <a:extLst>
-              <a:ext uri="{FF2B5EF4-FFF2-40B4-BE49-F238E27FC236}">
-                <a16:creationId xmlns:a16="http://schemas.microsoft.com/office/drawing/2014/main" id="{82DB768A-BFFC-4673-8475-00D4CFC23E54}"/>
-              </a:ext>
-            </a:extLst>
-          </p:cNvPr>
+          <p:cNvPr id="8" name="Footer Placeholder 7"/>
           <p:cNvSpPr>
             <a:spLocks noGrp="1"/>
           </p:cNvSpPr>
@@ -767,13 +798,7 @@
       </p:sp>
       <p:sp>
         <p:nvSpPr>
-          <p:cNvPr id="6" name="スライド番号プレースホルダー 5">
-            <a:extLst>
-              <a:ext uri="{FF2B5EF4-FFF2-40B4-BE49-F238E27FC236}">
-                <a16:creationId xmlns:a16="http://schemas.microsoft.com/office/drawing/2014/main" id="{9395FC99-6103-4961-8564-A99EED4EE3C8}"/>
-              </a:ext>
-            </a:extLst>
-          </p:cNvPr>
+          <p:cNvPr id="9" name="Slide Number Placeholder 8"/>
           <p:cNvSpPr>
             <a:spLocks noGrp="1"/>
           </p:cNvSpPr>
@@ -797,7 +822,7 @@
     </p:spTree>
     <p:extLst>
       <p:ext uri="{BB962C8B-B14F-4D97-AF65-F5344CB8AC3E}">
-        <p14:creationId xmlns:p14="http://schemas.microsoft.com/office/powerpoint/2010/main" val="2794914858"/>
+        <p14:creationId xmlns:p14="http://schemas.microsoft.com/office/powerpoint/2010/main" val="1497176285"/>
       </p:ext>
     </p:extLst>
   </p:cSld>
@@ -826,13 +851,7 @@
       </p:grpSpPr>
       <p:sp>
         <p:nvSpPr>
-          <p:cNvPr id="2" name="タイトル 1">
-            <a:extLst>
-              <a:ext uri="{FF2B5EF4-FFF2-40B4-BE49-F238E27FC236}">
-                <a16:creationId xmlns:a16="http://schemas.microsoft.com/office/drawing/2014/main" id="{92CBC34D-AA62-4B46-AE39-996E6ED88EAD}"/>
-              </a:ext>
-            </a:extLst>
-          </p:cNvPr>
+          <p:cNvPr id="2" name="Title 1"/>
           <p:cNvSpPr>
             <a:spLocks noGrp="1"/>
           </p:cNvSpPr>
@@ -846,21 +865,16 @@
           <a:lstStyle/>
           <a:p>
             <a:r>
-              <a:rPr kumimoji="1" lang="ja-JP" altLang="en-US"/>
+              <a:rPr lang="ja-JP" altLang="en-US"/>
               <a:t>マスター タイトルの書式設定</a:t>
             </a:r>
-          </a:p>
-        </p:txBody>
-      </p:sp>
-      <p:sp>
-        <p:nvSpPr>
-          <p:cNvPr id="3" name="コンテンツ プレースホルダー 2">
-            <a:extLst>
-              <a:ext uri="{FF2B5EF4-FFF2-40B4-BE49-F238E27FC236}">
-                <a16:creationId xmlns:a16="http://schemas.microsoft.com/office/drawing/2014/main" id="{F446E952-EA01-430D-801B-34B6AA75917D}"/>
-              </a:ext>
-            </a:extLst>
-          </p:cNvPr>
+            <a:endParaRPr lang="en-US" dirty="0"/>
+          </a:p>
+        </p:txBody>
+      </p:sp>
+      <p:sp>
+        <p:nvSpPr>
+          <p:cNvPr id="3" name="Content Placeholder 2"/>
           <p:cNvSpPr>
             <a:spLocks noGrp="1"/>
           </p:cNvSpPr>
@@ -875,81 +889,76 @@
           <a:p>
             <a:pPr lvl="0"/>
             <a:r>
-              <a:rPr kumimoji="1" lang="ja-JP" altLang="en-US"/>
+              <a:rPr lang="ja-JP" altLang="en-US"/>
               <a:t>マスター テキストの書式設定</a:t>
             </a:r>
           </a:p>
           <a:p>
             <a:pPr lvl="1"/>
             <a:r>
-              <a:rPr kumimoji="1" lang="ja-JP" altLang="en-US"/>
+              <a:rPr lang="ja-JP" altLang="en-US"/>
               <a:t>第 </a:t>
             </a:r>
             <a:r>
-              <a:rPr kumimoji="1" lang="en-US" altLang="ja-JP"/>
+              <a:rPr lang="en-US" altLang="ja-JP"/>
               <a:t>2 </a:t>
             </a:r>
             <a:r>
-              <a:rPr kumimoji="1" lang="ja-JP" altLang="en-US"/>
+              <a:rPr lang="ja-JP" altLang="en-US"/>
               <a:t>レベル</a:t>
             </a:r>
           </a:p>
           <a:p>
             <a:pPr lvl="2"/>
             <a:r>
-              <a:rPr kumimoji="1" lang="ja-JP" altLang="en-US"/>
+              <a:rPr lang="ja-JP" altLang="en-US"/>
               <a:t>第 </a:t>
             </a:r>
             <a:r>
-              <a:rPr kumimoji="1" lang="en-US" altLang="ja-JP"/>
+              <a:rPr lang="en-US" altLang="ja-JP"/>
               <a:t>3 </a:t>
             </a:r>
             <a:r>
-              <a:rPr kumimoji="1" lang="ja-JP" altLang="en-US"/>
+              <a:rPr lang="ja-JP" altLang="en-US"/>
               <a:t>レベル</a:t>
             </a:r>
           </a:p>
           <a:p>
             <a:pPr lvl="3"/>
             <a:r>
-              <a:rPr kumimoji="1" lang="ja-JP" altLang="en-US"/>
+              <a:rPr lang="ja-JP" altLang="en-US"/>
               <a:t>第 </a:t>
             </a:r>
             <a:r>
-              <a:rPr kumimoji="1" lang="en-US" altLang="ja-JP"/>
+              <a:rPr lang="en-US" altLang="ja-JP"/>
               <a:t>4 </a:t>
             </a:r>
             <a:r>
-              <a:rPr kumimoji="1" lang="ja-JP" altLang="en-US"/>
+              <a:rPr lang="ja-JP" altLang="en-US"/>
               <a:t>レベル</a:t>
             </a:r>
           </a:p>
           <a:p>
             <a:pPr lvl="4"/>
             <a:r>
-              <a:rPr kumimoji="1" lang="ja-JP" altLang="en-US"/>
+              <a:rPr lang="ja-JP" altLang="en-US"/>
               <a:t>第 </a:t>
             </a:r>
             <a:r>
-              <a:rPr kumimoji="1" lang="en-US" altLang="ja-JP"/>
+              <a:rPr lang="en-US" altLang="ja-JP"/>
               <a:t>5 </a:t>
             </a:r>
             <a:r>
-              <a:rPr kumimoji="1" lang="ja-JP" altLang="en-US"/>
+              <a:rPr lang="ja-JP" altLang="en-US"/>
               <a:t>レベル</a:t>
             </a:r>
-          </a:p>
-        </p:txBody>
-      </p:sp>
-      <p:sp>
-        <p:nvSpPr>
-          <p:cNvPr id="4" name="日付プレースホルダー 3">
-            <a:extLst>
-              <a:ext uri="{FF2B5EF4-FFF2-40B4-BE49-F238E27FC236}">
-                <a16:creationId xmlns:a16="http://schemas.microsoft.com/office/drawing/2014/main" id="{0DF55C03-3627-4408-BDA3-6A489E77518A}"/>
-              </a:ext>
-            </a:extLst>
-          </p:cNvPr>
+            <a:endParaRPr lang="en-US" dirty="0"/>
+          </a:p>
+        </p:txBody>
+      </p:sp>
+      <p:sp>
+        <p:nvSpPr>
+          <p:cNvPr id="4" name="Date Placeholder 3"/>
           <p:cNvSpPr>
             <a:spLocks noGrp="1"/>
           </p:cNvSpPr>
@@ -964,7 +973,7 @@
           <a:p>
             <a:fld id="{901FD508-957D-4871-83BC-2C400027228D}" type="datetimeFigureOut">
               <a:rPr kumimoji="1" lang="ja-JP" altLang="en-US" smtClean="0"/>
-              <a:t>2023/11/22</a:t>
+              <a:t>2023/11/29</a:t>
             </a:fld>
             <a:endParaRPr kumimoji="1" lang="ja-JP" altLang="en-US"/>
           </a:p>
@@ -972,13 +981,7 @@
       </p:sp>
       <p:sp>
         <p:nvSpPr>
-          <p:cNvPr id="5" name="フッター プレースホルダー 4">
-            <a:extLst>
-              <a:ext uri="{FF2B5EF4-FFF2-40B4-BE49-F238E27FC236}">
-                <a16:creationId xmlns:a16="http://schemas.microsoft.com/office/drawing/2014/main" id="{7559BDF7-8DD1-4F94-80D4-FFC0A697FAC4}"/>
-              </a:ext>
-            </a:extLst>
-          </p:cNvPr>
+          <p:cNvPr id="5" name="Footer Placeholder 4"/>
           <p:cNvSpPr>
             <a:spLocks noGrp="1"/>
           </p:cNvSpPr>
@@ -997,13 +1000,7 @@
       </p:sp>
       <p:sp>
         <p:nvSpPr>
-          <p:cNvPr id="6" name="スライド番号プレースホルダー 5">
-            <a:extLst>
-              <a:ext uri="{FF2B5EF4-FFF2-40B4-BE49-F238E27FC236}">
-                <a16:creationId xmlns:a16="http://schemas.microsoft.com/office/drawing/2014/main" id="{08790355-B540-4F71-9BA6-E540C6438EA4}"/>
-              </a:ext>
-            </a:extLst>
-          </p:cNvPr>
+          <p:cNvPr id="6" name="Slide Number Placeholder 5"/>
           <p:cNvSpPr>
             <a:spLocks noGrp="1"/>
           </p:cNvSpPr>
@@ -1027,7 +1024,7 @@
     </p:spTree>
     <p:extLst>
       <p:ext uri="{BB962C8B-B14F-4D97-AF65-F5344CB8AC3E}">
-        <p14:creationId xmlns:p14="http://schemas.microsoft.com/office/powerpoint/2010/main" val="2834817724"/>
+        <p14:creationId xmlns:p14="http://schemas.microsoft.com/office/powerpoint/2010/main" val="2073278289"/>
       </p:ext>
     </p:extLst>
   </p:cSld>
@@ -1056,13 +1053,7 @@
       </p:grpSpPr>
       <p:sp>
         <p:nvSpPr>
-          <p:cNvPr id="2" name="タイトル 1">
-            <a:extLst>
-              <a:ext uri="{FF2B5EF4-FFF2-40B4-BE49-F238E27FC236}">
-                <a16:creationId xmlns:a16="http://schemas.microsoft.com/office/drawing/2014/main" id="{9ADE55D4-B9A7-4EE2-9574-AE89C7117B21}"/>
-              </a:ext>
-            </a:extLst>
-          </p:cNvPr>
+          <p:cNvPr id="2" name="Title 1"/>
           <p:cNvSpPr>
             <a:spLocks noGrp="1"/>
           </p:cNvSpPr>
@@ -1072,34 +1063,38 @@
         </p:nvSpPr>
         <p:spPr>
           <a:xfrm>
-            <a:off x="831850" y="1709738"/>
-            <a:ext cx="10515600" cy="2852737"/>
+            <a:off x="3867912" y="1298448"/>
+            <a:ext cx="7315200" cy="3255264"/>
           </a:xfrm>
         </p:spPr>
         <p:txBody>
-          <a:bodyPr anchor="b"/>
+          <a:bodyPr anchor="b">
+            <a:normAutofit/>
+          </a:bodyPr>
           <a:lstStyle>
             <a:lvl1pPr>
-              <a:defRPr sz="6000"/>
+              <a:defRPr sz="5900" b="0" spc="-100" baseline="0">
+                <a:solidFill>
+                  <a:schemeClr val="tx1">
+                    <a:lumMod val="65000"/>
+                    <a:lumOff val="35000"/>
+                  </a:schemeClr>
+                </a:solidFill>
+              </a:defRPr>
             </a:lvl1pPr>
           </a:lstStyle>
           <a:p>
             <a:r>
-              <a:rPr kumimoji="1" lang="ja-JP" altLang="en-US"/>
+              <a:rPr lang="ja-JP" altLang="en-US"/>
               <a:t>マスター タイトルの書式設定</a:t>
             </a:r>
-          </a:p>
-        </p:txBody>
-      </p:sp>
-      <p:sp>
-        <p:nvSpPr>
-          <p:cNvPr id="3" name="テキスト プレースホルダー 2">
-            <a:extLst>
-              <a:ext uri="{FF2B5EF4-FFF2-40B4-BE49-F238E27FC236}">
-                <a16:creationId xmlns:a16="http://schemas.microsoft.com/office/drawing/2014/main" id="{7438B554-0537-42E4-BD9C-6CE4B521521B}"/>
-              </a:ext>
-            </a:extLst>
-          </p:cNvPr>
+            <a:endParaRPr lang="en-US" dirty="0"/>
+          </a:p>
+        </p:txBody>
+      </p:sp>
+      <p:sp>
+        <p:nvSpPr>
+          <p:cNvPr id="3" name="Text Placeholder 2"/>
           <p:cNvSpPr>
             <a:spLocks noGrp="1"/>
           </p:cNvSpPr>
@@ -1109,26 +1104,29 @@
         </p:nvSpPr>
         <p:spPr>
           <a:xfrm>
-            <a:off x="831850" y="4589463"/>
-            <a:ext cx="10515600" cy="1500187"/>
+            <a:off x="3886200" y="4672584"/>
+            <a:ext cx="7315200" cy="914400"/>
           </a:xfrm>
         </p:spPr>
         <p:txBody>
-          <a:bodyPr/>
+          <a:bodyPr anchor="t">
+            <a:normAutofit/>
+          </a:bodyPr>
           <a:lstStyle>
             <a:lvl1pPr marL="0" indent="0">
               <a:buNone/>
-              <a:defRPr sz="2400">
+              <a:defRPr sz="2200" cap="none" spc="0" baseline="0">
                 <a:solidFill>
                   <a:schemeClr val="tx1">
-                    <a:tint val="75000"/>
+                    <a:lumMod val="65000"/>
+                    <a:lumOff val="35000"/>
                   </a:schemeClr>
                 </a:solidFill>
               </a:defRPr>
             </a:lvl1pPr>
             <a:lvl2pPr marL="457200" indent="0">
               <a:buNone/>
-              <a:defRPr sz="2000">
+              <a:defRPr sz="1800">
                 <a:solidFill>
                   <a:schemeClr val="tx1">
                     <a:tint val="75000"/>
@@ -1138,7 +1136,7 @@
             </a:lvl2pPr>
             <a:lvl3pPr marL="914400" indent="0">
               <a:buNone/>
-              <a:defRPr sz="1800">
+              <a:defRPr sz="1600">
                 <a:solidFill>
                   <a:schemeClr val="tx1">
                     <a:tint val="75000"/>
@@ -1148,7 +1146,7 @@
             </a:lvl3pPr>
             <a:lvl4pPr marL="1371600" indent="0">
               <a:buNone/>
-              <a:defRPr sz="1600">
+              <a:defRPr sz="1400">
                 <a:solidFill>
                   <a:schemeClr val="tx1">
                     <a:tint val="75000"/>
@@ -1158,7 +1156,7 @@
             </a:lvl4pPr>
             <a:lvl5pPr marL="1828800" indent="0">
               <a:buNone/>
-              <a:defRPr sz="1600">
+              <a:defRPr sz="1400">
                 <a:solidFill>
                   <a:schemeClr val="tx1">
                     <a:tint val="75000"/>
@@ -1168,7 +1166,7 @@
             </a:lvl5pPr>
             <a:lvl6pPr marL="2286000" indent="0">
               <a:buNone/>
-              <a:defRPr sz="1600">
+              <a:defRPr sz="1400">
                 <a:solidFill>
                   <a:schemeClr val="tx1">
                     <a:tint val="75000"/>
@@ -1178,7 +1176,7 @@
             </a:lvl6pPr>
             <a:lvl7pPr marL="2743200" indent="0">
               <a:buNone/>
-              <a:defRPr sz="1600">
+              <a:defRPr sz="1400">
                 <a:solidFill>
                   <a:schemeClr val="tx1">
                     <a:tint val="75000"/>
@@ -1188,7 +1186,7 @@
             </a:lvl7pPr>
             <a:lvl8pPr marL="3200400" indent="0">
               <a:buNone/>
-              <a:defRPr sz="1600">
+              <a:defRPr sz="1400">
                 <a:solidFill>
                   <a:schemeClr val="tx1">
                     <a:tint val="75000"/>
@@ -1198,7 +1196,7 @@
             </a:lvl8pPr>
             <a:lvl9pPr marL="3657600" indent="0">
               <a:buNone/>
-              <a:defRPr sz="1600">
+              <a:defRPr sz="1400">
                 <a:solidFill>
                   <a:schemeClr val="tx1">
                     <a:tint val="75000"/>
@@ -1210,7 +1208,7 @@
           <a:p>
             <a:pPr lvl="0"/>
             <a:r>
-              <a:rPr kumimoji="1" lang="ja-JP" altLang="en-US"/>
+              <a:rPr lang="ja-JP" altLang="en-US"/>
               <a:t>マスター テキストの書式設定</a:t>
             </a:r>
           </a:p>
@@ -1218,13 +1216,7 @@
       </p:sp>
       <p:sp>
         <p:nvSpPr>
-          <p:cNvPr id="4" name="日付プレースホルダー 3">
-            <a:extLst>
-              <a:ext uri="{FF2B5EF4-FFF2-40B4-BE49-F238E27FC236}">
-                <a16:creationId xmlns:a16="http://schemas.microsoft.com/office/drawing/2014/main" id="{52AC4A63-3426-40C9-8283-C656DC852C78}"/>
-              </a:ext>
-            </a:extLst>
-          </p:cNvPr>
+          <p:cNvPr id="4" name="Date Placeholder 3"/>
           <p:cNvSpPr>
             <a:spLocks noGrp="1"/>
           </p:cNvSpPr>
@@ -1239,7 +1231,7 @@
           <a:p>
             <a:fld id="{901FD508-957D-4871-83BC-2C400027228D}" type="datetimeFigureOut">
               <a:rPr kumimoji="1" lang="ja-JP" altLang="en-US" smtClean="0"/>
-              <a:t>2023/11/22</a:t>
+              <a:t>2023/11/29</a:t>
             </a:fld>
             <a:endParaRPr kumimoji="1" lang="ja-JP" altLang="en-US"/>
           </a:p>
@@ -1247,13 +1239,7 @@
       </p:sp>
       <p:sp>
         <p:nvSpPr>
-          <p:cNvPr id="5" name="フッター プレースホルダー 4">
-            <a:extLst>
-              <a:ext uri="{FF2B5EF4-FFF2-40B4-BE49-F238E27FC236}">
-                <a16:creationId xmlns:a16="http://schemas.microsoft.com/office/drawing/2014/main" id="{4476FFB8-0338-4C7E-A869-DE41EA8112A0}"/>
-              </a:ext>
-            </a:extLst>
-          </p:cNvPr>
+          <p:cNvPr id="5" name="Footer Placeholder 4"/>
           <p:cNvSpPr>
             <a:spLocks noGrp="1"/>
           </p:cNvSpPr>
@@ -1272,13 +1258,7 @@
       </p:sp>
       <p:sp>
         <p:nvSpPr>
-          <p:cNvPr id="6" name="スライド番号プレースホルダー 5">
-            <a:extLst>
-              <a:ext uri="{FF2B5EF4-FFF2-40B4-BE49-F238E27FC236}">
-                <a16:creationId xmlns:a16="http://schemas.microsoft.com/office/drawing/2014/main" id="{066F8748-67BC-4580-9CAF-E8FFB98D7465}"/>
-              </a:ext>
-            </a:extLst>
-          </p:cNvPr>
+          <p:cNvPr id="6" name="Slide Number Placeholder 5"/>
           <p:cNvSpPr>
             <a:spLocks noGrp="1"/>
           </p:cNvSpPr>
@@ -1302,7 +1282,7 @@
     </p:spTree>
     <p:extLst>
       <p:ext uri="{BB962C8B-B14F-4D97-AF65-F5344CB8AC3E}">
-        <p14:creationId xmlns:p14="http://schemas.microsoft.com/office/powerpoint/2010/main" val="87418868"/>
+        <p14:creationId xmlns:p14="http://schemas.microsoft.com/office/powerpoint/2010/main" val="1984450355"/>
       </p:ext>
     </p:extLst>
   </p:cSld>
@@ -1331,13 +1311,7 @@
       </p:grpSpPr>
       <p:sp>
         <p:nvSpPr>
-          <p:cNvPr id="2" name="タイトル 1">
-            <a:extLst>
-              <a:ext uri="{FF2B5EF4-FFF2-40B4-BE49-F238E27FC236}">
-                <a16:creationId xmlns:a16="http://schemas.microsoft.com/office/drawing/2014/main" id="{6C1112C0-F32D-4A46-B659-A7629E226108}"/>
-              </a:ext>
-            </a:extLst>
-          </p:cNvPr>
+          <p:cNvPr id="2" name="Title 1"/>
           <p:cNvSpPr>
             <a:spLocks noGrp="1"/>
           </p:cNvSpPr>
@@ -1351,21 +1325,16 @@
           <a:lstStyle/>
           <a:p>
             <a:r>
-              <a:rPr kumimoji="1" lang="ja-JP" altLang="en-US"/>
+              <a:rPr lang="ja-JP" altLang="en-US"/>
               <a:t>マスター タイトルの書式設定</a:t>
             </a:r>
-          </a:p>
-        </p:txBody>
-      </p:sp>
-      <p:sp>
-        <p:nvSpPr>
-          <p:cNvPr id="3" name="コンテンツ プレースホルダー 2">
-            <a:extLst>
-              <a:ext uri="{FF2B5EF4-FFF2-40B4-BE49-F238E27FC236}">
-                <a16:creationId xmlns:a16="http://schemas.microsoft.com/office/drawing/2014/main" id="{5F46C667-1F84-42BE-95F8-B3ED2685FEA9}"/>
-              </a:ext>
-            </a:extLst>
-          </p:cNvPr>
+            <a:endParaRPr lang="en-US" dirty="0"/>
+          </a:p>
+        </p:txBody>
+      </p:sp>
+      <p:sp>
+        <p:nvSpPr>
+          <p:cNvPr id="3" name="Content Placeholder 2"/>
           <p:cNvSpPr>
             <a:spLocks noGrp="1"/>
           </p:cNvSpPr>
@@ -1375,91 +1344,114 @@
         </p:nvSpPr>
         <p:spPr>
           <a:xfrm>
-            <a:off x="838200" y="1825625"/>
-            <a:ext cx="5181600" cy="4351338"/>
+            <a:off x="3867912" y="868680"/>
+            <a:ext cx="3474720" cy="5120640"/>
           </a:xfrm>
         </p:spPr>
         <p:txBody>
           <a:bodyPr/>
-          <a:lstStyle/>
+          <a:lstStyle>
+            <a:lvl1pPr>
+              <a:defRPr sz="2000"/>
+            </a:lvl1pPr>
+            <a:lvl2pPr>
+              <a:defRPr sz="1800"/>
+            </a:lvl2pPr>
+            <a:lvl3pPr>
+              <a:defRPr sz="1600"/>
+            </a:lvl3pPr>
+            <a:lvl4pPr>
+              <a:defRPr sz="1400"/>
+            </a:lvl4pPr>
+            <a:lvl5pPr>
+              <a:defRPr sz="1400"/>
+            </a:lvl5pPr>
+            <a:lvl6pPr>
+              <a:defRPr sz="1400"/>
+            </a:lvl6pPr>
+            <a:lvl7pPr>
+              <a:defRPr sz="1400"/>
+            </a:lvl7pPr>
+            <a:lvl8pPr>
+              <a:defRPr sz="1400"/>
+            </a:lvl8pPr>
+            <a:lvl9pPr>
+              <a:defRPr sz="1400"/>
+            </a:lvl9pPr>
+          </a:lstStyle>
           <a:p>
             <a:pPr lvl="0"/>
             <a:r>
-              <a:rPr kumimoji="1" lang="ja-JP" altLang="en-US"/>
+              <a:rPr lang="ja-JP" altLang="en-US"/>
               <a:t>マスター テキストの書式設定</a:t>
             </a:r>
           </a:p>
           <a:p>
             <a:pPr lvl="1"/>
             <a:r>
-              <a:rPr kumimoji="1" lang="ja-JP" altLang="en-US"/>
+              <a:rPr lang="ja-JP" altLang="en-US"/>
               <a:t>第 </a:t>
             </a:r>
             <a:r>
-              <a:rPr kumimoji="1" lang="en-US" altLang="ja-JP"/>
+              <a:rPr lang="en-US" altLang="ja-JP"/>
               <a:t>2 </a:t>
             </a:r>
             <a:r>
-              <a:rPr kumimoji="1" lang="ja-JP" altLang="en-US"/>
+              <a:rPr lang="ja-JP" altLang="en-US"/>
               <a:t>レベル</a:t>
             </a:r>
           </a:p>
           <a:p>
             <a:pPr lvl="2"/>
             <a:r>
-              <a:rPr kumimoji="1" lang="ja-JP" altLang="en-US"/>
+              <a:rPr lang="ja-JP" altLang="en-US"/>
               <a:t>第 </a:t>
             </a:r>
             <a:r>
-              <a:rPr kumimoji="1" lang="en-US" altLang="ja-JP"/>
+              <a:rPr lang="en-US" altLang="ja-JP"/>
               <a:t>3 </a:t>
             </a:r>
             <a:r>
-              <a:rPr kumimoji="1" lang="ja-JP" altLang="en-US"/>
+              <a:rPr lang="ja-JP" altLang="en-US"/>
               <a:t>レベル</a:t>
             </a:r>
           </a:p>
           <a:p>
             <a:pPr lvl="3"/>
             <a:r>
-              <a:rPr kumimoji="1" lang="ja-JP" altLang="en-US"/>
+              <a:rPr lang="ja-JP" altLang="en-US"/>
               <a:t>第 </a:t>
             </a:r>
             <a:r>
-              <a:rPr kumimoji="1" lang="en-US" altLang="ja-JP"/>
+              <a:rPr lang="en-US" altLang="ja-JP"/>
               <a:t>4 </a:t>
             </a:r>
             <a:r>
-              <a:rPr kumimoji="1" lang="ja-JP" altLang="en-US"/>
+              <a:rPr lang="ja-JP" altLang="en-US"/>
               <a:t>レベル</a:t>
             </a:r>
           </a:p>
           <a:p>
             <a:pPr lvl="4"/>
             <a:r>
-              <a:rPr kumimoji="1" lang="ja-JP" altLang="en-US"/>
+              <a:rPr lang="ja-JP" altLang="en-US"/>
               <a:t>第 </a:t>
             </a:r>
             <a:r>
-              <a:rPr kumimoji="1" lang="en-US" altLang="ja-JP"/>
+              <a:rPr lang="en-US" altLang="ja-JP"/>
               <a:t>5 </a:t>
             </a:r>
             <a:r>
-              <a:rPr kumimoji="1" lang="ja-JP" altLang="en-US"/>
+              <a:rPr lang="ja-JP" altLang="en-US"/>
               <a:t>レベル</a:t>
             </a:r>
-          </a:p>
-        </p:txBody>
-      </p:sp>
-      <p:sp>
-        <p:nvSpPr>
-          <p:cNvPr id="4" name="コンテンツ プレースホルダー 3">
-            <a:extLst>
-              <a:ext uri="{FF2B5EF4-FFF2-40B4-BE49-F238E27FC236}">
-                <a16:creationId xmlns:a16="http://schemas.microsoft.com/office/drawing/2014/main" id="{0A9A957C-487E-40EE-A8E4-891D53353D1D}"/>
-              </a:ext>
-            </a:extLst>
-          </p:cNvPr>
+            <a:endParaRPr lang="en-US" dirty="0"/>
+          </a:p>
+        </p:txBody>
+      </p:sp>
+      <p:sp>
+        <p:nvSpPr>
+          <p:cNvPr id="4" name="Content Placeholder 3"/>
           <p:cNvSpPr>
             <a:spLocks noGrp="1"/>
           </p:cNvSpPr>
@@ -1469,91 +1461,114 @@
         </p:nvSpPr>
         <p:spPr>
           <a:xfrm>
-            <a:off x="6172200" y="1825625"/>
-            <a:ext cx="5181600" cy="4351338"/>
+            <a:off x="7818120" y="868680"/>
+            <a:ext cx="3474720" cy="5120640"/>
           </a:xfrm>
         </p:spPr>
         <p:txBody>
           <a:bodyPr/>
-          <a:lstStyle/>
+          <a:lstStyle>
+            <a:lvl1pPr>
+              <a:defRPr sz="2000"/>
+            </a:lvl1pPr>
+            <a:lvl2pPr>
+              <a:defRPr sz="1800"/>
+            </a:lvl2pPr>
+            <a:lvl3pPr>
+              <a:defRPr sz="1600"/>
+            </a:lvl3pPr>
+            <a:lvl4pPr>
+              <a:defRPr sz="1400"/>
+            </a:lvl4pPr>
+            <a:lvl5pPr>
+              <a:defRPr sz="1400"/>
+            </a:lvl5pPr>
+            <a:lvl6pPr>
+              <a:defRPr sz="1400"/>
+            </a:lvl6pPr>
+            <a:lvl7pPr>
+              <a:defRPr sz="1400"/>
+            </a:lvl7pPr>
+            <a:lvl8pPr>
+              <a:defRPr sz="1400"/>
+            </a:lvl8pPr>
+            <a:lvl9pPr>
+              <a:defRPr sz="1400"/>
+            </a:lvl9pPr>
+          </a:lstStyle>
           <a:p>
             <a:pPr lvl="0"/>
             <a:r>
-              <a:rPr kumimoji="1" lang="ja-JP" altLang="en-US"/>
+              <a:rPr lang="ja-JP" altLang="en-US"/>
               <a:t>マスター テキストの書式設定</a:t>
             </a:r>
           </a:p>
           <a:p>
             <a:pPr lvl="1"/>
             <a:r>
-              <a:rPr kumimoji="1" lang="ja-JP" altLang="en-US"/>
+              <a:rPr lang="ja-JP" altLang="en-US"/>
               <a:t>第 </a:t>
             </a:r>
             <a:r>
-              <a:rPr kumimoji="1" lang="en-US" altLang="ja-JP"/>
+              <a:rPr lang="en-US" altLang="ja-JP"/>
               <a:t>2 </a:t>
             </a:r>
             <a:r>
-              <a:rPr kumimoji="1" lang="ja-JP" altLang="en-US"/>
+              <a:rPr lang="ja-JP" altLang="en-US"/>
               <a:t>レベル</a:t>
             </a:r>
           </a:p>
           <a:p>
             <a:pPr lvl="2"/>
             <a:r>
-              <a:rPr kumimoji="1" lang="ja-JP" altLang="en-US"/>
+              <a:rPr lang="ja-JP" altLang="en-US"/>
               <a:t>第 </a:t>
             </a:r>
             <a:r>
-              <a:rPr kumimoji="1" lang="en-US" altLang="ja-JP"/>
+              <a:rPr lang="en-US" altLang="ja-JP"/>
               <a:t>3 </a:t>
             </a:r>
             <a:r>
-              <a:rPr kumimoji="1" lang="ja-JP" altLang="en-US"/>
+              <a:rPr lang="ja-JP" altLang="en-US"/>
               <a:t>レベル</a:t>
             </a:r>
           </a:p>
           <a:p>
             <a:pPr lvl="3"/>
             <a:r>
-              <a:rPr kumimoji="1" lang="ja-JP" altLang="en-US"/>
+              <a:rPr lang="ja-JP" altLang="en-US"/>
               <a:t>第 </a:t>
             </a:r>
             <a:r>
-              <a:rPr kumimoji="1" lang="en-US" altLang="ja-JP"/>
+              <a:rPr lang="en-US" altLang="ja-JP"/>
               <a:t>4 </a:t>
             </a:r>
             <a:r>
-              <a:rPr kumimoji="1" lang="ja-JP" altLang="en-US"/>
+              <a:rPr lang="ja-JP" altLang="en-US"/>
               <a:t>レベル</a:t>
             </a:r>
           </a:p>
           <a:p>
             <a:pPr lvl="4"/>
             <a:r>
-              <a:rPr kumimoji="1" lang="ja-JP" altLang="en-US"/>
+              <a:rPr lang="ja-JP" altLang="en-US"/>
               <a:t>第 </a:t>
             </a:r>
             <a:r>
-              <a:rPr kumimoji="1" lang="en-US" altLang="ja-JP"/>
+              <a:rPr lang="en-US" altLang="ja-JP"/>
               <a:t>5 </a:t>
             </a:r>
             <a:r>
-              <a:rPr kumimoji="1" lang="ja-JP" altLang="en-US"/>
+              <a:rPr lang="ja-JP" altLang="en-US"/>
               <a:t>レベル</a:t>
             </a:r>
-          </a:p>
-        </p:txBody>
-      </p:sp>
-      <p:sp>
-        <p:nvSpPr>
-          <p:cNvPr id="5" name="日付プレースホルダー 4">
-            <a:extLst>
-              <a:ext uri="{FF2B5EF4-FFF2-40B4-BE49-F238E27FC236}">
-                <a16:creationId xmlns:a16="http://schemas.microsoft.com/office/drawing/2014/main" id="{E6F42409-DDF0-4F05-8E0A-9C5AC0DCBF05}"/>
-              </a:ext>
-            </a:extLst>
-          </p:cNvPr>
+            <a:endParaRPr lang="en-US" dirty="0"/>
+          </a:p>
+        </p:txBody>
+      </p:sp>
+      <p:sp>
+        <p:nvSpPr>
+          <p:cNvPr id="8" name="Date Placeholder 7"/>
           <p:cNvSpPr>
             <a:spLocks noGrp="1"/>
           </p:cNvSpPr>
@@ -1568,7 +1583,7 @@
           <a:p>
             <a:fld id="{901FD508-957D-4871-83BC-2C400027228D}" type="datetimeFigureOut">
               <a:rPr kumimoji="1" lang="ja-JP" altLang="en-US" smtClean="0"/>
-              <a:t>2023/11/22</a:t>
+              <a:t>2023/11/29</a:t>
             </a:fld>
             <a:endParaRPr kumimoji="1" lang="ja-JP" altLang="en-US"/>
           </a:p>
@@ -1576,13 +1591,7 @@
       </p:sp>
       <p:sp>
         <p:nvSpPr>
-          <p:cNvPr id="6" name="フッター プレースホルダー 5">
-            <a:extLst>
-              <a:ext uri="{FF2B5EF4-FFF2-40B4-BE49-F238E27FC236}">
-                <a16:creationId xmlns:a16="http://schemas.microsoft.com/office/drawing/2014/main" id="{D76CE665-9126-4DA2-AB32-EFB8C189ECE0}"/>
-              </a:ext>
-            </a:extLst>
-          </p:cNvPr>
+          <p:cNvPr id="9" name="Footer Placeholder 8"/>
           <p:cNvSpPr>
             <a:spLocks noGrp="1"/>
           </p:cNvSpPr>
@@ -1601,13 +1610,7 @@
       </p:sp>
       <p:sp>
         <p:nvSpPr>
-          <p:cNvPr id="7" name="スライド番号プレースホルダー 6">
-            <a:extLst>
-              <a:ext uri="{FF2B5EF4-FFF2-40B4-BE49-F238E27FC236}">
-                <a16:creationId xmlns:a16="http://schemas.microsoft.com/office/drawing/2014/main" id="{2FEDC2B6-5A06-456B-B207-12BEB920ACE0}"/>
-              </a:ext>
-            </a:extLst>
-          </p:cNvPr>
+          <p:cNvPr id="10" name="Slide Number Placeholder 9"/>
           <p:cNvSpPr>
             <a:spLocks noGrp="1"/>
           </p:cNvSpPr>
@@ -1631,7 +1634,7 @@
     </p:spTree>
     <p:extLst>
       <p:ext uri="{BB962C8B-B14F-4D97-AF65-F5344CB8AC3E}">
-        <p14:creationId xmlns:p14="http://schemas.microsoft.com/office/powerpoint/2010/main" val="279539415"/>
+        <p14:creationId xmlns:p14="http://schemas.microsoft.com/office/powerpoint/2010/main" val="3657612525"/>
       </p:ext>
     </p:extLst>
   </p:cSld>
@@ -1660,13 +1663,7 @@
       </p:grpSpPr>
       <p:sp>
         <p:nvSpPr>
-          <p:cNvPr id="2" name="タイトル 1">
-            <a:extLst>
-              <a:ext uri="{FF2B5EF4-FFF2-40B4-BE49-F238E27FC236}">
-                <a16:creationId xmlns:a16="http://schemas.microsoft.com/office/drawing/2014/main" id="{047D6D2E-D983-441C-B10F-FF80F76F4BE5}"/>
-              </a:ext>
-            </a:extLst>
-          </p:cNvPr>
+          <p:cNvPr id="10" name="Title 9"/>
           <p:cNvSpPr>
             <a:spLocks noGrp="1"/>
           </p:cNvSpPr>
@@ -1674,32 +1671,22 @@
             <p:ph type="title"/>
           </p:nvPr>
         </p:nvSpPr>
-        <p:spPr>
-          <a:xfrm>
-            <a:off x="839788" y="365125"/>
-            <a:ext cx="10515600" cy="1325563"/>
-          </a:xfrm>
-        </p:spPr>
+        <p:spPr/>
         <p:txBody>
           <a:bodyPr/>
           <a:lstStyle/>
           <a:p>
             <a:r>
-              <a:rPr kumimoji="1" lang="ja-JP" altLang="en-US"/>
+              <a:rPr lang="ja-JP" altLang="en-US"/>
               <a:t>マスター タイトルの書式設定</a:t>
             </a:r>
-          </a:p>
-        </p:txBody>
-      </p:sp>
-      <p:sp>
-        <p:nvSpPr>
-          <p:cNvPr id="3" name="テキスト プレースホルダー 2">
-            <a:extLst>
-              <a:ext uri="{FF2B5EF4-FFF2-40B4-BE49-F238E27FC236}">
-                <a16:creationId xmlns:a16="http://schemas.microsoft.com/office/drawing/2014/main" id="{C027EDAC-C5AD-4EB0-93BC-DE572D0DEA62}"/>
-              </a:ext>
-            </a:extLst>
-          </p:cNvPr>
+            <a:endParaRPr lang="en-US" dirty="0"/>
+          </a:p>
+        </p:txBody>
+      </p:sp>
+      <p:sp>
+        <p:nvSpPr>
+          <p:cNvPr id="3" name="Text Placeholder 2"/>
           <p:cNvSpPr>
             <a:spLocks noGrp="1"/>
           </p:cNvSpPr>
@@ -1709,16 +1696,28 @@
         </p:nvSpPr>
         <p:spPr>
           <a:xfrm>
-            <a:off x="839788" y="1681163"/>
-            <a:ext cx="5157787" cy="823912"/>
+            <a:off x="3867912" y="1023586"/>
+            <a:ext cx="3474720" cy="807720"/>
           </a:xfrm>
         </p:spPr>
         <p:txBody>
-          <a:bodyPr anchor="b"/>
+          <a:bodyPr anchor="b">
+            <a:normAutofit/>
+          </a:bodyPr>
           <a:lstStyle>
             <a:lvl1pPr marL="0" indent="0">
+              <a:spcBef>
+                <a:spcPts val="0"/>
+              </a:spcBef>
               <a:buNone/>
-              <a:defRPr sz="2400" b="1"/>
+              <a:defRPr sz="2000" b="1">
+                <a:solidFill>
+                  <a:schemeClr val="tx1">
+                    <a:lumMod val="65000"/>
+                    <a:lumOff val="35000"/>
+                  </a:schemeClr>
+                </a:solidFill>
+              </a:defRPr>
             </a:lvl1pPr>
             <a:lvl2pPr marL="457200" indent="0">
               <a:buNone/>
@@ -1756,7 +1755,7 @@
           <a:p>
             <a:pPr lvl="0"/>
             <a:r>
-              <a:rPr kumimoji="1" lang="ja-JP" altLang="en-US"/>
+              <a:rPr lang="ja-JP" altLang="en-US"/>
               <a:t>マスター テキストの書式設定</a:t>
             </a:r>
           </a:p>
@@ -1764,13 +1763,7 @@
       </p:sp>
       <p:sp>
         <p:nvSpPr>
-          <p:cNvPr id="4" name="コンテンツ プレースホルダー 3">
-            <a:extLst>
-              <a:ext uri="{FF2B5EF4-FFF2-40B4-BE49-F238E27FC236}">
-                <a16:creationId xmlns:a16="http://schemas.microsoft.com/office/drawing/2014/main" id="{FAF575AA-B0F1-4D18-8C08-33BDF5A3C34F}"/>
-              </a:ext>
-            </a:extLst>
-          </p:cNvPr>
+          <p:cNvPr id="4" name="Content Placeholder 3"/>
           <p:cNvSpPr>
             <a:spLocks noGrp="1"/>
           </p:cNvSpPr>
@@ -1780,91 +1773,114 @@
         </p:nvSpPr>
         <p:spPr>
           <a:xfrm>
-            <a:off x="839788" y="2505075"/>
-            <a:ext cx="5157787" cy="3684588"/>
+            <a:off x="3867912" y="1930936"/>
+            <a:ext cx="3474720" cy="4023360"/>
           </a:xfrm>
         </p:spPr>
         <p:txBody>
           <a:bodyPr/>
-          <a:lstStyle/>
+          <a:lstStyle>
+            <a:lvl1pPr>
+              <a:defRPr sz="2000"/>
+            </a:lvl1pPr>
+            <a:lvl2pPr>
+              <a:defRPr sz="1800"/>
+            </a:lvl2pPr>
+            <a:lvl3pPr>
+              <a:defRPr sz="1600"/>
+            </a:lvl3pPr>
+            <a:lvl4pPr>
+              <a:defRPr sz="1400"/>
+            </a:lvl4pPr>
+            <a:lvl5pPr>
+              <a:defRPr sz="1400"/>
+            </a:lvl5pPr>
+            <a:lvl6pPr>
+              <a:defRPr sz="1400"/>
+            </a:lvl6pPr>
+            <a:lvl7pPr>
+              <a:defRPr sz="1400"/>
+            </a:lvl7pPr>
+            <a:lvl8pPr>
+              <a:defRPr sz="1400"/>
+            </a:lvl8pPr>
+            <a:lvl9pPr>
+              <a:defRPr sz="1400"/>
+            </a:lvl9pPr>
+          </a:lstStyle>
           <a:p>
             <a:pPr lvl="0"/>
             <a:r>
-              <a:rPr kumimoji="1" lang="ja-JP" altLang="en-US"/>
+              <a:rPr lang="ja-JP" altLang="en-US"/>
               <a:t>マスター テキストの書式設定</a:t>
             </a:r>
           </a:p>
           <a:p>
             <a:pPr lvl="1"/>
             <a:r>
-              <a:rPr kumimoji="1" lang="ja-JP" altLang="en-US"/>
+              <a:rPr lang="ja-JP" altLang="en-US"/>
               <a:t>第 </a:t>
             </a:r>
             <a:r>
-              <a:rPr kumimoji="1" lang="en-US" altLang="ja-JP"/>
+              <a:rPr lang="en-US" altLang="ja-JP"/>
               <a:t>2 </a:t>
             </a:r>
             <a:r>
-              <a:rPr kumimoji="1" lang="ja-JP" altLang="en-US"/>
+              <a:rPr lang="ja-JP" altLang="en-US"/>
               <a:t>レベル</a:t>
             </a:r>
           </a:p>
           <a:p>
             <a:pPr lvl="2"/>
             <a:r>
-              <a:rPr kumimoji="1" lang="ja-JP" altLang="en-US"/>
+              <a:rPr lang="ja-JP" altLang="en-US"/>
               <a:t>第 </a:t>
             </a:r>
             <a:r>
-              <a:rPr kumimoji="1" lang="en-US" altLang="ja-JP"/>
+              <a:rPr lang="en-US" altLang="ja-JP"/>
               <a:t>3 </a:t>
             </a:r>
             <a:r>
-              <a:rPr kumimoji="1" lang="ja-JP" altLang="en-US"/>
+              <a:rPr lang="ja-JP" altLang="en-US"/>
               <a:t>レベル</a:t>
             </a:r>
           </a:p>
           <a:p>
             <a:pPr lvl="3"/>
             <a:r>
-              <a:rPr kumimoji="1" lang="ja-JP" altLang="en-US"/>
+              <a:rPr lang="ja-JP" altLang="en-US"/>
               <a:t>第 </a:t>
             </a:r>
             <a:r>
-              <a:rPr kumimoji="1" lang="en-US" altLang="ja-JP"/>
+              <a:rPr lang="en-US" altLang="ja-JP"/>
               <a:t>4 </a:t>
             </a:r>
             <a:r>
-              <a:rPr kumimoji="1" lang="ja-JP" altLang="en-US"/>
+              <a:rPr lang="ja-JP" altLang="en-US"/>
               <a:t>レベル</a:t>
             </a:r>
           </a:p>
           <a:p>
             <a:pPr lvl="4"/>
             <a:r>
-              <a:rPr kumimoji="1" lang="ja-JP" altLang="en-US"/>
+              <a:rPr lang="ja-JP" altLang="en-US"/>
               <a:t>第 </a:t>
             </a:r>
             <a:r>
-              <a:rPr kumimoji="1" lang="en-US" altLang="ja-JP"/>
+              <a:rPr lang="en-US" altLang="ja-JP"/>
               <a:t>5 </a:t>
             </a:r>
             <a:r>
-              <a:rPr kumimoji="1" lang="ja-JP" altLang="en-US"/>
+              <a:rPr lang="ja-JP" altLang="en-US"/>
               <a:t>レベル</a:t>
             </a:r>
-          </a:p>
-        </p:txBody>
-      </p:sp>
-      <p:sp>
-        <p:nvSpPr>
-          <p:cNvPr id="5" name="テキスト プレースホルダー 4">
-            <a:extLst>
-              <a:ext uri="{FF2B5EF4-FFF2-40B4-BE49-F238E27FC236}">
-                <a16:creationId xmlns:a16="http://schemas.microsoft.com/office/drawing/2014/main" id="{EC51CC6B-3DE7-46EE-A7AF-22FE74DF00C4}"/>
-              </a:ext>
-            </a:extLst>
-          </p:cNvPr>
+            <a:endParaRPr lang="en-US" dirty="0"/>
+          </a:p>
+        </p:txBody>
+      </p:sp>
+      <p:sp>
+        <p:nvSpPr>
+          <p:cNvPr id="5" name="Text Placeholder 4"/>
           <p:cNvSpPr>
             <a:spLocks noGrp="1"/>
           </p:cNvSpPr>
@@ -1874,16 +1890,28 @@
         </p:nvSpPr>
         <p:spPr>
           <a:xfrm>
-            <a:off x="6172200" y="1681163"/>
-            <a:ext cx="5183188" cy="823912"/>
+            <a:off x="7818463" y="1023586"/>
+            <a:ext cx="3474720" cy="813171"/>
           </a:xfrm>
         </p:spPr>
         <p:txBody>
-          <a:bodyPr anchor="b"/>
+          <a:bodyPr anchor="b">
+            <a:normAutofit/>
+          </a:bodyPr>
           <a:lstStyle>
             <a:lvl1pPr marL="0" indent="0">
+              <a:spcBef>
+                <a:spcPts val="0"/>
+              </a:spcBef>
               <a:buNone/>
-              <a:defRPr sz="2400" b="1"/>
+              <a:defRPr sz="2000" b="1">
+                <a:solidFill>
+                  <a:schemeClr val="tx1">
+                    <a:lumMod val="65000"/>
+                    <a:lumOff val="35000"/>
+                  </a:schemeClr>
+                </a:solidFill>
+              </a:defRPr>
             </a:lvl1pPr>
             <a:lvl2pPr marL="457200" indent="0">
               <a:buNone/>
@@ -1921,7 +1949,7 @@
           <a:p>
             <a:pPr lvl="0"/>
             <a:r>
-              <a:rPr kumimoji="1" lang="ja-JP" altLang="en-US"/>
+              <a:rPr lang="ja-JP" altLang="en-US"/>
               <a:t>マスター テキストの書式設定</a:t>
             </a:r>
           </a:p>
@@ -1929,13 +1957,7 @@
       </p:sp>
       <p:sp>
         <p:nvSpPr>
-          <p:cNvPr id="6" name="コンテンツ プレースホルダー 5">
-            <a:extLst>
-              <a:ext uri="{FF2B5EF4-FFF2-40B4-BE49-F238E27FC236}">
-                <a16:creationId xmlns:a16="http://schemas.microsoft.com/office/drawing/2014/main" id="{70EC7D19-B252-4C98-B68E-0120933DFE17}"/>
-              </a:ext>
-            </a:extLst>
-          </p:cNvPr>
+          <p:cNvPr id="6" name="Content Placeholder 5"/>
           <p:cNvSpPr>
             <a:spLocks noGrp="1"/>
           </p:cNvSpPr>
@@ -1945,91 +1967,114 @@
         </p:nvSpPr>
         <p:spPr>
           <a:xfrm>
-            <a:off x="6172200" y="2505075"/>
-            <a:ext cx="5183188" cy="3684588"/>
+            <a:off x="7818463" y="1930936"/>
+            <a:ext cx="3474720" cy="4023360"/>
           </a:xfrm>
         </p:spPr>
         <p:txBody>
           <a:bodyPr/>
-          <a:lstStyle/>
+          <a:lstStyle>
+            <a:lvl1pPr>
+              <a:defRPr sz="2000"/>
+            </a:lvl1pPr>
+            <a:lvl2pPr>
+              <a:defRPr sz="1800"/>
+            </a:lvl2pPr>
+            <a:lvl3pPr>
+              <a:defRPr sz="1600"/>
+            </a:lvl3pPr>
+            <a:lvl4pPr>
+              <a:defRPr sz="1400"/>
+            </a:lvl4pPr>
+            <a:lvl5pPr>
+              <a:defRPr sz="1400"/>
+            </a:lvl5pPr>
+            <a:lvl6pPr>
+              <a:defRPr sz="1400"/>
+            </a:lvl6pPr>
+            <a:lvl7pPr>
+              <a:defRPr sz="1400"/>
+            </a:lvl7pPr>
+            <a:lvl8pPr>
+              <a:defRPr sz="1400"/>
+            </a:lvl8pPr>
+            <a:lvl9pPr>
+              <a:defRPr sz="1400"/>
+            </a:lvl9pPr>
+          </a:lstStyle>
           <a:p>
             <a:pPr lvl="0"/>
             <a:r>
-              <a:rPr kumimoji="1" lang="ja-JP" altLang="en-US"/>
+              <a:rPr lang="ja-JP" altLang="en-US"/>
               <a:t>マスター テキストの書式設定</a:t>
             </a:r>
           </a:p>
           <a:p>
             <a:pPr lvl="1"/>
             <a:r>
-              <a:rPr kumimoji="1" lang="ja-JP" altLang="en-US"/>
+              <a:rPr lang="ja-JP" altLang="en-US"/>
               <a:t>第 </a:t>
             </a:r>
             <a:r>
-              <a:rPr kumimoji="1" lang="en-US" altLang="ja-JP"/>
+              <a:rPr lang="en-US" altLang="ja-JP"/>
               <a:t>2 </a:t>
             </a:r>
             <a:r>
-              <a:rPr kumimoji="1" lang="ja-JP" altLang="en-US"/>
+              <a:rPr lang="ja-JP" altLang="en-US"/>
               <a:t>レベル</a:t>
             </a:r>
           </a:p>
           <a:p>
             <a:pPr lvl="2"/>
             <a:r>
-              <a:rPr kumimoji="1" lang="ja-JP" altLang="en-US"/>
+              <a:rPr lang="ja-JP" altLang="en-US"/>
               <a:t>第 </a:t>
             </a:r>
             <a:r>
-              <a:rPr kumimoji="1" lang="en-US" altLang="ja-JP"/>
+              <a:rPr lang="en-US" altLang="ja-JP"/>
               <a:t>3 </a:t>
             </a:r>
             <a:r>
-              <a:rPr kumimoji="1" lang="ja-JP" altLang="en-US"/>
+              <a:rPr lang="ja-JP" altLang="en-US"/>
               <a:t>レベル</a:t>
             </a:r>
           </a:p>
           <a:p>
             <a:pPr lvl="3"/>
             <a:r>
-              <a:rPr kumimoji="1" lang="ja-JP" altLang="en-US"/>
+              <a:rPr lang="ja-JP" altLang="en-US"/>
               <a:t>第 </a:t>
             </a:r>
             <a:r>
-              <a:rPr kumimoji="1" lang="en-US" altLang="ja-JP"/>
+              <a:rPr lang="en-US" altLang="ja-JP"/>
               <a:t>4 </a:t>
             </a:r>
             <a:r>
-              <a:rPr kumimoji="1" lang="ja-JP" altLang="en-US"/>
+              <a:rPr lang="ja-JP" altLang="en-US"/>
               <a:t>レベル</a:t>
             </a:r>
           </a:p>
           <a:p>
             <a:pPr lvl="4"/>
             <a:r>
-              <a:rPr kumimoji="1" lang="ja-JP" altLang="en-US"/>
+              <a:rPr lang="ja-JP" altLang="en-US"/>
               <a:t>第 </a:t>
             </a:r>
             <a:r>
-              <a:rPr kumimoji="1" lang="en-US" altLang="ja-JP"/>
+              <a:rPr lang="en-US" altLang="ja-JP"/>
               <a:t>5 </a:t>
             </a:r>
             <a:r>
-              <a:rPr kumimoji="1" lang="ja-JP" altLang="en-US"/>
+              <a:rPr lang="ja-JP" altLang="en-US"/>
               <a:t>レベル</a:t>
             </a:r>
-          </a:p>
-        </p:txBody>
-      </p:sp>
-      <p:sp>
-        <p:nvSpPr>
-          <p:cNvPr id="7" name="日付プレースホルダー 6">
-            <a:extLst>
-              <a:ext uri="{FF2B5EF4-FFF2-40B4-BE49-F238E27FC236}">
-                <a16:creationId xmlns:a16="http://schemas.microsoft.com/office/drawing/2014/main" id="{8C076905-F813-4FF3-BD9E-E1AF110AB834}"/>
-              </a:ext>
-            </a:extLst>
-          </p:cNvPr>
+            <a:endParaRPr lang="en-US" dirty="0"/>
+          </a:p>
+        </p:txBody>
+      </p:sp>
+      <p:sp>
+        <p:nvSpPr>
+          <p:cNvPr id="2" name="Date Placeholder 1"/>
           <p:cNvSpPr>
             <a:spLocks noGrp="1"/>
           </p:cNvSpPr>
@@ -2044,7 +2089,7 @@
           <a:p>
             <a:fld id="{901FD508-957D-4871-83BC-2C400027228D}" type="datetimeFigureOut">
               <a:rPr kumimoji="1" lang="ja-JP" altLang="en-US" smtClean="0"/>
-              <a:t>2023/11/22</a:t>
+              <a:t>2023/11/29</a:t>
             </a:fld>
             <a:endParaRPr kumimoji="1" lang="ja-JP" altLang="en-US"/>
           </a:p>
@@ -2052,13 +2097,7 @@
       </p:sp>
       <p:sp>
         <p:nvSpPr>
-          <p:cNvPr id="8" name="フッター プレースホルダー 7">
-            <a:extLst>
-              <a:ext uri="{FF2B5EF4-FFF2-40B4-BE49-F238E27FC236}">
-                <a16:creationId xmlns:a16="http://schemas.microsoft.com/office/drawing/2014/main" id="{3B8F44E6-877E-4D25-9079-89D33C11976C}"/>
-              </a:ext>
-            </a:extLst>
-          </p:cNvPr>
+          <p:cNvPr id="11" name="Footer Placeholder 10"/>
           <p:cNvSpPr>
             <a:spLocks noGrp="1"/>
           </p:cNvSpPr>
@@ -2077,13 +2116,7 @@
       </p:sp>
       <p:sp>
         <p:nvSpPr>
-          <p:cNvPr id="9" name="スライド番号プレースホルダー 8">
-            <a:extLst>
-              <a:ext uri="{FF2B5EF4-FFF2-40B4-BE49-F238E27FC236}">
-                <a16:creationId xmlns:a16="http://schemas.microsoft.com/office/drawing/2014/main" id="{AC2A3F5E-2BAB-4699-BB36-166501DB2DF6}"/>
-              </a:ext>
-            </a:extLst>
-          </p:cNvPr>
+          <p:cNvPr id="12" name="Slide Number Placeholder 11"/>
           <p:cNvSpPr>
             <a:spLocks noGrp="1"/>
           </p:cNvSpPr>
@@ -2107,7 +2140,7 @@
     </p:spTree>
     <p:extLst>
       <p:ext uri="{BB962C8B-B14F-4D97-AF65-F5344CB8AC3E}">
-        <p14:creationId xmlns:p14="http://schemas.microsoft.com/office/powerpoint/2010/main" val="2355595278"/>
+        <p14:creationId xmlns:p14="http://schemas.microsoft.com/office/powerpoint/2010/main" val="3054323002"/>
       </p:ext>
     </p:extLst>
   </p:cSld>
@@ -2136,13 +2169,7 @@
       </p:grpSpPr>
       <p:sp>
         <p:nvSpPr>
-          <p:cNvPr id="2" name="タイトル 1">
-            <a:extLst>
-              <a:ext uri="{FF2B5EF4-FFF2-40B4-BE49-F238E27FC236}">
-                <a16:creationId xmlns:a16="http://schemas.microsoft.com/office/drawing/2014/main" id="{2110511D-9D9C-4A48-8AE1-2484315D5463}"/>
-              </a:ext>
-            </a:extLst>
-          </p:cNvPr>
+          <p:cNvPr id="6" name="Title 5"/>
           <p:cNvSpPr>
             <a:spLocks noGrp="1"/>
           </p:cNvSpPr>
@@ -2156,21 +2183,16 @@
           <a:lstStyle/>
           <a:p>
             <a:r>
-              <a:rPr kumimoji="1" lang="ja-JP" altLang="en-US"/>
+              <a:rPr lang="ja-JP" altLang="en-US"/>
               <a:t>マスター タイトルの書式設定</a:t>
             </a:r>
-          </a:p>
-        </p:txBody>
-      </p:sp>
-      <p:sp>
-        <p:nvSpPr>
-          <p:cNvPr id="3" name="日付プレースホルダー 2">
-            <a:extLst>
-              <a:ext uri="{FF2B5EF4-FFF2-40B4-BE49-F238E27FC236}">
-                <a16:creationId xmlns:a16="http://schemas.microsoft.com/office/drawing/2014/main" id="{37BE5964-F5F3-44B3-BDB4-4BEEA15F5ECF}"/>
-              </a:ext>
-            </a:extLst>
-          </p:cNvPr>
+            <a:endParaRPr lang="en-US" dirty="0"/>
+          </a:p>
+        </p:txBody>
+      </p:sp>
+      <p:sp>
+        <p:nvSpPr>
+          <p:cNvPr id="2" name="Date Placeholder 1"/>
           <p:cNvSpPr>
             <a:spLocks noGrp="1"/>
           </p:cNvSpPr>
@@ -2185,7 +2207,7 @@
           <a:p>
             <a:fld id="{901FD508-957D-4871-83BC-2C400027228D}" type="datetimeFigureOut">
               <a:rPr kumimoji="1" lang="ja-JP" altLang="en-US" smtClean="0"/>
-              <a:t>2023/11/22</a:t>
+              <a:t>2023/11/29</a:t>
             </a:fld>
             <a:endParaRPr kumimoji="1" lang="ja-JP" altLang="en-US"/>
           </a:p>
@@ -2193,13 +2215,7 @@
       </p:sp>
       <p:sp>
         <p:nvSpPr>
-          <p:cNvPr id="4" name="フッター プレースホルダー 3">
-            <a:extLst>
-              <a:ext uri="{FF2B5EF4-FFF2-40B4-BE49-F238E27FC236}">
-                <a16:creationId xmlns:a16="http://schemas.microsoft.com/office/drawing/2014/main" id="{0FB16424-ED58-4FB0-B6EF-C42704CF0640}"/>
-              </a:ext>
-            </a:extLst>
-          </p:cNvPr>
+          <p:cNvPr id="7" name="Footer Placeholder 6"/>
           <p:cNvSpPr>
             <a:spLocks noGrp="1"/>
           </p:cNvSpPr>
@@ -2218,13 +2234,7 @@
       </p:sp>
       <p:sp>
         <p:nvSpPr>
-          <p:cNvPr id="5" name="スライド番号プレースホルダー 4">
-            <a:extLst>
-              <a:ext uri="{FF2B5EF4-FFF2-40B4-BE49-F238E27FC236}">
-                <a16:creationId xmlns:a16="http://schemas.microsoft.com/office/drawing/2014/main" id="{286A3E85-83CB-421B-95A8-19B06FBE21A2}"/>
-              </a:ext>
-            </a:extLst>
-          </p:cNvPr>
+          <p:cNvPr id="8" name="Slide Number Placeholder 7"/>
           <p:cNvSpPr>
             <a:spLocks noGrp="1"/>
           </p:cNvSpPr>
@@ -2248,7 +2258,7 @@
     </p:spTree>
     <p:extLst>
       <p:ext uri="{BB962C8B-B14F-4D97-AF65-F5344CB8AC3E}">
-        <p14:creationId xmlns:p14="http://schemas.microsoft.com/office/powerpoint/2010/main" val="2999732763"/>
+        <p14:creationId xmlns:p14="http://schemas.microsoft.com/office/powerpoint/2010/main" val="3919476608"/>
       </p:ext>
     </p:extLst>
   </p:cSld>
@@ -2259,7 +2269,7 @@
 </file>
 
 <file path=ppt/slideLayouts/slideLayout7.xml><?xml version="1.0" encoding="utf-8"?>
-<p:sldLayout xmlns:a="http://schemas.openxmlformats.org/drawingml/2006/main" xmlns:r="http://schemas.openxmlformats.org/officeDocument/2006/relationships" xmlns:p="http://schemas.openxmlformats.org/presentationml/2006/main" type="blank" preserve="1">
+<p:sldLayout xmlns:a="http://schemas.openxmlformats.org/drawingml/2006/main" xmlns:r="http://schemas.openxmlformats.org/officeDocument/2006/relationships" xmlns:p="http://schemas.openxmlformats.org/presentationml/2006/main" showMasterSp="0" type="blank" preserve="1">
   <p:cSld name="白紙">
     <p:spTree>
       <p:nvGrpSpPr>
@@ -2277,13 +2287,7 @@
       </p:grpSpPr>
       <p:sp>
         <p:nvSpPr>
-          <p:cNvPr id="2" name="日付プレースホルダー 1">
-            <a:extLst>
-              <a:ext uri="{FF2B5EF4-FFF2-40B4-BE49-F238E27FC236}">
-                <a16:creationId xmlns:a16="http://schemas.microsoft.com/office/drawing/2014/main" id="{7459D281-695C-4151-A43F-C930846DE109}"/>
-              </a:ext>
-            </a:extLst>
-          </p:cNvPr>
+          <p:cNvPr id="5" name="Date Placeholder 4"/>
           <p:cNvSpPr>
             <a:spLocks noGrp="1"/>
           </p:cNvSpPr>
@@ -2298,7 +2302,7 @@
           <a:p>
             <a:fld id="{901FD508-957D-4871-83BC-2C400027228D}" type="datetimeFigureOut">
               <a:rPr kumimoji="1" lang="ja-JP" altLang="en-US" smtClean="0"/>
-              <a:t>2023/11/22</a:t>
+              <a:t>2023/11/29</a:t>
             </a:fld>
             <a:endParaRPr kumimoji="1" lang="ja-JP" altLang="en-US"/>
           </a:p>
@@ -2306,13 +2310,7 @@
       </p:sp>
       <p:sp>
         <p:nvSpPr>
-          <p:cNvPr id="3" name="フッター プレースホルダー 2">
-            <a:extLst>
-              <a:ext uri="{FF2B5EF4-FFF2-40B4-BE49-F238E27FC236}">
-                <a16:creationId xmlns:a16="http://schemas.microsoft.com/office/drawing/2014/main" id="{B6110F84-51B4-4F92-AB6B-8AE00A40DEB2}"/>
-              </a:ext>
-            </a:extLst>
-          </p:cNvPr>
+          <p:cNvPr id="6" name="Footer Placeholder 5"/>
           <p:cNvSpPr>
             <a:spLocks noGrp="1"/>
           </p:cNvSpPr>
@@ -2331,13 +2329,7 @@
       </p:sp>
       <p:sp>
         <p:nvSpPr>
-          <p:cNvPr id="4" name="スライド番号プレースホルダー 3">
-            <a:extLst>
-              <a:ext uri="{FF2B5EF4-FFF2-40B4-BE49-F238E27FC236}">
-                <a16:creationId xmlns:a16="http://schemas.microsoft.com/office/drawing/2014/main" id="{F26C81FC-4AA1-42EB-8DEE-C0603737950B}"/>
-              </a:ext>
-            </a:extLst>
-          </p:cNvPr>
+          <p:cNvPr id="7" name="Slide Number Placeholder 6"/>
           <p:cNvSpPr>
             <a:spLocks noGrp="1"/>
           </p:cNvSpPr>
@@ -2361,7 +2353,7 @@
     </p:spTree>
     <p:extLst>
       <p:ext uri="{BB962C8B-B14F-4D97-AF65-F5344CB8AC3E}">
-        <p14:creationId xmlns:p14="http://schemas.microsoft.com/office/powerpoint/2010/main" val="880489939"/>
+        <p14:creationId xmlns:p14="http://schemas.microsoft.com/office/powerpoint/2010/main" val="1282033156"/>
       </p:ext>
     </p:extLst>
   </p:cSld>
@@ -2390,13 +2382,7 @@
       </p:grpSpPr>
       <p:sp>
         <p:nvSpPr>
-          <p:cNvPr id="2" name="タイトル 1">
-            <a:extLst>
-              <a:ext uri="{FF2B5EF4-FFF2-40B4-BE49-F238E27FC236}">
-                <a16:creationId xmlns:a16="http://schemas.microsoft.com/office/drawing/2014/main" id="{38E3DA98-8C25-44A1-9A52-A31C8AB3F795}"/>
-              </a:ext>
-            </a:extLst>
-          </p:cNvPr>
+          <p:cNvPr id="2" name="Title 1"/>
           <p:cNvSpPr>
             <a:spLocks noGrp="1"/>
           </p:cNvSpPr>
@@ -2406,34 +2392,31 @@
         </p:nvSpPr>
         <p:spPr>
           <a:xfrm>
-            <a:off x="839788" y="457200"/>
-            <a:ext cx="3932237" cy="1600200"/>
+            <a:off x="256032" y="1143000"/>
+            <a:ext cx="2834640" cy="2377440"/>
           </a:xfrm>
         </p:spPr>
         <p:txBody>
-          <a:bodyPr anchor="b"/>
+          <a:bodyPr anchor="b">
+            <a:normAutofit/>
+          </a:bodyPr>
           <a:lstStyle>
             <a:lvl1pPr>
-              <a:defRPr sz="3200"/>
+              <a:defRPr sz="3200" b="0" baseline="0"/>
             </a:lvl1pPr>
           </a:lstStyle>
           <a:p>
             <a:r>
-              <a:rPr kumimoji="1" lang="ja-JP" altLang="en-US"/>
+              <a:rPr lang="ja-JP" altLang="en-US"/>
               <a:t>マスター タイトルの書式設定</a:t>
             </a:r>
-          </a:p>
-        </p:txBody>
-      </p:sp>
-      <p:sp>
-        <p:nvSpPr>
-          <p:cNvPr id="3" name="コンテンツ プレースホルダー 2">
-            <a:extLst>
-              <a:ext uri="{FF2B5EF4-FFF2-40B4-BE49-F238E27FC236}">
-                <a16:creationId xmlns:a16="http://schemas.microsoft.com/office/drawing/2014/main" id="{B3242724-3F10-45BC-ACAA-77B05E117224}"/>
-              </a:ext>
-            </a:extLst>
-          </p:cNvPr>
+            <a:endParaRPr lang="en-US" dirty="0"/>
+          </a:p>
+        </p:txBody>
+      </p:sp>
+      <p:sp>
+        <p:nvSpPr>
+          <p:cNvPr id="3" name="Content Placeholder 2"/>
           <p:cNvSpPr>
             <a:spLocks noGrp="1"/>
           </p:cNvSpPr>
@@ -2443,119 +2426,114 @@
         </p:nvSpPr>
         <p:spPr>
           <a:xfrm>
-            <a:off x="5183188" y="987425"/>
-            <a:ext cx="6172200" cy="4873625"/>
+            <a:off x="3867912" y="868680"/>
+            <a:ext cx="7315200" cy="5120640"/>
           </a:xfrm>
         </p:spPr>
         <p:txBody>
           <a:bodyPr/>
           <a:lstStyle>
             <a:lvl1pPr>
-              <a:defRPr sz="3200"/>
+              <a:defRPr sz="2000"/>
             </a:lvl1pPr>
             <a:lvl2pPr>
-              <a:defRPr sz="2800"/>
+              <a:defRPr sz="1800"/>
             </a:lvl2pPr>
             <a:lvl3pPr>
-              <a:defRPr sz="2400"/>
+              <a:defRPr sz="1600"/>
             </a:lvl3pPr>
             <a:lvl4pPr>
-              <a:defRPr sz="2000"/>
+              <a:defRPr sz="1400"/>
             </a:lvl4pPr>
             <a:lvl5pPr>
-              <a:defRPr sz="2000"/>
+              <a:defRPr sz="1400"/>
             </a:lvl5pPr>
             <a:lvl6pPr>
-              <a:defRPr sz="2000"/>
+              <a:defRPr sz="1400"/>
             </a:lvl6pPr>
             <a:lvl7pPr>
-              <a:defRPr sz="2000"/>
+              <a:defRPr sz="1400"/>
             </a:lvl7pPr>
             <a:lvl8pPr>
-              <a:defRPr sz="2000"/>
+              <a:defRPr sz="1400"/>
             </a:lvl8pPr>
             <a:lvl9pPr>
-              <a:defRPr sz="2000"/>
+              <a:defRPr sz="1400"/>
             </a:lvl9pPr>
           </a:lstStyle>
           <a:p>
             <a:pPr lvl="0"/>
             <a:r>
-              <a:rPr kumimoji="1" lang="ja-JP" altLang="en-US"/>
+              <a:rPr lang="ja-JP" altLang="en-US"/>
               <a:t>マスター テキストの書式設定</a:t>
             </a:r>
           </a:p>
           <a:p>
             <a:pPr lvl="1"/>
             <a:r>
-              <a:rPr kumimoji="1" lang="ja-JP" altLang="en-US"/>
+              <a:rPr lang="ja-JP" altLang="en-US"/>
               <a:t>第 </a:t>
             </a:r>
             <a:r>
-              <a:rPr kumimoji="1" lang="en-US" altLang="ja-JP"/>
+              <a:rPr lang="en-US" altLang="ja-JP"/>
               <a:t>2 </a:t>
             </a:r>
             <a:r>
-              <a:rPr kumimoji="1" lang="ja-JP" altLang="en-US"/>
+              <a:rPr lang="ja-JP" altLang="en-US"/>
               <a:t>レベル</a:t>
             </a:r>
           </a:p>
           <a:p>
             <a:pPr lvl="2"/>
             <a:r>
-              <a:rPr kumimoji="1" lang="ja-JP" altLang="en-US"/>
+              <a:rPr lang="ja-JP" altLang="en-US"/>
               <a:t>第 </a:t>
             </a:r>
             <a:r>
-              <a:rPr kumimoji="1" lang="en-US" altLang="ja-JP"/>
+              <a:rPr lang="en-US" altLang="ja-JP"/>
               <a:t>3 </a:t>
             </a:r>
             <a:r>
-              <a:rPr kumimoji="1" lang="ja-JP" altLang="en-US"/>
+              <a:rPr lang="ja-JP" altLang="en-US"/>
               <a:t>レベル</a:t>
             </a:r>
           </a:p>
           <a:p>
             <a:pPr lvl="3"/>
             <a:r>
-              <a:rPr kumimoji="1" lang="ja-JP" altLang="en-US"/>
+              <a:rPr lang="ja-JP" altLang="en-US"/>
               <a:t>第 </a:t>
             </a:r>
             <a:r>
-              <a:rPr kumimoji="1" lang="en-US" altLang="ja-JP"/>
+              <a:rPr lang="en-US" altLang="ja-JP"/>
               <a:t>4 </a:t>
             </a:r>
             <a:r>
-              <a:rPr kumimoji="1" lang="ja-JP" altLang="en-US"/>
+              <a:rPr lang="ja-JP" altLang="en-US"/>
               <a:t>レベル</a:t>
             </a:r>
           </a:p>
           <a:p>
             <a:pPr lvl="4"/>
             <a:r>
-              <a:rPr kumimoji="1" lang="ja-JP" altLang="en-US"/>
+              <a:rPr lang="ja-JP" altLang="en-US"/>
               <a:t>第 </a:t>
             </a:r>
             <a:r>
-              <a:rPr kumimoji="1" lang="en-US" altLang="ja-JP"/>
+              <a:rPr lang="en-US" altLang="ja-JP"/>
               <a:t>5 </a:t>
             </a:r>
             <a:r>
-              <a:rPr kumimoji="1" lang="ja-JP" altLang="en-US"/>
+              <a:rPr lang="ja-JP" altLang="en-US"/>
               <a:t>レベル</a:t>
             </a:r>
-          </a:p>
-        </p:txBody>
-      </p:sp>
-      <p:sp>
-        <p:nvSpPr>
-          <p:cNvPr id="4" name="テキスト プレースホルダー 3">
-            <a:extLst>
-              <a:ext uri="{FF2B5EF4-FFF2-40B4-BE49-F238E27FC236}">
-                <a16:creationId xmlns:a16="http://schemas.microsoft.com/office/drawing/2014/main" id="{2F2EDD8E-C72E-452A-A6DD-5E7DE78081BE}"/>
-              </a:ext>
-            </a:extLst>
-          </p:cNvPr>
+            <a:endParaRPr lang="en-US" dirty="0"/>
+          </a:p>
+        </p:txBody>
+      </p:sp>
+      <p:sp>
+        <p:nvSpPr>
+          <p:cNvPr id="4" name="Text Placeholder 3"/>
           <p:cNvSpPr>
             <a:spLocks noGrp="1"/>
           </p:cNvSpPr>
@@ -2565,54 +2543,63 @@
         </p:nvSpPr>
         <p:spPr>
           <a:xfrm>
-            <a:off x="839788" y="2057400"/>
-            <a:ext cx="3932237" cy="3811588"/>
+            <a:off x="256032" y="3494176"/>
+            <a:ext cx="2834640" cy="2321990"/>
           </a:xfrm>
         </p:spPr>
         <p:txBody>
-          <a:bodyPr/>
+          <a:bodyPr anchor="t">
+            <a:normAutofit/>
+          </a:bodyPr>
           <a:lstStyle>
             <a:lvl1pPr marL="0" indent="0">
+              <a:lnSpc>
+                <a:spcPct val="100000"/>
+              </a:lnSpc>
               <a:buNone/>
-              <a:defRPr sz="1600"/>
+              <a:defRPr sz="1400">
+                <a:solidFill>
+                  <a:srgbClr val="FFFFFF"/>
+                </a:solidFill>
+              </a:defRPr>
             </a:lvl1pPr>
             <a:lvl2pPr marL="457200" indent="0">
               <a:buNone/>
-              <a:defRPr sz="1400"/>
+              <a:defRPr sz="1200"/>
             </a:lvl2pPr>
             <a:lvl3pPr marL="914400" indent="0">
               <a:buNone/>
-              <a:defRPr sz="1200"/>
+              <a:defRPr sz="1000"/>
             </a:lvl3pPr>
             <a:lvl4pPr marL="1371600" indent="0">
               <a:buNone/>
-              <a:defRPr sz="1000"/>
+              <a:defRPr sz="900"/>
             </a:lvl4pPr>
             <a:lvl5pPr marL="1828800" indent="0">
               <a:buNone/>
-              <a:defRPr sz="1000"/>
+              <a:defRPr sz="900"/>
             </a:lvl5pPr>
             <a:lvl6pPr marL="2286000" indent="0">
               <a:buNone/>
-              <a:defRPr sz="1000"/>
+              <a:defRPr sz="900"/>
             </a:lvl6pPr>
             <a:lvl7pPr marL="2743200" indent="0">
               <a:buNone/>
-              <a:defRPr sz="1000"/>
+              <a:defRPr sz="900"/>
             </a:lvl7pPr>
             <a:lvl8pPr marL="3200400" indent="0">
               <a:buNone/>
-              <a:defRPr sz="1000"/>
+              <a:defRPr sz="900"/>
             </a:lvl8pPr>
             <a:lvl9pPr marL="3657600" indent="0">
               <a:buNone/>
-              <a:defRPr sz="1000"/>
+              <a:defRPr sz="900"/>
             </a:lvl9pPr>
           </a:lstStyle>
           <a:p>
             <a:pPr lvl="0"/>
             <a:r>
-              <a:rPr kumimoji="1" lang="ja-JP" altLang="en-US"/>
+              <a:rPr lang="ja-JP" altLang="en-US"/>
               <a:t>マスター テキストの書式設定</a:t>
             </a:r>
           </a:p>
@@ -2620,13 +2607,7 @@
       </p:sp>
       <p:sp>
         <p:nvSpPr>
-          <p:cNvPr id="5" name="日付プレースホルダー 4">
-            <a:extLst>
-              <a:ext uri="{FF2B5EF4-FFF2-40B4-BE49-F238E27FC236}">
-                <a16:creationId xmlns:a16="http://schemas.microsoft.com/office/drawing/2014/main" id="{75427BEF-BF47-43FD-AB2F-98163E0A18C8}"/>
-              </a:ext>
-            </a:extLst>
-          </p:cNvPr>
+          <p:cNvPr id="8" name="Date Placeholder 7"/>
           <p:cNvSpPr>
             <a:spLocks noGrp="1"/>
           </p:cNvSpPr>
@@ -2641,7 +2622,7 @@
           <a:p>
             <a:fld id="{901FD508-957D-4871-83BC-2C400027228D}" type="datetimeFigureOut">
               <a:rPr kumimoji="1" lang="ja-JP" altLang="en-US" smtClean="0"/>
-              <a:t>2023/11/22</a:t>
+              <a:t>2023/11/29</a:t>
             </a:fld>
             <a:endParaRPr kumimoji="1" lang="ja-JP" altLang="en-US"/>
           </a:p>
@@ -2649,13 +2630,7 @@
       </p:sp>
       <p:sp>
         <p:nvSpPr>
-          <p:cNvPr id="6" name="フッター プレースホルダー 5">
-            <a:extLst>
-              <a:ext uri="{FF2B5EF4-FFF2-40B4-BE49-F238E27FC236}">
-                <a16:creationId xmlns:a16="http://schemas.microsoft.com/office/drawing/2014/main" id="{165FE190-29E4-4F70-B95D-143DD3425413}"/>
-              </a:ext>
-            </a:extLst>
-          </p:cNvPr>
+          <p:cNvPr id="9" name="Footer Placeholder 8"/>
           <p:cNvSpPr>
             <a:spLocks noGrp="1"/>
           </p:cNvSpPr>
@@ -2674,13 +2649,7 @@
       </p:sp>
       <p:sp>
         <p:nvSpPr>
-          <p:cNvPr id="7" name="スライド番号プレースホルダー 6">
-            <a:extLst>
-              <a:ext uri="{FF2B5EF4-FFF2-40B4-BE49-F238E27FC236}">
-                <a16:creationId xmlns:a16="http://schemas.microsoft.com/office/drawing/2014/main" id="{45399135-FFFA-4BD3-AD29-35552628F3A8}"/>
-              </a:ext>
-            </a:extLst>
-          </p:cNvPr>
+          <p:cNvPr id="10" name="Slide Number Placeholder 9"/>
           <p:cNvSpPr>
             <a:spLocks noGrp="1"/>
           </p:cNvSpPr>
@@ -2704,7 +2673,7 @@
     </p:spTree>
     <p:extLst>
       <p:ext uri="{BB962C8B-B14F-4D97-AF65-F5344CB8AC3E}">
-        <p14:creationId xmlns:p14="http://schemas.microsoft.com/office/powerpoint/2010/main" val="2758713175"/>
+        <p14:creationId xmlns:p14="http://schemas.microsoft.com/office/powerpoint/2010/main" val="1652095260"/>
       </p:ext>
     </p:extLst>
   </p:cSld>
@@ -2733,13 +2702,7 @@
       </p:grpSpPr>
       <p:sp>
         <p:nvSpPr>
-          <p:cNvPr id="2" name="タイトル 1">
-            <a:extLst>
-              <a:ext uri="{FF2B5EF4-FFF2-40B4-BE49-F238E27FC236}">
-                <a16:creationId xmlns:a16="http://schemas.microsoft.com/office/drawing/2014/main" id="{C0D39EB0-E8B1-4406-A973-065E761E7BA7}"/>
-              </a:ext>
-            </a:extLst>
-          </p:cNvPr>
+          <p:cNvPr id="2" name="Title 1"/>
           <p:cNvSpPr>
             <a:spLocks noGrp="1"/>
           </p:cNvSpPr>
@@ -2749,36 +2712,33 @@
         </p:nvSpPr>
         <p:spPr>
           <a:xfrm>
-            <a:off x="839788" y="457200"/>
-            <a:ext cx="3932237" cy="1600200"/>
+            <a:off x="256032" y="1143000"/>
+            <a:ext cx="2834640" cy="2377440"/>
           </a:xfrm>
         </p:spPr>
         <p:txBody>
-          <a:bodyPr anchor="b"/>
+          <a:bodyPr anchor="b">
+            <a:normAutofit/>
+          </a:bodyPr>
           <a:lstStyle>
             <a:lvl1pPr>
-              <a:defRPr sz="3200"/>
+              <a:defRPr sz="3200" b="0"/>
             </a:lvl1pPr>
           </a:lstStyle>
           <a:p>
             <a:r>
-              <a:rPr kumimoji="1" lang="ja-JP" altLang="en-US"/>
+              <a:rPr lang="ja-JP" altLang="en-US"/>
               <a:t>マスター タイトルの書式設定</a:t>
             </a:r>
-          </a:p>
-        </p:txBody>
-      </p:sp>
-      <p:sp>
-        <p:nvSpPr>
-          <p:cNvPr id="3" name="図プレースホルダー 2">
-            <a:extLst>
-              <a:ext uri="{FF2B5EF4-FFF2-40B4-BE49-F238E27FC236}">
-                <a16:creationId xmlns:a16="http://schemas.microsoft.com/office/drawing/2014/main" id="{74887DCC-1E23-4D2D-8DEE-72150B031387}"/>
-              </a:ext>
-            </a:extLst>
-          </p:cNvPr>
+            <a:endParaRPr lang="en-US" dirty="0"/>
+          </a:p>
+        </p:txBody>
+      </p:sp>
+      <p:sp>
+        <p:nvSpPr>
+          <p:cNvPr id="3" name="Picture Placeholder 2"/>
           <p:cNvSpPr>
-            <a:spLocks noGrp="1"/>
+            <a:spLocks noGrp="1" noChangeAspect="1"/>
           </p:cNvSpPr>
           <p:nvPr>
             <p:ph type="pic" idx="1"/>
@@ -2786,12 +2746,17 @@
         </p:nvSpPr>
         <p:spPr>
           <a:xfrm>
-            <a:off x="5183188" y="987425"/>
-            <a:ext cx="6172200" cy="4873625"/>
+            <a:off x="3570644" y="767419"/>
+            <a:ext cx="8115230" cy="5330952"/>
           </a:xfrm>
+          <a:solidFill>
+            <a:schemeClr val="bg1">
+              <a:lumMod val="75000"/>
+            </a:schemeClr>
+          </a:solidFill>
         </p:spPr>
         <p:txBody>
-          <a:bodyPr/>
+          <a:bodyPr anchor="t"/>
           <a:lstStyle>
             <a:lvl1pPr marL="0" indent="0">
               <a:buNone/>
@@ -2831,19 +2796,17 @@
             </a:lvl9pPr>
           </a:lstStyle>
           <a:p>
-            <a:endParaRPr kumimoji="1" lang="ja-JP" altLang="en-US"/>
-          </a:p>
-        </p:txBody>
-      </p:sp>
-      <p:sp>
-        <p:nvSpPr>
-          <p:cNvPr id="4" name="テキスト プレースホルダー 3">
-            <a:extLst>
-              <a:ext uri="{FF2B5EF4-FFF2-40B4-BE49-F238E27FC236}">
-                <a16:creationId xmlns:a16="http://schemas.microsoft.com/office/drawing/2014/main" id="{1EFE43AD-8F95-409A-BFD3-F22C8F99E943}"/>
-              </a:ext>
-            </a:extLst>
-          </p:cNvPr>
+            <a:r>
+              <a:rPr lang="ja-JP" altLang="en-US"/>
+              <a:t>アイコンをクリックして図を追加</a:t>
+            </a:r>
+            <a:endParaRPr lang="en-US" dirty="0"/>
+          </a:p>
+        </p:txBody>
+      </p:sp>
+      <p:sp>
+        <p:nvSpPr>
+          <p:cNvPr id="4" name="Text Placeholder 3"/>
           <p:cNvSpPr>
             <a:spLocks noGrp="1"/>
           </p:cNvSpPr>
@@ -2853,54 +2816,63 @@
         </p:nvSpPr>
         <p:spPr>
           <a:xfrm>
-            <a:off x="839788" y="2057400"/>
-            <a:ext cx="3932237" cy="3811588"/>
+            <a:off x="256032" y="3493008"/>
+            <a:ext cx="2834640" cy="2322576"/>
           </a:xfrm>
         </p:spPr>
         <p:txBody>
-          <a:bodyPr/>
+          <a:bodyPr anchor="t">
+            <a:normAutofit/>
+          </a:bodyPr>
           <a:lstStyle>
             <a:lvl1pPr marL="0" indent="0">
+              <a:lnSpc>
+                <a:spcPct val="100000"/>
+              </a:lnSpc>
               <a:buNone/>
-              <a:defRPr sz="1600"/>
+              <a:defRPr sz="1400">
+                <a:solidFill>
+                  <a:srgbClr val="FFFFFF"/>
+                </a:solidFill>
+              </a:defRPr>
             </a:lvl1pPr>
             <a:lvl2pPr marL="457200" indent="0">
               <a:buNone/>
-              <a:defRPr sz="1400"/>
+              <a:defRPr sz="1200"/>
             </a:lvl2pPr>
             <a:lvl3pPr marL="914400" indent="0">
               <a:buNone/>
-              <a:defRPr sz="1200"/>
+              <a:defRPr sz="1000"/>
             </a:lvl3pPr>
             <a:lvl4pPr marL="1371600" indent="0">
               <a:buNone/>
-              <a:defRPr sz="1000"/>
+              <a:defRPr sz="900"/>
             </a:lvl4pPr>
             <a:lvl5pPr marL="1828800" indent="0">
               <a:buNone/>
-              <a:defRPr sz="1000"/>
+              <a:defRPr sz="900"/>
             </a:lvl5pPr>
             <a:lvl6pPr marL="2286000" indent="0">
               <a:buNone/>
-              <a:defRPr sz="1000"/>
+              <a:defRPr sz="900"/>
             </a:lvl6pPr>
             <a:lvl7pPr marL="2743200" indent="0">
               <a:buNone/>
-              <a:defRPr sz="1000"/>
+              <a:defRPr sz="900"/>
             </a:lvl7pPr>
             <a:lvl8pPr marL="3200400" indent="0">
               <a:buNone/>
-              <a:defRPr sz="1000"/>
+              <a:defRPr sz="900"/>
             </a:lvl8pPr>
             <a:lvl9pPr marL="3657600" indent="0">
               <a:buNone/>
-              <a:defRPr sz="1000"/>
+              <a:defRPr sz="900"/>
             </a:lvl9pPr>
           </a:lstStyle>
           <a:p>
             <a:pPr lvl="0"/>
             <a:r>
-              <a:rPr kumimoji="1" lang="ja-JP" altLang="en-US"/>
+              <a:rPr lang="ja-JP" altLang="en-US"/>
               <a:t>マスター テキストの書式設定</a:t>
             </a:r>
           </a:p>
@@ -2908,13 +2880,7 @@
       </p:sp>
       <p:sp>
         <p:nvSpPr>
-          <p:cNvPr id="5" name="日付プレースホルダー 4">
-            <a:extLst>
-              <a:ext uri="{FF2B5EF4-FFF2-40B4-BE49-F238E27FC236}">
-                <a16:creationId xmlns:a16="http://schemas.microsoft.com/office/drawing/2014/main" id="{17625715-A228-4202-BE58-862955DC99CA}"/>
-              </a:ext>
-            </a:extLst>
-          </p:cNvPr>
+          <p:cNvPr id="8" name="Date Placeholder 7"/>
           <p:cNvSpPr>
             <a:spLocks noGrp="1"/>
           </p:cNvSpPr>
@@ -2929,7 +2895,7 @@
           <a:p>
             <a:fld id="{901FD508-957D-4871-83BC-2C400027228D}" type="datetimeFigureOut">
               <a:rPr kumimoji="1" lang="ja-JP" altLang="en-US" smtClean="0"/>
-              <a:t>2023/11/22</a:t>
+              <a:t>2023/11/29</a:t>
             </a:fld>
             <a:endParaRPr kumimoji="1" lang="ja-JP" altLang="en-US"/>
           </a:p>
@@ -2937,13 +2903,7 @@
       </p:sp>
       <p:sp>
         <p:nvSpPr>
-          <p:cNvPr id="6" name="フッター プレースホルダー 5">
-            <a:extLst>
-              <a:ext uri="{FF2B5EF4-FFF2-40B4-BE49-F238E27FC236}">
-                <a16:creationId xmlns:a16="http://schemas.microsoft.com/office/drawing/2014/main" id="{97AA84C5-7B08-401D-A0EA-E030C3312150}"/>
-              </a:ext>
-            </a:extLst>
-          </p:cNvPr>
+          <p:cNvPr id="9" name="Footer Placeholder 8"/>
           <p:cNvSpPr>
             <a:spLocks noGrp="1"/>
           </p:cNvSpPr>
@@ -2951,7 +2911,12 @@
             <p:ph type="ftr" sz="quarter" idx="11"/>
           </p:nvPr>
         </p:nvSpPr>
-        <p:spPr/>
+        <p:spPr>
+          <a:xfrm>
+            <a:off x="3499101" y="6356350"/>
+            <a:ext cx="5911517" cy="365125"/>
+          </a:xfrm>
+        </p:spPr>
         <p:txBody>
           <a:bodyPr/>
           <a:lstStyle/>
@@ -2962,13 +2927,7 @@
       </p:sp>
       <p:sp>
         <p:nvSpPr>
-          <p:cNvPr id="7" name="スライド番号プレースホルダー 6">
-            <a:extLst>
-              <a:ext uri="{FF2B5EF4-FFF2-40B4-BE49-F238E27FC236}">
-                <a16:creationId xmlns:a16="http://schemas.microsoft.com/office/drawing/2014/main" id="{EEF9D39F-B5C7-4661-93EE-988DBFE95B68}"/>
-              </a:ext>
-            </a:extLst>
-          </p:cNvPr>
+          <p:cNvPr id="10" name="Slide Number Placeholder 9"/>
           <p:cNvSpPr>
             <a:spLocks noGrp="1"/>
           </p:cNvSpPr>
@@ -2992,7 +2951,7 @@
     </p:spTree>
     <p:extLst>
       <p:ext uri="{BB962C8B-B14F-4D97-AF65-F5344CB8AC3E}">
-        <p14:creationId xmlns:p14="http://schemas.microsoft.com/office/powerpoint/2010/main" val="2127664089"/>
+        <p14:creationId xmlns:p14="http://schemas.microsoft.com/office/powerpoint/2010/main" val="666825103"/>
       </p:ext>
     </p:extLst>
   </p:cSld>
@@ -3026,13 +2985,45 @@
       </p:grpSpPr>
       <p:sp>
         <p:nvSpPr>
-          <p:cNvPr id="2" name="タイトル プレースホルダー 1">
-            <a:extLst>
-              <a:ext uri="{FF2B5EF4-FFF2-40B4-BE49-F238E27FC236}">
-                <a16:creationId xmlns:a16="http://schemas.microsoft.com/office/drawing/2014/main" id="{0B25AE91-1BD8-4B37-96B6-ECE1418A1024}"/>
-              </a:ext>
-            </a:extLst>
-          </p:cNvPr>
+          <p:cNvPr id="7" name="Rectangle 6"/>
+          <p:cNvSpPr/>
+          <p:nvPr/>
+        </p:nvSpPr>
+        <p:spPr>
+          <a:xfrm>
+            <a:off x="1" y="758952"/>
+            <a:ext cx="3443590" cy="5330952"/>
+          </a:xfrm>
+          <a:prstGeom prst="rect">
+            <a:avLst/>
+          </a:prstGeom>
+          <a:solidFill>
+            <a:schemeClr val="accent1"/>
+          </a:solidFill>
+          <a:ln>
+            <a:noFill/>
+          </a:ln>
+        </p:spPr>
+        <p:style>
+          <a:lnRef idx="2">
+            <a:schemeClr val="accent1">
+              <a:shade val="50000"/>
+            </a:schemeClr>
+          </a:lnRef>
+          <a:fillRef idx="1">
+            <a:schemeClr val="accent1"/>
+          </a:fillRef>
+          <a:effectRef idx="0">
+            <a:schemeClr val="accent1"/>
+          </a:effectRef>
+          <a:fontRef idx="minor">
+            <a:schemeClr val="lt1"/>
+          </a:fontRef>
+        </p:style>
+      </p:sp>
+      <p:sp>
+        <p:nvSpPr>
+          <p:cNvPr id="2" name="Title Placeholder 1"/>
           <p:cNvSpPr>
             <a:spLocks noGrp="1"/>
           </p:cNvSpPr>
@@ -3042,8 +3033,8 @@
         </p:nvSpPr>
         <p:spPr>
           <a:xfrm>
-            <a:off x="838200" y="365125"/>
-            <a:ext cx="10515600" cy="1325563"/>
+            <a:off x="252919" y="1123837"/>
+            <a:ext cx="2947482" cy="4601183"/>
           </a:xfrm>
           <a:prstGeom prst="rect">
             <a:avLst/>
@@ -3056,21 +3047,56 @@
           <a:lstStyle/>
           <a:p>
             <a:r>
-              <a:rPr kumimoji="1" lang="ja-JP" altLang="en-US"/>
+              <a:rPr lang="ja-JP" altLang="en-US"/>
               <a:t>マスター タイトルの書式設定</a:t>
             </a:r>
-          </a:p>
-        </p:txBody>
-      </p:sp>
-      <p:sp>
-        <p:nvSpPr>
-          <p:cNvPr id="3" name="テキスト プレースホルダー 2">
-            <a:extLst>
-              <a:ext uri="{FF2B5EF4-FFF2-40B4-BE49-F238E27FC236}">
-                <a16:creationId xmlns:a16="http://schemas.microsoft.com/office/drawing/2014/main" id="{7AA288CE-88AC-4969-BB9F-0C4730FD5D3E}"/>
-              </a:ext>
-            </a:extLst>
-          </p:cNvPr>
+            <a:endParaRPr lang="en-US" dirty="0"/>
+          </a:p>
+        </p:txBody>
+      </p:sp>
+      <p:sp>
+        <p:nvSpPr>
+          <p:cNvPr id="38" name="Rectangle 37"/>
+          <p:cNvSpPr/>
+          <p:nvPr/>
+        </p:nvSpPr>
+        <p:spPr>
+          <a:xfrm>
+            <a:off x="11815864" y="758952"/>
+            <a:ext cx="384048" cy="5330952"/>
+          </a:xfrm>
+          <a:prstGeom prst="rect">
+            <a:avLst/>
+          </a:prstGeom>
+          <a:solidFill>
+            <a:srgbClr val="C8C8C8">
+              <a:alpha val="49804"/>
+            </a:srgbClr>
+          </a:solidFill>
+          <a:ln>
+            <a:noFill/>
+          </a:ln>
+        </p:spPr>
+        <p:style>
+          <a:lnRef idx="2">
+            <a:schemeClr val="accent1">
+              <a:shade val="50000"/>
+            </a:schemeClr>
+          </a:lnRef>
+          <a:fillRef idx="1">
+            <a:schemeClr val="accent1"/>
+          </a:fillRef>
+          <a:effectRef idx="0">
+            <a:schemeClr val="accent1"/>
+          </a:effectRef>
+          <a:fontRef idx="minor">
+            <a:schemeClr val="lt1"/>
+          </a:fontRef>
+        </p:style>
+      </p:sp>
+      <p:sp>
+        <p:nvSpPr>
+          <p:cNvPr id="3" name="Text Placeholder 2"/>
           <p:cNvSpPr>
             <a:spLocks noGrp="1"/>
           </p:cNvSpPr>
@@ -3080,96 +3106,91 @@
         </p:nvSpPr>
         <p:spPr>
           <a:xfrm>
-            <a:off x="838200" y="1825625"/>
-            <a:ext cx="10515600" cy="4351338"/>
+            <a:off x="3869268" y="864108"/>
+            <a:ext cx="7315200" cy="5120640"/>
           </a:xfrm>
           <a:prstGeom prst="rect">
             <a:avLst/>
           </a:prstGeom>
         </p:spPr>
         <p:txBody>
-          <a:bodyPr vert="horz" lIns="91440" tIns="45720" rIns="91440" bIns="45720" rtlCol="0">
+          <a:bodyPr vert="horz" lIns="91440" tIns="45720" rIns="91440" bIns="45720" rtlCol="0" anchor="ctr">
             <a:normAutofit/>
           </a:bodyPr>
           <a:lstStyle/>
           <a:p>
             <a:pPr lvl="0"/>
             <a:r>
-              <a:rPr kumimoji="1" lang="ja-JP" altLang="en-US"/>
+              <a:rPr lang="ja-JP" altLang="en-US"/>
               <a:t>マスター テキストの書式設定</a:t>
             </a:r>
           </a:p>
           <a:p>
             <a:pPr lvl="1"/>
             <a:r>
-              <a:rPr kumimoji="1" lang="ja-JP" altLang="en-US"/>
+              <a:rPr lang="ja-JP" altLang="en-US"/>
               <a:t>第 </a:t>
             </a:r>
             <a:r>
-              <a:rPr kumimoji="1" lang="en-US" altLang="ja-JP"/>
+              <a:rPr lang="en-US" altLang="ja-JP"/>
               <a:t>2 </a:t>
             </a:r>
             <a:r>
-              <a:rPr kumimoji="1" lang="ja-JP" altLang="en-US"/>
+              <a:rPr lang="ja-JP" altLang="en-US"/>
               <a:t>レベル</a:t>
             </a:r>
           </a:p>
           <a:p>
             <a:pPr lvl="2"/>
             <a:r>
-              <a:rPr kumimoji="1" lang="ja-JP" altLang="en-US"/>
+              <a:rPr lang="ja-JP" altLang="en-US"/>
               <a:t>第 </a:t>
             </a:r>
             <a:r>
-              <a:rPr kumimoji="1" lang="en-US" altLang="ja-JP"/>
+              <a:rPr lang="en-US" altLang="ja-JP"/>
               <a:t>3 </a:t>
             </a:r>
             <a:r>
-              <a:rPr kumimoji="1" lang="ja-JP" altLang="en-US"/>
+              <a:rPr lang="ja-JP" altLang="en-US"/>
               <a:t>レベル</a:t>
             </a:r>
           </a:p>
           <a:p>
             <a:pPr lvl="3"/>
             <a:r>
-              <a:rPr kumimoji="1" lang="ja-JP" altLang="en-US"/>
+              <a:rPr lang="ja-JP" altLang="en-US"/>
               <a:t>第 </a:t>
             </a:r>
             <a:r>
-              <a:rPr kumimoji="1" lang="en-US" altLang="ja-JP"/>
+              <a:rPr lang="en-US" altLang="ja-JP"/>
               <a:t>4 </a:t>
             </a:r>
             <a:r>
-              <a:rPr kumimoji="1" lang="ja-JP" altLang="en-US"/>
+              <a:rPr lang="ja-JP" altLang="en-US"/>
               <a:t>レベル</a:t>
             </a:r>
           </a:p>
           <a:p>
             <a:pPr lvl="4"/>
             <a:r>
-              <a:rPr kumimoji="1" lang="ja-JP" altLang="en-US"/>
+              <a:rPr lang="ja-JP" altLang="en-US"/>
               <a:t>第 </a:t>
             </a:r>
             <a:r>
-              <a:rPr kumimoji="1" lang="en-US" altLang="ja-JP"/>
+              <a:rPr lang="en-US" altLang="ja-JP"/>
               <a:t>5 </a:t>
             </a:r>
             <a:r>
-              <a:rPr kumimoji="1" lang="ja-JP" altLang="en-US"/>
+              <a:rPr lang="ja-JP" altLang="en-US"/>
               <a:t>レベル</a:t>
             </a:r>
-          </a:p>
-        </p:txBody>
-      </p:sp>
-      <p:sp>
-        <p:nvSpPr>
-          <p:cNvPr id="4" name="日付プレースホルダー 3">
-            <a:extLst>
-              <a:ext uri="{FF2B5EF4-FFF2-40B4-BE49-F238E27FC236}">
-                <a16:creationId xmlns:a16="http://schemas.microsoft.com/office/drawing/2014/main" id="{2D5662E6-58ED-4A0A-8CE1-91A59DB700E8}"/>
-              </a:ext>
-            </a:extLst>
-          </p:cNvPr>
+            <a:endParaRPr lang="en-US" dirty="0"/>
+          </a:p>
+        </p:txBody>
+      </p:sp>
+      <p:sp>
+        <p:nvSpPr>
+          <p:cNvPr id="4" name="Date Placeholder 3"/>
           <p:cNvSpPr>
             <a:spLocks noGrp="1"/>
           </p:cNvSpPr>
@@ -3179,7 +3200,7 @@
         </p:nvSpPr>
         <p:spPr>
           <a:xfrm>
-            <a:off x="838200" y="6356350"/>
+            <a:off x="262465" y="6356350"/>
             <a:ext cx="2743200" cy="365125"/>
           </a:xfrm>
           <a:prstGeom prst="rect">
@@ -3190,10 +3211,11 @@
           <a:bodyPr vert="horz" lIns="91440" tIns="45720" rIns="91440" bIns="45720" rtlCol="0" anchor="ctr"/>
           <a:lstStyle>
             <a:lvl1pPr algn="l">
-              <a:defRPr sz="1200">
+              <a:defRPr sz="1100">
                 <a:solidFill>
                   <a:schemeClr val="tx1">
-                    <a:tint val="75000"/>
+                    <a:lumMod val="50000"/>
+                    <a:lumOff val="50000"/>
                   </a:schemeClr>
                 </a:solidFill>
               </a:defRPr>
@@ -3202,7 +3224,7 @@
           <a:p>
             <a:fld id="{901FD508-957D-4871-83BC-2C400027228D}" type="datetimeFigureOut">
               <a:rPr kumimoji="1" lang="ja-JP" altLang="en-US" smtClean="0"/>
-              <a:t>2023/11/22</a:t>
+              <a:t>2023/11/29</a:t>
             </a:fld>
             <a:endParaRPr kumimoji="1" lang="ja-JP" altLang="en-US"/>
           </a:p>
@@ -3210,13 +3232,7 @@
       </p:sp>
       <p:sp>
         <p:nvSpPr>
-          <p:cNvPr id="5" name="フッター プレースホルダー 4">
-            <a:extLst>
-              <a:ext uri="{FF2B5EF4-FFF2-40B4-BE49-F238E27FC236}">
-                <a16:creationId xmlns:a16="http://schemas.microsoft.com/office/drawing/2014/main" id="{95F24A7E-E160-4867-8CC0-7E173DF92138}"/>
-              </a:ext>
-            </a:extLst>
-          </p:cNvPr>
+          <p:cNvPr id="5" name="Footer Placeholder 4"/>
           <p:cNvSpPr>
             <a:spLocks noGrp="1"/>
           </p:cNvSpPr>
@@ -3226,8 +3242,8 @@
         </p:nvSpPr>
         <p:spPr>
           <a:xfrm>
-            <a:off x="4038600" y="6356350"/>
-            <a:ext cx="4114800" cy="365125"/>
+            <a:off x="3869268" y="6356350"/>
+            <a:ext cx="5911517" cy="365125"/>
           </a:xfrm>
           <a:prstGeom prst="rect">
             <a:avLst/>
@@ -3236,11 +3252,12 @@
         <p:txBody>
           <a:bodyPr vert="horz" lIns="91440" tIns="45720" rIns="91440" bIns="45720" rtlCol="0" anchor="ctr"/>
           <a:lstStyle>
-            <a:lvl1pPr algn="ctr">
-              <a:defRPr sz="1200">
+            <a:lvl1pPr algn="l">
+              <a:defRPr sz="1100">
                 <a:solidFill>
                   <a:schemeClr val="tx1">
-                    <a:tint val="75000"/>
+                    <a:lumMod val="50000"/>
+                    <a:lumOff val="50000"/>
                   </a:schemeClr>
                 </a:solidFill>
               </a:defRPr>
@@ -3253,13 +3270,7 @@
       </p:sp>
       <p:sp>
         <p:nvSpPr>
-          <p:cNvPr id="6" name="スライド番号プレースホルダー 5">
-            <a:extLst>
-              <a:ext uri="{FF2B5EF4-FFF2-40B4-BE49-F238E27FC236}">
-                <a16:creationId xmlns:a16="http://schemas.microsoft.com/office/drawing/2014/main" id="{FDB8A7C1-5C8B-4379-951D-DDD5911B18C8}"/>
-              </a:ext>
-            </a:extLst>
-          </p:cNvPr>
+          <p:cNvPr id="6" name="Slide Number Placeholder 5"/>
           <p:cNvSpPr>
             <a:spLocks noGrp="1"/>
           </p:cNvSpPr>
@@ -3269,8 +3280,8 @@
         </p:nvSpPr>
         <p:spPr>
           <a:xfrm>
-            <a:off x="8610600" y="6356350"/>
-            <a:ext cx="2743200" cy="365125"/>
+            <a:off x="10634135" y="6356350"/>
+            <a:ext cx="1530927" cy="365125"/>
           </a:xfrm>
           <a:prstGeom prst="rect">
             <a:avLst/>
@@ -3280,11 +3291,9 @@
           <a:bodyPr vert="horz" lIns="91440" tIns="45720" rIns="91440" bIns="45720" rtlCol="0" anchor="ctr"/>
           <a:lstStyle>
             <a:lvl1pPr algn="r">
-              <a:defRPr sz="1200">
+              <a:defRPr sz="1200" b="1">
                 <a:solidFill>
-                  <a:schemeClr val="tx1">
-                    <a:tint val="75000"/>
-                  </a:schemeClr>
+                  <a:schemeClr val="accent1"/>
                 </a:solidFill>
               </a:defRPr>
             </a:lvl1pPr>
@@ -3301,23 +3310,23 @@
     </p:spTree>
     <p:extLst>
       <p:ext uri="{BB962C8B-B14F-4D97-AF65-F5344CB8AC3E}">
-        <p14:creationId xmlns:p14="http://schemas.microsoft.com/office/powerpoint/2010/main" val="693521793"/>
+        <p14:creationId xmlns:p14="http://schemas.microsoft.com/office/powerpoint/2010/main" val="1658764047"/>
       </p:ext>
     </p:extLst>
   </p:cSld>
   <p:clrMap bg1="lt1" tx1="dk1" bg2="lt2" tx2="dk2" accent1="accent1" accent2="accent2" accent3="accent3" accent4="accent4" accent5="accent5" accent6="accent6" hlink="hlink" folHlink="folHlink"/>
   <p:sldLayoutIdLst>
-    <p:sldLayoutId id="2147483649" r:id="rId1"/>
-    <p:sldLayoutId id="2147483650" r:id="rId2"/>
-    <p:sldLayoutId id="2147483651" r:id="rId3"/>
-    <p:sldLayoutId id="2147483652" r:id="rId4"/>
-    <p:sldLayoutId id="2147483653" r:id="rId5"/>
-    <p:sldLayoutId id="2147483654" r:id="rId6"/>
-    <p:sldLayoutId id="2147483655" r:id="rId7"/>
-    <p:sldLayoutId id="2147483656" r:id="rId8"/>
-    <p:sldLayoutId id="2147483657" r:id="rId9"/>
-    <p:sldLayoutId id="2147483658" r:id="rId10"/>
-    <p:sldLayoutId id="2147483659" r:id="rId11"/>
+    <p:sldLayoutId id="2147483691" r:id="rId1"/>
+    <p:sldLayoutId id="2147483692" r:id="rId2"/>
+    <p:sldLayoutId id="2147483693" r:id="rId3"/>
+    <p:sldLayoutId id="2147483694" r:id="rId4"/>
+    <p:sldLayoutId id="2147483695" r:id="rId5"/>
+    <p:sldLayoutId id="2147483696" r:id="rId6"/>
+    <p:sldLayoutId id="2147483697" r:id="rId7"/>
+    <p:sldLayoutId id="2147483698" r:id="rId8"/>
+    <p:sldLayoutId id="2147483699" r:id="rId9"/>
+    <p:sldLayoutId id="2147483700" r:id="rId10"/>
+    <p:sldLayoutId id="2147483701" r:id="rId11"/>
   </p:sldLayoutIdLst>
   <p:txStyles>
     <p:titleStyle>
@@ -3329,9 +3338,9 @@
           <a:spcPct val="0"/>
         </a:spcBef>
         <a:buNone/>
-        <a:defRPr kumimoji="1" sz="4400" kern="1200">
+        <a:defRPr kumimoji="1" sz="3600" kern="1200" spc="-60" baseline="0">
           <a:solidFill>
-            <a:schemeClr val="tx1"/>
+            <a:srgbClr val="FFFFFF"/>
           </a:solidFill>
           <a:latin typeface="+mj-lt"/>
           <a:ea typeface="+mj-ea"/>
@@ -3340,90 +3349,132 @@
       </a:lvl1pPr>
     </p:titleStyle>
     <p:bodyStyle>
-      <a:lvl1pPr marL="228600" indent="-228600" algn="l" defTabSz="914400" rtl="0" eaLnBrk="1" latinLnBrk="0" hangingPunct="1">
+      <a:lvl1pPr marL="182880" indent="-182880" algn="l" defTabSz="914400" rtl="0" eaLnBrk="1" latinLnBrk="0" hangingPunct="1">
         <a:lnSpc>
           <a:spcPct val="90000"/>
         </a:lnSpc>
         <a:spcBef>
-          <a:spcPts val="1000"/>
+          <a:spcPts val="1200"/>
         </a:spcBef>
-        <a:buFont typeface="Arial" panose="020B0604020202020204" pitchFamily="34" charset="0"/>
-        <a:buChar char="•"/>
-        <a:defRPr kumimoji="1" sz="2800" kern="1200">
+        <a:buClr>
+          <a:schemeClr val="accent1"/>
+        </a:buClr>
+        <a:buFont typeface="Wingdings 2" pitchFamily="18" charset="2"/>
+        <a:buChar char=""/>
+        <a:defRPr kumimoji="1" sz="2000" kern="1200">
           <a:solidFill>
-            <a:schemeClr val="tx1"/>
+            <a:schemeClr val="tx1">
+              <a:lumMod val="65000"/>
+              <a:lumOff val="35000"/>
+            </a:schemeClr>
           </a:solidFill>
           <a:latin typeface="+mn-lt"/>
           <a:ea typeface="+mn-ea"/>
           <a:cs typeface="+mn-cs"/>
         </a:defRPr>
       </a:lvl1pPr>
-      <a:lvl2pPr marL="685800" indent="-228600" algn="l" defTabSz="914400" rtl="0" eaLnBrk="1" latinLnBrk="0" hangingPunct="1">
+      <a:lvl2pPr marL="685800" indent="-182880" algn="l" defTabSz="914400" rtl="0" eaLnBrk="1" latinLnBrk="0" hangingPunct="1">
         <a:lnSpc>
           <a:spcPct val="90000"/>
         </a:lnSpc>
         <a:spcBef>
-          <a:spcPts val="500"/>
+          <a:spcPts val="250"/>
         </a:spcBef>
-        <a:buFont typeface="Arial" panose="020B0604020202020204" pitchFamily="34" charset="0"/>
-        <a:buChar char="•"/>
-        <a:defRPr kumimoji="1" sz="2400" kern="1200">
+        <a:spcAft>
+          <a:spcPts val="250"/>
+        </a:spcAft>
+        <a:buClr>
+          <a:schemeClr val="accent1"/>
+        </a:buClr>
+        <a:buFont typeface="Wingdings 2" pitchFamily="18" charset="2"/>
+        <a:buChar char=""/>
+        <a:defRPr kumimoji="1" sz="1800" kern="1200">
           <a:solidFill>
-            <a:schemeClr val="tx1"/>
+            <a:schemeClr val="tx1">
+              <a:lumMod val="65000"/>
+              <a:lumOff val="35000"/>
+            </a:schemeClr>
           </a:solidFill>
           <a:latin typeface="+mn-lt"/>
           <a:ea typeface="+mn-ea"/>
           <a:cs typeface="+mn-cs"/>
         </a:defRPr>
       </a:lvl2pPr>
-      <a:lvl3pPr marL="1143000" indent="-228600" algn="l" defTabSz="914400" rtl="0" eaLnBrk="1" latinLnBrk="0" hangingPunct="1">
+      <a:lvl3pPr marL="1143000" indent="-182880" algn="l" defTabSz="914400" rtl="0" eaLnBrk="1" latinLnBrk="0" hangingPunct="1">
         <a:lnSpc>
           <a:spcPct val="90000"/>
         </a:lnSpc>
         <a:spcBef>
-          <a:spcPts val="500"/>
+          <a:spcPts val="250"/>
         </a:spcBef>
-        <a:buFont typeface="Arial" panose="020B0604020202020204" pitchFamily="34" charset="0"/>
-        <a:buChar char="•"/>
-        <a:defRPr kumimoji="1" sz="2000" kern="1200">
+        <a:spcAft>
+          <a:spcPts val="250"/>
+        </a:spcAft>
+        <a:buClr>
+          <a:schemeClr val="accent1"/>
+        </a:buClr>
+        <a:buFont typeface="Wingdings 2" pitchFamily="18" charset="2"/>
+        <a:buChar char=""/>
+        <a:defRPr kumimoji="1" sz="1600" kern="1200">
           <a:solidFill>
-            <a:schemeClr val="tx1"/>
+            <a:schemeClr val="tx1">
+              <a:lumMod val="65000"/>
+              <a:lumOff val="35000"/>
+            </a:schemeClr>
           </a:solidFill>
           <a:latin typeface="+mn-lt"/>
           <a:ea typeface="+mn-ea"/>
           <a:cs typeface="+mn-cs"/>
         </a:defRPr>
       </a:lvl3pPr>
-      <a:lvl4pPr marL="1600200" indent="-228600" algn="l" defTabSz="914400" rtl="0" eaLnBrk="1" latinLnBrk="0" hangingPunct="1">
+      <a:lvl4pPr marL="1600200" indent="-182880" algn="l" defTabSz="914400" rtl="0" eaLnBrk="1" latinLnBrk="0" hangingPunct="1">
         <a:lnSpc>
           <a:spcPct val="90000"/>
         </a:lnSpc>
         <a:spcBef>
-          <a:spcPts val="500"/>
+          <a:spcPts val="250"/>
         </a:spcBef>
-        <a:buFont typeface="Arial" panose="020B0604020202020204" pitchFamily="34" charset="0"/>
-        <a:buChar char="•"/>
-        <a:defRPr kumimoji="1" sz="1800" kern="1200">
+        <a:spcAft>
+          <a:spcPts val="250"/>
+        </a:spcAft>
+        <a:buClr>
+          <a:schemeClr val="accent1"/>
+        </a:buClr>
+        <a:buFont typeface="Wingdings 2" pitchFamily="18" charset="2"/>
+        <a:buChar char=""/>
+        <a:defRPr kumimoji="1" sz="1400" kern="1200">
           <a:solidFill>
-            <a:schemeClr val="tx1"/>
+            <a:schemeClr val="tx1">
+              <a:lumMod val="65000"/>
+              <a:lumOff val="35000"/>
+            </a:schemeClr>
           </a:solidFill>
           <a:latin typeface="+mn-lt"/>
           <a:ea typeface="+mn-ea"/>
           <a:cs typeface="+mn-cs"/>
         </a:defRPr>
       </a:lvl4pPr>
-      <a:lvl5pPr marL="2057400" indent="-228600" algn="l" defTabSz="914400" rtl="0" eaLnBrk="1" latinLnBrk="0" hangingPunct="1">
+      <a:lvl5pPr marL="2057400" indent="-182880" algn="l" defTabSz="914400" rtl="0" eaLnBrk="1" latinLnBrk="0" hangingPunct="1">
         <a:lnSpc>
           <a:spcPct val="90000"/>
         </a:lnSpc>
         <a:spcBef>
-          <a:spcPts val="500"/>
+          <a:spcPts val="250"/>
         </a:spcBef>
-        <a:buFont typeface="Arial" panose="020B0604020202020204" pitchFamily="34" charset="0"/>
-        <a:buChar char="•"/>
-        <a:defRPr kumimoji="1" sz="1800" kern="1200">
+        <a:spcAft>
+          <a:spcPts val="250"/>
+        </a:spcAft>
+        <a:buClr>
+          <a:schemeClr val="accent1"/>
+        </a:buClr>
+        <a:buFont typeface="Wingdings 2" pitchFamily="18" charset="2"/>
+        <a:buChar char=""/>
+        <a:defRPr kumimoji="1" sz="1400" kern="1200">
           <a:solidFill>
-            <a:schemeClr val="tx1"/>
+            <a:schemeClr val="tx1">
+              <a:lumMod val="65000"/>
+              <a:lumOff val="35000"/>
+            </a:schemeClr>
           </a:solidFill>
           <a:latin typeface="+mn-lt"/>
           <a:ea typeface="+mn-ea"/>
@@ -3435,13 +3486,22 @@
           <a:spcPct val="90000"/>
         </a:lnSpc>
         <a:spcBef>
-          <a:spcPts val="500"/>
+          <a:spcPts val="250"/>
         </a:spcBef>
-        <a:buFont typeface="Arial" panose="020B0604020202020204" pitchFamily="34" charset="0"/>
-        <a:buChar char="•"/>
-        <a:defRPr kumimoji="1" sz="1800" kern="1200">
+        <a:spcAft>
+          <a:spcPts val="250"/>
+        </a:spcAft>
+        <a:buClr>
+          <a:schemeClr val="accent1"/>
+        </a:buClr>
+        <a:buFont typeface="Wingdings 2" pitchFamily="18" charset="2"/>
+        <a:buChar char=""/>
+        <a:defRPr kumimoji="1" sz="1400" kern="1200">
           <a:solidFill>
-            <a:schemeClr val="tx1"/>
+            <a:schemeClr val="tx1">
+              <a:lumMod val="65000"/>
+              <a:lumOff val="35000"/>
+            </a:schemeClr>
           </a:solidFill>
           <a:latin typeface="+mn-lt"/>
           <a:ea typeface="+mn-ea"/>
@@ -3453,13 +3513,22 @@
           <a:spcPct val="90000"/>
         </a:lnSpc>
         <a:spcBef>
-          <a:spcPts val="500"/>
+          <a:spcPts val="250"/>
         </a:spcBef>
-        <a:buFont typeface="Arial" panose="020B0604020202020204" pitchFamily="34" charset="0"/>
-        <a:buChar char="•"/>
-        <a:defRPr kumimoji="1" sz="1800" kern="1200">
+        <a:spcAft>
+          <a:spcPts val="250"/>
+        </a:spcAft>
+        <a:buClr>
+          <a:schemeClr val="accent1"/>
+        </a:buClr>
+        <a:buFont typeface="Wingdings 2" pitchFamily="18" charset="2"/>
+        <a:buChar char=""/>
+        <a:defRPr kumimoji="1" sz="1400" kern="1200">
           <a:solidFill>
-            <a:schemeClr val="tx1"/>
+            <a:schemeClr val="tx1">
+              <a:lumMod val="65000"/>
+              <a:lumOff val="35000"/>
+            </a:schemeClr>
           </a:solidFill>
           <a:latin typeface="+mn-lt"/>
           <a:ea typeface="+mn-ea"/>
@@ -3471,13 +3540,22 @@
           <a:spcPct val="90000"/>
         </a:lnSpc>
         <a:spcBef>
-          <a:spcPts val="500"/>
+          <a:spcPts val="250"/>
         </a:spcBef>
-        <a:buFont typeface="Arial" panose="020B0604020202020204" pitchFamily="34" charset="0"/>
-        <a:buChar char="•"/>
-        <a:defRPr kumimoji="1" sz="1800" kern="1200">
+        <a:spcAft>
+          <a:spcPts val="250"/>
+        </a:spcAft>
+        <a:buClr>
+          <a:schemeClr val="accent1"/>
+        </a:buClr>
+        <a:buFont typeface="Wingdings 2" pitchFamily="18" charset="2"/>
+        <a:buChar char=""/>
+        <a:defRPr kumimoji="1" sz="1400" kern="1200">
           <a:solidFill>
-            <a:schemeClr val="tx1"/>
+            <a:schemeClr val="tx1">
+              <a:lumMod val="65000"/>
+              <a:lumOff val="35000"/>
+            </a:schemeClr>
           </a:solidFill>
           <a:latin typeface="+mn-lt"/>
           <a:ea typeface="+mn-ea"/>
@@ -3489,13 +3567,22 @@
           <a:spcPct val="90000"/>
         </a:lnSpc>
         <a:spcBef>
-          <a:spcPts val="500"/>
+          <a:spcPts val="250"/>
         </a:spcBef>
-        <a:buFont typeface="Arial" panose="020B0604020202020204" pitchFamily="34" charset="0"/>
-        <a:buChar char="•"/>
-        <a:defRPr kumimoji="1" sz="1800" kern="1200">
+        <a:spcAft>
+          <a:spcPts val="250"/>
+        </a:spcAft>
+        <a:buClr>
+          <a:schemeClr val="accent1"/>
+        </a:buClr>
+        <a:buFont typeface="Wingdings 2" pitchFamily="18" charset="2"/>
+        <a:buChar char=""/>
+        <a:defRPr kumimoji="1" sz="1400" kern="1200">
           <a:solidFill>
-            <a:schemeClr val="tx1"/>
+            <a:schemeClr val="tx1">
+              <a:lumMod val="65000"/>
+              <a:lumOff val="35000"/>
+            </a:schemeClr>
           </a:solidFill>
           <a:latin typeface="+mn-lt"/>
           <a:ea typeface="+mn-ea"/>
@@ -3505,7 +3592,7 @@
     </p:bodyStyle>
     <p:otherStyle>
       <a:defPPr>
-        <a:defRPr lang="ja-JP"/>
+        <a:defRPr lang="en-US"/>
       </a:defPPr>
       <a:lvl1pPr marL="0" algn="l" defTabSz="914400" rtl="0" eaLnBrk="1" latinLnBrk="0" hangingPunct="1">
         <a:defRPr kumimoji="1" sz="1800" kern="1200">
@@ -3677,7 +3764,7 @@
         </p:nvSpPr>
         <p:spPr>
           <a:xfrm>
-            <a:off x="1647369" y="1625281"/>
+            <a:off x="196267" y="1186919"/>
             <a:ext cx="8897258" cy="769441"/>
           </a:xfrm>
           <a:prstGeom prst="rect">
@@ -3715,7 +3802,7 @@
         </p:nvSpPr>
         <p:spPr>
           <a:xfrm>
-            <a:off x="3940624" y="3476499"/>
+            <a:off x="2489523" y="2591094"/>
             <a:ext cx="4310745" cy="400110"/>
           </a:xfrm>
           <a:prstGeom prst="rect">
@@ -3732,9 +3819,7 @@
             <a:r>
               <a:rPr kumimoji="1" lang="ja-JP" altLang="en-US" sz="2000" u="sng" dirty="0">
                 <a:solidFill>
-                  <a:schemeClr val="accent1">
-                    <a:lumMod val="50000"/>
-                  </a:schemeClr>
+                  <a:schemeClr val="bg1"/>
                 </a:solidFill>
               </a:rPr>
               <a:t>このゲームを作る理由・コンセプト</a:t>
@@ -3756,12 +3841,19 @@
         </p:nvSpPr>
         <p:spPr>
           <a:xfrm>
-            <a:off x="319313" y="4901640"/>
+            <a:off x="427467" y="3429000"/>
             <a:ext cx="2784955" cy="662157"/>
           </a:xfrm>
           <a:prstGeom prst="roundRect">
             <a:avLst/>
           </a:prstGeom>
+          <a:effectLst>
+            <a:outerShdw blurRad="50800" dist="38100" dir="2700000" algn="tl" rotWithShape="0">
+              <a:prstClr val="black">
+                <a:alpha val="40000"/>
+              </a:prstClr>
+            </a:outerShdw>
+          </a:effectLst>
         </p:spPr>
         <p:style>
           <a:lnRef idx="1">
@@ -3804,12 +3896,19 @@
         </p:nvSpPr>
         <p:spPr>
           <a:xfrm>
-            <a:off x="4288073" y="4901636"/>
+            <a:off x="4554991" y="3429000"/>
             <a:ext cx="2968176" cy="662157"/>
           </a:xfrm>
           <a:prstGeom prst="roundRect">
             <a:avLst/>
           </a:prstGeom>
+          <a:effectLst>
+            <a:outerShdw blurRad="50800" dist="38100" dir="2700000" algn="tl" rotWithShape="0">
+              <a:prstClr val="black">
+                <a:alpha val="40000"/>
+              </a:prstClr>
+            </a:outerShdw>
+          </a:effectLst>
         </p:spPr>
         <p:style>
           <a:lnRef idx="1">
@@ -3852,12 +3951,19 @@
         </p:nvSpPr>
         <p:spPr>
           <a:xfrm>
-            <a:off x="8440054" y="4679076"/>
+            <a:off x="2172060" y="4563806"/>
             <a:ext cx="3577775" cy="1107275"/>
           </a:xfrm>
           <a:prstGeom prst="roundRect">
             <a:avLst/>
           </a:prstGeom>
+          <a:effectLst>
+            <a:outerShdw blurRad="50800" dist="38100" dir="2700000" algn="tl" rotWithShape="0">
+              <a:prstClr val="black">
+                <a:alpha val="40000"/>
+              </a:prstClr>
+            </a:outerShdw>
+          </a:effectLst>
         </p:spPr>
         <p:style>
           <a:lnRef idx="1">
@@ -3924,7 +4030,7 @@
         </p:nvSpPr>
         <p:spPr>
           <a:xfrm>
-            <a:off x="3329929" y="5036457"/>
+            <a:off x="3596847" y="3563821"/>
             <a:ext cx="728202" cy="400110"/>
           </a:xfrm>
           <a:prstGeom prst="rightArrow">
@@ -3969,8 +4075,8 @@
           <p:nvPr/>
         </p:nvSpPr>
         <p:spPr>
-          <a:xfrm>
-            <a:off x="7523167" y="5036457"/>
+          <a:xfrm rot="8317271">
+            <a:off x="6137347" y="4363751"/>
             <a:ext cx="728202" cy="400110"/>
           </a:xfrm>
           <a:prstGeom prst="rightArrow">
@@ -4002,6 +4108,98 @@
           </a:p>
         </p:txBody>
       </p:sp>
+      <p:sp>
+        <p:nvSpPr>
+          <p:cNvPr id="2" name="テキスト ボックス 1">
+            <a:extLst>
+              <a:ext uri="{FF2B5EF4-FFF2-40B4-BE49-F238E27FC236}">
+                <a16:creationId xmlns:a16="http://schemas.microsoft.com/office/drawing/2014/main" id="{7A6E6FBC-B853-4571-99F7-334258D0D3A7}"/>
+              </a:ext>
+            </a:extLst>
+          </p:cNvPr>
+          <p:cNvSpPr txBox="1"/>
+          <p:nvPr/>
+        </p:nvSpPr>
+        <p:spPr>
+          <a:xfrm>
+            <a:off x="9525964" y="2221762"/>
+            <a:ext cx="2330370" cy="369332"/>
+          </a:xfrm>
+          <a:prstGeom prst="rect">
+            <a:avLst/>
+          </a:prstGeom>
+          <a:noFill/>
+        </p:spPr>
+        <p:txBody>
+          <a:bodyPr wrap="square" rtlCol="0">
+            <a:spAutoFit/>
+          </a:bodyPr>
+          <a:lstStyle/>
+          <a:p>
+            <a:r>
+              <a:rPr kumimoji="1" lang="ja-JP" altLang="en-US" dirty="0">
+                <a:latin typeface="BIZ UDP明朝 Medium" panose="02020500000000000000" pitchFamily="18" charset="-128"/>
+                <a:ea typeface="BIZ UDP明朝 Medium" panose="02020500000000000000" pitchFamily="18" charset="-128"/>
+              </a:rPr>
+              <a:t>イメージ色</a:t>
+            </a:r>
+            <a:r>
+              <a:rPr kumimoji="1" lang="en-US" altLang="ja-JP" dirty="0">
+                <a:latin typeface="BIZ UDP明朝 Medium" panose="02020500000000000000" pitchFamily="18" charset="-128"/>
+                <a:ea typeface="BIZ UDP明朝 Medium" panose="02020500000000000000" pitchFamily="18" charset="-128"/>
+              </a:rPr>
+              <a:t>…</a:t>
+            </a:r>
+            <a:r>
+              <a:rPr kumimoji="1" lang="ja-JP" altLang="en-US" dirty="0">
+                <a:latin typeface="BIZ UDP明朝 Medium" panose="02020500000000000000" pitchFamily="18" charset="-128"/>
+                <a:ea typeface="BIZ UDP明朝 Medium" panose="02020500000000000000" pitchFamily="18" charset="-128"/>
+              </a:rPr>
+              <a:t>黄色、白</a:t>
+            </a:r>
+          </a:p>
+        </p:txBody>
+      </p:sp>
+      <p:sp>
+        <p:nvSpPr>
+          <p:cNvPr id="3" name="テキスト ボックス 2">
+            <a:extLst>
+              <a:ext uri="{FF2B5EF4-FFF2-40B4-BE49-F238E27FC236}">
+                <a16:creationId xmlns:a16="http://schemas.microsoft.com/office/drawing/2014/main" id="{ECD672FA-674B-4290-B1D7-80499397CE9E}"/>
+              </a:ext>
+            </a:extLst>
+          </p:cNvPr>
+          <p:cNvSpPr txBox="1"/>
+          <p:nvPr/>
+        </p:nvSpPr>
+        <p:spPr>
+          <a:xfrm>
+            <a:off x="9850056" y="3113590"/>
+            <a:ext cx="1782501" cy="369332"/>
+          </a:xfrm>
+          <a:prstGeom prst="rect">
+            <a:avLst/>
+          </a:prstGeom>
+          <a:noFill/>
+        </p:spPr>
+        <p:txBody>
+          <a:bodyPr wrap="square" rtlCol="0">
+            <a:spAutoFit/>
+          </a:bodyPr>
+          <a:lstStyle/>
+          <a:p>
+            <a:r>
+              <a:rPr kumimoji="1" lang="ja-JP" altLang="en-US" dirty="0"/>
+              <a:t>ターゲット層</a:t>
+            </a:r>
+            <a:r>
+              <a:rPr kumimoji="1" lang="en-US" altLang="ja-JP" dirty="0"/>
+              <a:t>…</a:t>
+            </a:r>
+            <a:endParaRPr kumimoji="1" lang="ja-JP" altLang="en-US" dirty="0"/>
+          </a:p>
+        </p:txBody>
+      </p:sp>
     </p:spTree>
     <p:extLst>
       <p:ext uri="{BB962C8B-B14F-4D97-AF65-F5344CB8AC3E}">
@@ -4015,7 +4213,930 @@
 </p:sld>
 </file>
 
+<file path=ppt/slides/slide10.xml><?xml version="1.0" encoding="utf-8"?>
+<p:sld xmlns:a="http://schemas.openxmlformats.org/drawingml/2006/main" xmlns:r="http://schemas.openxmlformats.org/officeDocument/2006/relationships" xmlns:p="http://schemas.openxmlformats.org/presentationml/2006/main">
+  <p:cSld>
+    <p:spTree>
+      <p:nvGrpSpPr>
+        <p:cNvPr id="1" name=""/>
+        <p:cNvGrpSpPr/>
+        <p:nvPr/>
+      </p:nvGrpSpPr>
+      <p:grpSpPr>
+        <a:xfrm>
+          <a:off x="0" y="0"/>
+          <a:ext cx="0" cy="0"/>
+          <a:chOff x="0" y="0"/>
+          <a:chExt cx="0" cy="0"/>
+        </a:xfrm>
+      </p:grpSpPr>
+      <p:sp>
+        <p:nvSpPr>
+          <p:cNvPr id="4" name="テキスト ボックス 3">
+            <a:extLst>
+              <a:ext uri="{FF2B5EF4-FFF2-40B4-BE49-F238E27FC236}">
+                <a16:creationId xmlns:a16="http://schemas.microsoft.com/office/drawing/2014/main" id="{31421DED-0AB4-45AF-80E0-5DB4F9CC4890}"/>
+              </a:ext>
+            </a:extLst>
+          </p:cNvPr>
+          <p:cNvSpPr txBox="1"/>
+          <p:nvPr/>
+        </p:nvSpPr>
+        <p:spPr>
+          <a:xfrm>
+            <a:off x="196267" y="174172"/>
+            <a:ext cx="3016155" cy="369332"/>
+          </a:xfrm>
+          <a:prstGeom prst="rect">
+            <a:avLst/>
+          </a:prstGeom>
+          <a:noFill/>
+        </p:spPr>
+        <p:txBody>
+          <a:bodyPr wrap="square" rtlCol="0">
+            <a:spAutoFit/>
+          </a:bodyPr>
+          <a:lstStyle/>
+          <a:p>
+            <a:r>
+              <a:rPr lang="ja-JP" altLang="en-US" dirty="0">
+                <a:highlight>
+                  <a:srgbClr val="C0C0C0"/>
+                </a:highlight>
+              </a:rPr>
+              <a:t>作品展示会用 ゲーム企画書</a:t>
+            </a:r>
+            <a:endParaRPr kumimoji="1" lang="ja-JP" altLang="en-US" dirty="0">
+              <a:highlight>
+                <a:srgbClr val="C0C0C0"/>
+              </a:highlight>
+            </a:endParaRPr>
+          </a:p>
+        </p:txBody>
+      </p:sp>
+    </p:spTree>
+    <p:extLst>
+      <p:ext uri="{BB962C8B-B14F-4D97-AF65-F5344CB8AC3E}">
+        <p14:creationId xmlns:p14="http://schemas.microsoft.com/office/powerpoint/2010/main" val="3142150716"/>
+      </p:ext>
+    </p:extLst>
+  </p:cSld>
+  <p:clrMapOvr>
+    <a:masterClrMapping/>
+  </p:clrMapOvr>
+</p:sld>
+</file>
+
 <file path=ppt/slides/slide2.xml><?xml version="1.0" encoding="utf-8"?>
+<p:sld xmlns:a="http://schemas.openxmlformats.org/drawingml/2006/main" xmlns:r="http://schemas.openxmlformats.org/officeDocument/2006/relationships" xmlns:p="http://schemas.openxmlformats.org/presentationml/2006/main">
+  <p:cSld>
+    <p:spTree>
+      <p:nvGrpSpPr>
+        <p:cNvPr id="1" name=""/>
+        <p:cNvGrpSpPr/>
+        <p:nvPr/>
+      </p:nvGrpSpPr>
+      <p:grpSpPr>
+        <a:xfrm>
+          <a:off x="0" y="0"/>
+          <a:ext cx="0" cy="0"/>
+          <a:chOff x="0" y="0"/>
+          <a:chExt cx="0" cy="0"/>
+        </a:xfrm>
+      </p:grpSpPr>
+      <p:sp>
+        <p:nvSpPr>
+          <p:cNvPr id="4" name="テキスト ボックス 3">
+            <a:extLst>
+              <a:ext uri="{FF2B5EF4-FFF2-40B4-BE49-F238E27FC236}">
+                <a16:creationId xmlns:a16="http://schemas.microsoft.com/office/drawing/2014/main" id="{31421DED-0AB4-45AF-80E0-5DB4F9CC4890}"/>
+              </a:ext>
+            </a:extLst>
+          </p:cNvPr>
+          <p:cNvSpPr txBox="1"/>
+          <p:nvPr/>
+        </p:nvSpPr>
+        <p:spPr>
+          <a:xfrm>
+            <a:off x="196267" y="174172"/>
+            <a:ext cx="3016155" cy="369332"/>
+          </a:xfrm>
+          <a:prstGeom prst="rect">
+            <a:avLst/>
+          </a:prstGeom>
+          <a:noFill/>
+        </p:spPr>
+        <p:txBody>
+          <a:bodyPr wrap="square" rtlCol="0">
+            <a:spAutoFit/>
+          </a:bodyPr>
+          <a:lstStyle/>
+          <a:p>
+            <a:r>
+              <a:rPr lang="ja-JP" altLang="en-US" dirty="0">
+                <a:highlight>
+                  <a:srgbClr val="C0C0C0"/>
+                </a:highlight>
+              </a:rPr>
+              <a:t>作品展示会用 ゲーム企画書</a:t>
+            </a:r>
+            <a:endParaRPr kumimoji="1" lang="ja-JP" altLang="en-US" dirty="0">
+              <a:highlight>
+                <a:srgbClr val="C0C0C0"/>
+              </a:highlight>
+            </a:endParaRPr>
+          </a:p>
+        </p:txBody>
+      </p:sp>
+      <p:sp>
+        <p:nvSpPr>
+          <p:cNvPr id="7" name="テキスト ボックス 6">
+            <a:extLst>
+              <a:ext uri="{FF2B5EF4-FFF2-40B4-BE49-F238E27FC236}">
+                <a16:creationId xmlns:a16="http://schemas.microsoft.com/office/drawing/2014/main" id="{E96036D6-D048-4125-9BED-B2D4A75C7F5C}"/>
+              </a:ext>
+            </a:extLst>
+          </p:cNvPr>
+          <p:cNvSpPr txBox="1"/>
+          <p:nvPr/>
+        </p:nvSpPr>
+        <p:spPr>
+          <a:xfrm>
+            <a:off x="1704344" y="1663086"/>
+            <a:ext cx="5301205" cy="646331"/>
+          </a:xfrm>
+          <a:prstGeom prst="rect">
+            <a:avLst/>
+          </a:prstGeom>
+          <a:noFill/>
+        </p:spPr>
+        <p:txBody>
+          <a:bodyPr wrap="square" rtlCol="0">
+            <a:spAutoFit/>
+          </a:bodyPr>
+          <a:lstStyle/>
+          <a:p>
+            <a:pPr algn="ctr"/>
+            <a:r>
+              <a:rPr kumimoji="1" lang="ja-JP" altLang="en-US" dirty="0">
+                <a:latin typeface="BIZ UDP明朝 Medium" panose="02020500000000000000" pitchFamily="18" charset="-128"/>
+                <a:ea typeface="BIZ UDP明朝 Medium" panose="02020500000000000000" pitchFamily="18" charset="-128"/>
+              </a:rPr>
+              <a:t>プレイヤーを操作して敵を攻撃しながら</a:t>
+            </a:r>
+            <a:endParaRPr kumimoji="1" lang="en-US" altLang="ja-JP" dirty="0">
+              <a:latin typeface="BIZ UDP明朝 Medium" panose="02020500000000000000" pitchFamily="18" charset="-128"/>
+              <a:ea typeface="BIZ UDP明朝 Medium" panose="02020500000000000000" pitchFamily="18" charset="-128"/>
+            </a:endParaRPr>
+          </a:p>
+          <a:p>
+            <a:pPr algn="ctr"/>
+            <a:r>
+              <a:rPr kumimoji="1" lang="ja-JP" altLang="en-US" dirty="0">
+                <a:latin typeface="BIZ UDP明朝 Medium" panose="02020500000000000000" pitchFamily="18" charset="-128"/>
+                <a:ea typeface="BIZ UDP明朝 Medium" panose="02020500000000000000" pitchFamily="18" charset="-128"/>
+              </a:rPr>
+              <a:t>ゴールへ向かう、横スクロールアクションゲーム</a:t>
+            </a:r>
+          </a:p>
+        </p:txBody>
+      </p:sp>
+      <p:sp>
+        <p:nvSpPr>
+          <p:cNvPr id="8" name="テキスト ボックス 7">
+            <a:extLst>
+              <a:ext uri="{FF2B5EF4-FFF2-40B4-BE49-F238E27FC236}">
+                <a16:creationId xmlns:a16="http://schemas.microsoft.com/office/drawing/2014/main" id="{904BF952-1312-4F58-836B-DA5C751222D9}"/>
+              </a:ext>
+            </a:extLst>
+          </p:cNvPr>
+          <p:cNvSpPr txBox="1"/>
+          <p:nvPr/>
+        </p:nvSpPr>
+        <p:spPr>
+          <a:xfrm>
+            <a:off x="812419" y="3428999"/>
+            <a:ext cx="3354465" cy="1477328"/>
+          </a:xfrm>
+          <a:prstGeom prst="rect">
+            <a:avLst/>
+          </a:prstGeom>
+          <a:noFill/>
+        </p:spPr>
+        <p:txBody>
+          <a:bodyPr wrap="square" rtlCol="0">
+            <a:spAutoFit/>
+          </a:bodyPr>
+          <a:lstStyle/>
+          <a:p>
+            <a:r>
+              <a:rPr kumimoji="1" lang="ja-JP" altLang="en-US" dirty="0">
+                <a:latin typeface="BIZ UDP明朝 Medium" panose="02020500000000000000" pitchFamily="18" charset="-128"/>
+                <a:ea typeface="BIZ UDP明朝 Medium" panose="02020500000000000000" pitchFamily="18" charset="-128"/>
+              </a:rPr>
+              <a:t>ステージ数</a:t>
+            </a:r>
+            <a:r>
+              <a:rPr kumimoji="1" lang="en-US" altLang="ja-JP" dirty="0">
+                <a:latin typeface="BIZ UDP明朝 Medium" panose="02020500000000000000" pitchFamily="18" charset="-128"/>
+                <a:ea typeface="BIZ UDP明朝 Medium" panose="02020500000000000000" pitchFamily="18" charset="-128"/>
+              </a:rPr>
+              <a:t>…</a:t>
+            </a:r>
+            <a:r>
+              <a:rPr kumimoji="1" lang="ja-JP" altLang="en-US" dirty="0">
+                <a:latin typeface="BIZ UDP明朝 Medium" panose="02020500000000000000" pitchFamily="18" charset="-128"/>
+                <a:ea typeface="BIZ UDP明朝 Medium" panose="02020500000000000000" pitchFamily="18" charset="-128"/>
+              </a:rPr>
+              <a:t>計</a:t>
+            </a:r>
+            <a:r>
+              <a:rPr kumimoji="1" lang="en-US" altLang="ja-JP" dirty="0">
+                <a:latin typeface="BIZ UDP明朝 Medium" panose="02020500000000000000" pitchFamily="18" charset="-128"/>
+                <a:ea typeface="BIZ UDP明朝 Medium" panose="02020500000000000000" pitchFamily="18" charset="-128"/>
+              </a:rPr>
+              <a:t>3</a:t>
+            </a:r>
+            <a:r>
+              <a:rPr kumimoji="1" lang="ja-JP" altLang="en-US" dirty="0">
+                <a:latin typeface="BIZ UDP明朝 Medium" panose="02020500000000000000" pitchFamily="18" charset="-128"/>
+                <a:ea typeface="BIZ UDP明朝 Medium" panose="02020500000000000000" pitchFamily="18" charset="-128"/>
+              </a:rPr>
+              <a:t>～</a:t>
+            </a:r>
+            <a:r>
+              <a:rPr kumimoji="1" lang="en-US" altLang="ja-JP" dirty="0">
+                <a:latin typeface="BIZ UDP明朝 Medium" panose="02020500000000000000" pitchFamily="18" charset="-128"/>
+                <a:ea typeface="BIZ UDP明朝 Medium" panose="02020500000000000000" pitchFamily="18" charset="-128"/>
+              </a:rPr>
+              <a:t>4</a:t>
+            </a:r>
+            <a:r>
+              <a:rPr kumimoji="1" lang="ja-JP" altLang="en-US" dirty="0">
+                <a:latin typeface="BIZ UDP明朝 Medium" panose="02020500000000000000" pitchFamily="18" charset="-128"/>
+                <a:ea typeface="BIZ UDP明朝 Medium" panose="02020500000000000000" pitchFamily="18" charset="-128"/>
+              </a:rPr>
+              <a:t>ステージ</a:t>
+            </a:r>
+            <a:endParaRPr kumimoji="1" lang="en-US" altLang="ja-JP" dirty="0">
+              <a:latin typeface="BIZ UDP明朝 Medium" panose="02020500000000000000" pitchFamily="18" charset="-128"/>
+              <a:ea typeface="BIZ UDP明朝 Medium" panose="02020500000000000000" pitchFamily="18" charset="-128"/>
+            </a:endParaRPr>
+          </a:p>
+          <a:p>
+            <a:r>
+              <a:rPr lang="ja-JP" altLang="en-US" b="0" i="0" dirty="0">
+                <a:solidFill>
+                  <a:srgbClr val="202122"/>
+                </a:solidFill>
+                <a:effectLst/>
+                <a:latin typeface="BIZ UDP明朝 Medium" panose="02020500000000000000" pitchFamily="18" charset="-128"/>
+                <a:ea typeface="BIZ UDP明朝 Medium" panose="02020500000000000000" pitchFamily="18" charset="-128"/>
+              </a:rPr>
+              <a:t>冥府界</a:t>
+            </a:r>
+            <a:endParaRPr lang="en-US" altLang="ja-JP" b="0" i="0" dirty="0">
+              <a:solidFill>
+                <a:srgbClr val="202122"/>
+              </a:solidFill>
+              <a:effectLst/>
+              <a:latin typeface="BIZ UDP明朝 Medium" panose="02020500000000000000" pitchFamily="18" charset="-128"/>
+              <a:ea typeface="BIZ UDP明朝 Medium" panose="02020500000000000000" pitchFamily="18" charset="-128"/>
+            </a:endParaRPr>
+          </a:p>
+          <a:p>
+            <a:r>
+              <a:rPr lang="ja-JP" altLang="en-US" b="0" i="0" dirty="0">
+                <a:solidFill>
+                  <a:srgbClr val="202122"/>
+                </a:solidFill>
+                <a:effectLst/>
+                <a:latin typeface="BIZ UDP明朝 Medium" panose="02020500000000000000" pitchFamily="18" charset="-128"/>
+                <a:ea typeface="BIZ UDP明朝 Medium" panose="02020500000000000000" pitchFamily="18" charset="-128"/>
+              </a:rPr>
+              <a:t>地上界</a:t>
+            </a:r>
+            <a:endParaRPr lang="en-US" altLang="ja-JP" b="0" i="0" dirty="0">
+              <a:solidFill>
+                <a:srgbClr val="202122"/>
+              </a:solidFill>
+              <a:effectLst/>
+              <a:latin typeface="BIZ UDP明朝 Medium" panose="02020500000000000000" pitchFamily="18" charset="-128"/>
+              <a:ea typeface="BIZ UDP明朝 Medium" panose="02020500000000000000" pitchFamily="18" charset="-128"/>
+            </a:endParaRPr>
+          </a:p>
+          <a:p>
+            <a:r>
+              <a:rPr lang="ja-JP" altLang="en-US" b="0" i="0" dirty="0">
+                <a:solidFill>
+                  <a:srgbClr val="202122"/>
+                </a:solidFill>
+                <a:effectLst/>
+                <a:latin typeface="BIZ UDP明朝 Medium" panose="02020500000000000000" pitchFamily="18" charset="-128"/>
+                <a:ea typeface="BIZ UDP明朝 Medium" panose="02020500000000000000" pitchFamily="18" charset="-128"/>
+              </a:rPr>
+              <a:t>天空界</a:t>
+            </a:r>
+            <a:endParaRPr lang="en-US" altLang="ja-JP" b="0" i="0" dirty="0">
+              <a:solidFill>
+                <a:srgbClr val="202122"/>
+              </a:solidFill>
+              <a:effectLst/>
+              <a:latin typeface="BIZ UDP明朝 Medium" panose="02020500000000000000" pitchFamily="18" charset="-128"/>
+              <a:ea typeface="BIZ UDP明朝 Medium" panose="02020500000000000000" pitchFamily="18" charset="-128"/>
+            </a:endParaRPr>
+          </a:p>
+          <a:p>
+            <a:r>
+              <a:rPr lang="en-US" altLang="ja-JP" dirty="0">
+                <a:solidFill>
+                  <a:srgbClr val="202122"/>
+                </a:solidFill>
+                <a:latin typeface="BIZ UDP明朝 Medium" panose="02020500000000000000" pitchFamily="18" charset="-128"/>
+                <a:ea typeface="BIZ UDP明朝 Medium" panose="02020500000000000000" pitchFamily="18" charset="-128"/>
+              </a:rPr>
+              <a:t>(</a:t>
+            </a:r>
+            <a:r>
+              <a:rPr lang="ja-JP" altLang="en-US" dirty="0">
+                <a:solidFill>
+                  <a:srgbClr val="202122"/>
+                </a:solidFill>
+                <a:latin typeface="BIZ UDP明朝 Medium" panose="02020500000000000000" pitchFamily="18" charset="-128"/>
+                <a:ea typeface="BIZ UDP明朝 Medium" panose="02020500000000000000" pitchFamily="18" charset="-128"/>
+              </a:rPr>
+              <a:t>できれば</a:t>
+            </a:r>
+            <a:r>
+              <a:rPr lang="en-US" altLang="ja-JP" dirty="0">
+                <a:solidFill>
+                  <a:srgbClr val="202122"/>
+                </a:solidFill>
+                <a:latin typeface="BIZ UDP明朝 Medium" panose="02020500000000000000" pitchFamily="18" charset="-128"/>
+                <a:ea typeface="BIZ UDP明朝 Medium" panose="02020500000000000000" pitchFamily="18" charset="-128"/>
+              </a:rPr>
+              <a:t>)</a:t>
+            </a:r>
+            <a:r>
+              <a:rPr lang="ja-JP" altLang="en-US" b="0" i="0" dirty="0">
+                <a:solidFill>
+                  <a:srgbClr val="202122"/>
+                </a:solidFill>
+                <a:effectLst/>
+                <a:latin typeface="BIZ UDP明朝 Medium" panose="02020500000000000000" pitchFamily="18" charset="-128"/>
+                <a:ea typeface="BIZ UDP明朝 Medium" panose="02020500000000000000" pitchFamily="18" charset="-128"/>
+              </a:rPr>
+              <a:t>天空の神殿</a:t>
+            </a:r>
+            <a:endParaRPr kumimoji="1" lang="ja-JP" altLang="en-US" dirty="0">
+              <a:latin typeface="BIZ UDP明朝 Medium" panose="02020500000000000000" pitchFamily="18" charset="-128"/>
+              <a:ea typeface="BIZ UDP明朝 Medium" panose="02020500000000000000" pitchFamily="18" charset="-128"/>
+            </a:endParaRPr>
+          </a:p>
+        </p:txBody>
+      </p:sp>
+      <p:sp>
+        <p:nvSpPr>
+          <p:cNvPr id="2" name="テキスト ボックス 1">
+            <a:extLst>
+              <a:ext uri="{FF2B5EF4-FFF2-40B4-BE49-F238E27FC236}">
+                <a16:creationId xmlns:a16="http://schemas.microsoft.com/office/drawing/2014/main" id="{7EB50C7E-D579-4C3D-82EB-186BB5F9A68C}"/>
+              </a:ext>
+            </a:extLst>
+          </p:cNvPr>
+          <p:cNvSpPr txBox="1"/>
+          <p:nvPr/>
+        </p:nvSpPr>
+        <p:spPr>
+          <a:xfrm>
+            <a:off x="5822066" y="3429000"/>
+            <a:ext cx="3078866" cy="1754326"/>
+          </a:xfrm>
+          <a:prstGeom prst="rect">
+            <a:avLst/>
+          </a:prstGeom>
+          <a:noFill/>
+        </p:spPr>
+        <p:txBody>
+          <a:bodyPr wrap="square" rtlCol="0">
+            <a:spAutoFit/>
+          </a:bodyPr>
+          <a:lstStyle/>
+          <a:p>
+            <a:r>
+              <a:rPr kumimoji="1" lang="ja-JP" altLang="en-US" dirty="0">
+                <a:latin typeface="BIZ UDP明朝 Medium" panose="02020500000000000000" pitchFamily="18" charset="-128"/>
+                <a:ea typeface="BIZ UDP明朝 Medium" panose="02020500000000000000" pitchFamily="18" charset="-128"/>
+              </a:rPr>
+              <a:t>操作方法</a:t>
+            </a:r>
+            <a:r>
+              <a:rPr kumimoji="1" lang="en-US" altLang="ja-JP" dirty="0">
+                <a:latin typeface="BIZ UDP明朝 Medium" panose="02020500000000000000" pitchFamily="18" charset="-128"/>
+                <a:ea typeface="BIZ UDP明朝 Medium" panose="02020500000000000000" pitchFamily="18" charset="-128"/>
+              </a:rPr>
+              <a:t>…</a:t>
+            </a:r>
+            <a:r>
+              <a:rPr kumimoji="1" lang="ja-JP" altLang="en-US" dirty="0">
+                <a:latin typeface="BIZ UDP明朝 Medium" panose="02020500000000000000" pitchFamily="18" charset="-128"/>
+                <a:ea typeface="BIZ UDP明朝 Medium" panose="02020500000000000000" pitchFamily="18" charset="-128"/>
+              </a:rPr>
+              <a:t>キーボード</a:t>
+            </a:r>
+            <a:endParaRPr kumimoji="1" lang="en-US" altLang="ja-JP" dirty="0">
+              <a:latin typeface="BIZ UDP明朝 Medium" panose="02020500000000000000" pitchFamily="18" charset="-128"/>
+              <a:ea typeface="BIZ UDP明朝 Medium" panose="02020500000000000000" pitchFamily="18" charset="-128"/>
+            </a:endParaRPr>
+          </a:p>
+          <a:p>
+            <a:endParaRPr kumimoji="1" lang="en-US" altLang="ja-JP" dirty="0">
+              <a:latin typeface="BIZ UDP明朝 Medium" panose="02020500000000000000" pitchFamily="18" charset="-128"/>
+              <a:ea typeface="BIZ UDP明朝 Medium" panose="02020500000000000000" pitchFamily="18" charset="-128"/>
+            </a:endParaRPr>
+          </a:p>
+          <a:p>
+            <a:r>
+              <a:rPr kumimoji="1" lang="ja-JP" altLang="en-US" dirty="0">
+                <a:latin typeface="BIZ UDP明朝 Medium" panose="02020500000000000000" pitchFamily="18" charset="-128"/>
+                <a:ea typeface="BIZ UDP明朝 Medium" panose="02020500000000000000" pitchFamily="18" charset="-128"/>
+              </a:rPr>
+              <a:t>・十字キー</a:t>
+            </a:r>
+            <a:endParaRPr kumimoji="1" lang="en-US" altLang="ja-JP" dirty="0">
+              <a:latin typeface="BIZ UDP明朝 Medium" panose="02020500000000000000" pitchFamily="18" charset="-128"/>
+              <a:ea typeface="BIZ UDP明朝 Medium" panose="02020500000000000000" pitchFamily="18" charset="-128"/>
+            </a:endParaRPr>
+          </a:p>
+          <a:p>
+            <a:r>
+              <a:rPr kumimoji="1" lang="ja-JP" altLang="en-US" dirty="0">
+                <a:latin typeface="BIZ UDP明朝 Medium" panose="02020500000000000000" pitchFamily="18" charset="-128"/>
+                <a:ea typeface="BIZ UDP明朝 Medium" panose="02020500000000000000" pitchFamily="18" charset="-128"/>
+              </a:rPr>
+              <a:t>・</a:t>
+            </a:r>
+            <a:r>
+              <a:rPr kumimoji="1" lang="en-US" altLang="ja-JP" dirty="0">
+                <a:latin typeface="BIZ UDP明朝 Medium" panose="02020500000000000000" pitchFamily="18" charset="-128"/>
+                <a:ea typeface="BIZ UDP明朝 Medium" panose="02020500000000000000" pitchFamily="18" charset="-128"/>
+              </a:rPr>
+              <a:t>Space</a:t>
+            </a:r>
+            <a:r>
+              <a:rPr kumimoji="1" lang="ja-JP" altLang="en-US" dirty="0">
+                <a:latin typeface="BIZ UDP明朝 Medium" panose="02020500000000000000" pitchFamily="18" charset="-128"/>
+                <a:ea typeface="BIZ UDP明朝 Medium" panose="02020500000000000000" pitchFamily="18" charset="-128"/>
+              </a:rPr>
+              <a:t>キー</a:t>
+            </a:r>
+            <a:endParaRPr kumimoji="1" lang="en-US" altLang="ja-JP" dirty="0">
+              <a:latin typeface="BIZ UDP明朝 Medium" panose="02020500000000000000" pitchFamily="18" charset="-128"/>
+              <a:ea typeface="BIZ UDP明朝 Medium" panose="02020500000000000000" pitchFamily="18" charset="-128"/>
+            </a:endParaRPr>
+          </a:p>
+          <a:p>
+            <a:endParaRPr kumimoji="1" lang="en-US" altLang="ja-JP" dirty="0">
+              <a:latin typeface="BIZ UDP明朝 Medium" panose="02020500000000000000" pitchFamily="18" charset="-128"/>
+              <a:ea typeface="BIZ UDP明朝 Medium" panose="02020500000000000000" pitchFamily="18" charset="-128"/>
+            </a:endParaRPr>
+          </a:p>
+          <a:p>
+            <a:r>
+              <a:rPr kumimoji="1" lang="ja-JP" altLang="en-US" dirty="0">
+                <a:latin typeface="BIZ UDP明朝 Medium" panose="02020500000000000000" pitchFamily="18" charset="-128"/>
+                <a:ea typeface="BIZ UDP明朝 Medium" panose="02020500000000000000" pitchFamily="18" charset="-128"/>
+              </a:rPr>
+              <a:t>・</a:t>
+            </a:r>
+            <a:r>
+              <a:rPr kumimoji="1" lang="en-US" altLang="ja-JP" dirty="0">
+                <a:latin typeface="BIZ UDP明朝 Medium" panose="02020500000000000000" pitchFamily="18" charset="-128"/>
+                <a:ea typeface="BIZ UDP明朝 Medium" panose="02020500000000000000" pitchFamily="18" charset="-128"/>
+              </a:rPr>
+              <a:t>Enter</a:t>
+            </a:r>
+            <a:r>
+              <a:rPr kumimoji="1" lang="ja-JP" altLang="en-US" dirty="0">
+                <a:latin typeface="BIZ UDP明朝 Medium" panose="02020500000000000000" pitchFamily="18" charset="-128"/>
+                <a:ea typeface="BIZ UDP明朝 Medium" panose="02020500000000000000" pitchFamily="18" charset="-128"/>
+              </a:rPr>
+              <a:t>キー</a:t>
+            </a:r>
+          </a:p>
+        </p:txBody>
+      </p:sp>
+    </p:spTree>
+    <p:extLst>
+      <p:ext uri="{BB962C8B-B14F-4D97-AF65-F5344CB8AC3E}">
+        <p14:creationId xmlns:p14="http://schemas.microsoft.com/office/powerpoint/2010/main" val="664058219"/>
+      </p:ext>
+    </p:extLst>
+  </p:cSld>
+  <p:clrMapOvr>
+    <a:masterClrMapping/>
+  </p:clrMapOvr>
+</p:sld>
+</file>
+
+<file path=ppt/slides/slide3.xml><?xml version="1.0" encoding="utf-8"?>
+<p:sld xmlns:a="http://schemas.openxmlformats.org/drawingml/2006/main" xmlns:r="http://schemas.openxmlformats.org/officeDocument/2006/relationships" xmlns:p="http://schemas.openxmlformats.org/presentationml/2006/main">
+  <p:cSld>
+    <p:spTree>
+      <p:nvGrpSpPr>
+        <p:cNvPr id="1" name=""/>
+        <p:cNvGrpSpPr/>
+        <p:nvPr/>
+      </p:nvGrpSpPr>
+      <p:grpSpPr>
+        <a:xfrm>
+          <a:off x="0" y="0"/>
+          <a:ext cx="0" cy="0"/>
+          <a:chOff x="0" y="0"/>
+          <a:chExt cx="0" cy="0"/>
+        </a:xfrm>
+      </p:grpSpPr>
+      <p:sp>
+        <p:nvSpPr>
+          <p:cNvPr id="4" name="テキスト ボックス 3">
+            <a:extLst>
+              <a:ext uri="{FF2B5EF4-FFF2-40B4-BE49-F238E27FC236}">
+                <a16:creationId xmlns:a16="http://schemas.microsoft.com/office/drawing/2014/main" id="{31421DED-0AB4-45AF-80E0-5DB4F9CC4890}"/>
+              </a:ext>
+            </a:extLst>
+          </p:cNvPr>
+          <p:cNvSpPr txBox="1"/>
+          <p:nvPr/>
+        </p:nvSpPr>
+        <p:spPr>
+          <a:xfrm>
+            <a:off x="196267" y="174172"/>
+            <a:ext cx="3016155" cy="369332"/>
+          </a:xfrm>
+          <a:prstGeom prst="rect">
+            <a:avLst/>
+          </a:prstGeom>
+          <a:noFill/>
+        </p:spPr>
+        <p:txBody>
+          <a:bodyPr wrap="square" rtlCol="0">
+            <a:spAutoFit/>
+          </a:bodyPr>
+          <a:lstStyle/>
+          <a:p>
+            <a:r>
+              <a:rPr lang="ja-JP" altLang="en-US" dirty="0">
+                <a:highlight>
+                  <a:srgbClr val="C0C0C0"/>
+                </a:highlight>
+              </a:rPr>
+              <a:t>作品展示会用 ゲーム企画書</a:t>
+            </a:r>
+            <a:endParaRPr kumimoji="1" lang="ja-JP" altLang="en-US" dirty="0">
+              <a:highlight>
+                <a:srgbClr val="C0C0C0"/>
+              </a:highlight>
+            </a:endParaRPr>
+          </a:p>
+        </p:txBody>
+      </p:sp>
+      <p:pic>
+        <p:nvPicPr>
+          <p:cNvPr id="6" name="図 5">
+            <a:extLst>
+              <a:ext uri="{FF2B5EF4-FFF2-40B4-BE49-F238E27FC236}">
+                <a16:creationId xmlns:a16="http://schemas.microsoft.com/office/drawing/2014/main" id="{A209EA39-008E-42DE-A802-5C2787347DA2}"/>
+              </a:ext>
+            </a:extLst>
+          </p:cNvPr>
+          <p:cNvPicPr>
+            <a:picLocks noChangeAspect="1"/>
+          </p:cNvPicPr>
+          <p:nvPr/>
+        </p:nvPicPr>
+        <p:blipFill rotWithShape="1">
+          <a:blip r:embed="rId2">
+            <a:extLst>
+              <a:ext uri="{28A0092B-C50C-407E-A947-70E740481C1C}">
+                <a14:useLocalDpi xmlns:a14="http://schemas.microsoft.com/office/drawing/2010/main" val="0"/>
+              </a:ext>
+            </a:extLst>
+          </a:blip>
+          <a:srcRect l="12195" t="36129" r="57830" b="12833"/>
+          <a:stretch/>
+        </p:blipFill>
+        <p:spPr>
+          <a:xfrm>
+            <a:off x="477427" y="1339929"/>
+            <a:ext cx="1226917" cy="2089071"/>
+          </a:xfrm>
+          <a:prstGeom prst="rect">
+            <a:avLst/>
+          </a:prstGeom>
+        </p:spPr>
+      </p:pic>
+      <p:sp>
+        <p:nvSpPr>
+          <p:cNvPr id="9" name="テキスト ボックス 8">
+            <a:extLst>
+              <a:ext uri="{FF2B5EF4-FFF2-40B4-BE49-F238E27FC236}">
+                <a16:creationId xmlns:a16="http://schemas.microsoft.com/office/drawing/2014/main" id="{D4442B3A-400E-4F86-8304-E418CB822C57}"/>
+              </a:ext>
+            </a:extLst>
+          </p:cNvPr>
+          <p:cNvSpPr txBox="1"/>
+          <p:nvPr/>
+        </p:nvSpPr>
+        <p:spPr>
+          <a:xfrm>
+            <a:off x="413766" y="950321"/>
+            <a:ext cx="1354238" cy="369332"/>
+          </a:xfrm>
+          <a:prstGeom prst="rect">
+            <a:avLst/>
+          </a:prstGeom>
+          <a:noFill/>
+        </p:spPr>
+        <p:txBody>
+          <a:bodyPr wrap="square" rtlCol="0">
+            <a:spAutoFit/>
+          </a:bodyPr>
+          <a:lstStyle/>
+          <a:p>
+            <a:r>
+              <a:rPr kumimoji="1" lang="ja-JP" altLang="en-US" dirty="0">
+                <a:latin typeface="BIZ UDP明朝 Medium" panose="02020500000000000000" pitchFamily="18" charset="-128"/>
+                <a:ea typeface="BIZ UDP明朝 Medium" panose="02020500000000000000" pitchFamily="18" charset="-128"/>
+              </a:rPr>
+              <a:t>プレイヤー</a:t>
+            </a:r>
+          </a:p>
+        </p:txBody>
+      </p:sp>
+      <p:pic>
+        <p:nvPicPr>
+          <p:cNvPr id="13" name="図 12">
+            <a:extLst>
+              <a:ext uri="{FF2B5EF4-FFF2-40B4-BE49-F238E27FC236}">
+                <a16:creationId xmlns:a16="http://schemas.microsoft.com/office/drawing/2014/main" id="{81C4069E-0BE8-43A6-86E3-BAC5ECCB7EBD}"/>
+              </a:ext>
+            </a:extLst>
+          </p:cNvPr>
+          <p:cNvPicPr>
+            <a:picLocks noChangeAspect="1"/>
+          </p:cNvPicPr>
+          <p:nvPr/>
+        </p:nvPicPr>
+        <p:blipFill>
+          <a:blip r:embed="rId3">
+            <a:extLst>
+              <a:ext uri="{28A0092B-C50C-407E-A947-70E740481C1C}">
+                <a14:useLocalDpi xmlns:a14="http://schemas.microsoft.com/office/drawing/2010/main" val="0"/>
+              </a:ext>
+            </a:extLst>
+          </a:blip>
+          <a:stretch>
+            <a:fillRect/>
+          </a:stretch>
+        </p:blipFill>
+        <p:spPr>
+          <a:xfrm>
+            <a:off x="2695334" y="1494994"/>
+            <a:ext cx="2375407" cy="1778939"/>
+          </a:xfrm>
+          <a:prstGeom prst="rect">
+            <a:avLst/>
+          </a:prstGeom>
+        </p:spPr>
+      </p:pic>
+      <p:sp>
+        <p:nvSpPr>
+          <p:cNvPr id="14" name="テキスト ボックス 13">
+            <a:extLst>
+              <a:ext uri="{FF2B5EF4-FFF2-40B4-BE49-F238E27FC236}">
+                <a16:creationId xmlns:a16="http://schemas.microsoft.com/office/drawing/2014/main" id="{9D47EAD0-1CA1-434A-A5FE-FAC20A5316F0}"/>
+              </a:ext>
+            </a:extLst>
+          </p:cNvPr>
+          <p:cNvSpPr txBox="1"/>
+          <p:nvPr/>
+        </p:nvSpPr>
+        <p:spPr>
+          <a:xfrm>
+            <a:off x="5810491" y="1736203"/>
+            <a:ext cx="2905246" cy="2031325"/>
+          </a:xfrm>
+          <a:prstGeom prst="rect">
+            <a:avLst/>
+          </a:prstGeom>
+          <a:noFill/>
+        </p:spPr>
+        <p:txBody>
+          <a:bodyPr wrap="square" rtlCol="0">
+            <a:spAutoFit/>
+          </a:bodyPr>
+          <a:lstStyle/>
+          <a:p>
+            <a:r>
+              <a:rPr kumimoji="1" lang="ja-JP" altLang="en-US" dirty="0">
+                <a:latin typeface="BIZ UDP明朝 Medium" panose="02020500000000000000" pitchFamily="18" charset="-128"/>
+                <a:ea typeface="BIZ UDP明朝 Medium" panose="02020500000000000000" pitchFamily="18" charset="-128"/>
+              </a:rPr>
+              <a:t>左右キー</a:t>
+            </a:r>
+            <a:r>
+              <a:rPr kumimoji="1" lang="en-US" altLang="ja-JP" dirty="0">
+                <a:latin typeface="BIZ UDP明朝 Medium" panose="02020500000000000000" pitchFamily="18" charset="-128"/>
+                <a:ea typeface="BIZ UDP明朝 Medium" panose="02020500000000000000" pitchFamily="18" charset="-128"/>
+              </a:rPr>
+              <a:t>…</a:t>
+            </a:r>
+            <a:r>
+              <a:rPr kumimoji="1" lang="ja-JP" altLang="en-US" dirty="0">
+                <a:latin typeface="BIZ UDP明朝 Medium" panose="02020500000000000000" pitchFamily="18" charset="-128"/>
+                <a:ea typeface="BIZ UDP明朝 Medium" panose="02020500000000000000" pitchFamily="18" charset="-128"/>
+              </a:rPr>
+              <a:t>左右移動</a:t>
+            </a:r>
+            <a:endParaRPr kumimoji="1" lang="en-US" altLang="ja-JP" dirty="0">
+              <a:latin typeface="BIZ UDP明朝 Medium" panose="02020500000000000000" pitchFamily="18" charset="-128"/>
+              <a:ea typeface="BIZ UDP明朝 Medium" panose="02020500000000000000" pitchFamily="18" charset="-128"/>
+            </a:endParaRPr>
+          </a:p>
+          <a:p>
+            <a:r>
+              <a:rPr kumimoji="1" lang="ja-JP" altLang="en-US" dirty="0">
+                <a:latin typeface="BIZ UDP明朝 Medium" panose="02020500000000000000" pitchFamily="18" charset="-128"/>
+                <a:ea typeface="BIZ UDP明朝 Medium" panose="02020500000000000000" pitchFamily="18" charset="-128"/>
+              </a:rPr>
+              <a:t>上キー</a:t>
+            </a:r>
+            <a:r>
+              <a:rPr kumimoji="1" lang="en-US" altLang="ja-JP" dirty="0">
+                <a:latin typeface="BIZ UDP明朝 Medium" panose="02020500000000000000" pitchFamily="18" charset="-128"/>
+                <a:ea typeface="BIZ UDP明朝 Medium" panose="02020500000000000000" pitchFamily="18" charset="-128"/>
+              </a:rPr>
+              <a:t>… </a:t>
+            </a:r>
+            <a:r>
+              <a:rPr kumimoji="1" lang="ja-JP" altLang="en-US" dirty="0">
+                <a:latin typeface="BIZ UDP明朝 Medium" panose="02020500000000000000" pitchFamily="18" charset="-128"/>
+                <a:ea typeface="BIZ UDP明朝 Medium" panose="02020500000000000000" pitchFamily="18" charset="-128"/>
+              </a:rPr>
+              <a:t>ジャンプ</a:t>
+            </a:r>
+            <a:endParaRPr kumimoji="1" lang="en-US" altLang="ja-JP" dirty="0">
+              <a:latin typeface="BIZ UDP明朝 Medium" panose="02020500000000000000" pitchFamily="18" charset="-128"/>
+              <a:ea typeface="BIZ UDP明朝 Medium" panose="02020500000000000000" pitchFamily="18" charset="-128"/>
+            </a:endParaRPr>
+          </a:p>
+          <a:p>
+            <a:r>
+              <a:rPr kumimoji="1" lang="ja-JP" altLang="en-US" dirty="0">
+                <a:latin typeface="BIZ UDP明朝 Medium" panose="02020500000000000000" pitchFamily="18" charset="-128"/>
+                <a:ea typeface="BIZ UDP明朝 Medium" panose="02020500000000000000" pitchFamily="18" charset="-128"/>
+              </a:rPr>
+              <a:t>下キー</a:t>
+            </a:r>
+            <a:r>
+              <a:rPr kumimoji="1" lang="en-US" altLang="ja-JP" dirty="0">
+                <a:latin typeface="BIZ UDP明朝 Medium" panose="02020500000000000000" pitchFamily="18" charset="-128"/>
+                <a:ea typeface="BIZ UDP明朝 Medium" panose="02020500000000000000" pitchFamily="18" charset="-128"/>
+              </a:rPr>
+              <a:t>…</a:t>
+            </a:r>
+            <a:r>
+              <a:rPr kumimoji="1" lang="ja-JP" altLang="en-US" dirty="0">
+                <a:latin typeface="BIZ UDP明朝 Medium" panose="02020500000000000000" pitchFamily="18" charset="-128"/>
+                <a:ea typeface="BIZ UDP明朝 Medium" panose="02020500000000000000" pitchFamily="18" charset="-128"/>
+              </a:rPr>
+              <a:t>しゃがむ</a:t>
+            </a:r>
+            <a:endParaRPr kumimoji="1" lang="en-US" altLang="ja-JP" dirty="0">
+              <a:latin typeface="BIZ UDP明朝 Medium" panose="02020500000000000000" pitchFamily="18" charset="-128"/>
+              <a:ea typeface="BIZ UDP明朝 Medium" panose="02020500000000000000" pitchFamily="18" charset="-128"/>
+            </a:endParaRPr>
+          </a:p>
+          <a:p>
+            <a:endParaRPr kumimoji="1" lang="en-US" altLang="ja-JP" dirty="0">
+              <a:latin typeface="BIZ UDP明朝 Medium" panose="02020500000000000000" pitchFamily="18" charset="-128"/>
+              <a:ea typeface="BIZ UDP明朝 Medium" panose="02020500000000000000" pitchFamily="18" charset="-128"/>
+            </a:endParaRPr>
+          </a:p>
+          <a:p>
+            <a:r>
+              <a:rPr kumimoji="1" lang="en-US" altLang="ja-JP" dirty="0">
+                <a:latin typeface="BIZ UDP明朝 Medium" panose="02020500000000000000" pitchFamily="18" charset="-128"/>
+                <a:ea typeface="BIZ UDP明朝 Medium" panose="02020500000000000000" pitchFamily="18" charset="-128"/>
+              </a:rPr>
+              <a:t>Enter</a:t>
+            </a:r>
+            <a:r>
+              <a:rPr kumimoji="1" lang="ja-JP" altLang="en-US" dirty="0">
+                <a:latin typeface="BIZ UDP明朝 Medium" panose="02020500000000000000" pitchFamily="18" charset="-128"/>
+                <a:ea typeface="BIZ UDP明朝 Medium" panose="02020500000000000000" pitchFamily="18" charset="-128"/>
+              </a:rPr>
+              <a:t>キー</a:t>
+            </a:r>
+            <a:r>
+              <a:rPr kumimoji="1" lang="en-US" altLang="ja-JP" dirty="0">
+                <a:latin typeface="BIZ UDP明朝 Medium" panose="02020500000000000000" pitchFamily="18" charset="-128"/>
+                <a:ea typeface="BIZ UDP明朝 Medium" panose="02020500000000000000" pitchFamily="18" charset="-128"/>
+              </a:rPr>
+              <a:t>…</a:t>
+            </a:r>
+          </a:p>
+          <a:p>
+            <a:r>
+              <a:rPr kumimoji="1" lang="en-US" altLang="ja-JP" dirty="0">
+                <a:latin typeface="BIZ UDP明朝 Medium" panose="02020500000000000000" pitchFamily="18" charset="-128"/>
+                <a:ea typeface="BIZ UDP明朝 Medium" panose="02020500000000000000" pitchFamily="18" charset="-128"/>
+              </a:rPr>
+              <a:t>Space</a:t>
+            </a:r>
+            <a:r>
+              <a:rPr kumimoji="1" lang="ja-JP" altLang="en-US" dirty="0">
+                <a:latin typeface="BIZ UDP明朝 Medium" panose="02020500000000000000" pitchFamily="18" charset="-128"/>
+                <a:ea typeface="BIZ UDP明朝 Medium" panose="02020500000000000000" pitchFamily="18" charset="-128"/>
+              </a:rPr>
+              <a:t>キー</a:t>
+            </a:r>
+            <a:r>
+              <a:rPr kumimoji="1" lang="en-US" altLang="ja-JP" dirty="0">
+                <a:latin typeface="BIZ UDP明朝 Medium" panose="02020500000000000000" pitchFamily="18" charset="-128"/>
+                <a:ea typeface="BIZ UDP明朝 Medium" panose="02020500000000000000" pitchFamily="18" charset="-128"/>
+              </a:rPr>
+              <a:t>…</a:t>
+            </a:r>
+            <a:r>
+              <a:rPr kumimoji="1" lang="ja-JP" altLang="en-US" dirty="0">
+                <a:latin typeface="BIZ UDP明朝 Medium" panose="02020500000000000000" pitchFamily="18" charset="-128"/>
+                <a:ea typeface="BIZ UDP明朝 Medium" panose="02020500000000000000" pitchFamily="18" charset="-128"/>
+              </a:rPr>
+              <a:t>攻撃</a:t>
+            </a:r>
+            <a:endParaRPr kumimoji="1" lang="en-US" altLang="ja-JP" dirty="0">
+              <a:latin typeface="BIZ UDP明朝 Medium" panose="02020500000000000000" pitchFamily="18" charset="-128"/>
+              <a:ea typeface="BIZ UDP明朝 Medium" panose="02020500000000000000" pitchFamily="18" charset="-128"/>
+            </a:endParaRPr>
+          </a:p>
+          <a:p>
+            <a:endParaRPr kumimoji="1" lang="ja-JP" altLang="en-US" dirty="0">
+              <a:latin typeface="BIZ UDP明朝 Medium" panose="02020500000000000000" pitchFamily="18" charset="-128"/>
+              <a:ea typeface="BIZ UDP明朝 Medium" panose="02020500000000000000" pitchFamily="18" charset="-128"/>
+            </a:endParaRPr>
+          </a:p>
+        </p:txBody>
+      </p:sp>
+      <p:pic>
+        <p:nvPicPr>
+          <p:cNvPr id="16" name="図 15">
+            <a:extLst>
+              <a:ext uri="{FF2B5EF4-FFF2-40B4-BE49-F238E27FC236}">
+                <a16:creationId xmlns:a16="http://schemas.microsoft.com/office/drawing/2014/main" id="{7B480010-C6C4-4809-B96F-26EF418326AB}"/>
+              </a:ext>
+            </a:extLst>
+          </p:cNvPr>
+          <p:cNvPicPr>
+            <a:picLocks noChangeAspect="1"/>
+          </p:cNvPicPr>
+          <p:nvPr/>
+        </p:nvPicPr>
+        <p:blipFill rotWithShape="1">
+          <a:blip r:embed="rId4">
+            <a:extLst>
+              <a:ext uri="{28A0092B-C50C-407E-A947-70E740481C1C}">
+                <a14:useLocalDpi xmlns:a14="http://schemas.microsoft.com/office/drawing/2010/main" val="0"/>
+              </a:ext>
+            </a:extLst>
+          </a:blip>
+          <a:srcRect l="21803" t="11646" r="23042" b="11898"/>
+          <a:stretch/>
+        </p:blipFill>
+        <p:spPr>
+          <a:xfrm>
+            <a:off x="3120175" y="3831220"/>
+            <a:ext cx="1710917" cy="2089072"/>
+          </a:xfrm>
+          <a:prstGeom prst="rect">
+            <a:avLst/>
+          </a:prstGeom>
+        </p:spPr>
+      </p:pic>
+    </p:spTree>
+    <p:extLst>
+      <p:ext uri="{BB962C8B-B14F-4D97-AF65-F5344CB8AC3E}">
+        <p14:creationId xmlns:p14="http://schemas.microsoft.com/office/powerpoint/2010/main" val="2378627140"/>
+      </p:ext>
+    </p:extLst>
+  </p:cSld>
+  <p:clrMapOvr>
+    <a:masterClrMapping/>
+  </p:clrMapOvr>
+</p:sld>
+</file>
+
+<file path=ppt/slides/slide4.xml><?xml version="1.0" encoding="utf-8"?>
 <p:sld xmlns:a="http://schemas.openxmlformats.org/drawingml/2006/main" xmlns:r="http://schemas.openxmlformats.org/officeDocument/2006/relationships" xmlns:p="http://schemas.openxmlformats.org/presentationml/2006/main">
   <p:cSld>
     <p:spTree>
@@ -4628,836 +5749,6 @@
 </p:sld>
 </file>
 
-<file path=ppt/slides/slide3.xml><?xml version="1.0" encoding="utf-8"?>
-<p:sld xmlns:a="http://schemas.openxmlformats.org/drawingml/2006/main" xmlns:r="http://schemas.openxmlformats.org/officeDocument/2006/relationships" xmlns:p="http://schemas.openxmlformats.org/presentationml/2006/main">
-  <p:cSld>
-    <p:spTree>
-      <p:nvGrpSpPr>
-        <p:cNvPr id="1" name=""/>
-        <p:cNvGrpSpPr/>
-        <p:nvPr/>
-      </p:nvGrpSpPr>
-      <p:grpSpPr>
-        <a:xfrm>
-          <a:off x="0" y="0"/>
-          <a:ext cx="0" cy="0"/>
-          <a:chOff x="0" y="0"/>
-          <a:chExt cx="0" cy="0"/>
-        </a:xfrm>
-      </p:grpSpPr>
-      <p:sp>
-        <p:nvSpPr>
-          <p:cNvPr id="4" name="テキスト ボックス 3">
-            <a:extLst>
-              <a:ext uri="{FF2B5EF4-FFF2-40B4-BE49-F238E27FC236}">
-                <a16:creationId xmlns:a16="http://schemas.microsoft.com/office/drawing/2014/main" id="{31421DED-0AB4-45AF-80E0-5DB4F9CC4890}"/>
-              </a:ext>
-            </a:extLst>
-          </p:cNvPr>
-          <p:cNvSpPr txBox="1"/>
-          <p:nvPr/>
-        </p:nvSpPr>
-        <p:spPr>
-          <a:xfrm>
-            <a:off x="196267" y="174172"/>
-            <a:ext cx="3016155" cy="369332"/>
-          </a:xfrm>
-          <a:prstGeom prst="rect">
-            <a:avLst/>
-          </a:prstGeom>
-          <a:noFill/>
-        </p:spPr>
-        <p:txBody>
-          <a:bodyPr wrap="square" rtlCol="0">
-            <a:spAutoFit/>
-          </a:bodyPr>
-          <a:lstStyle/>
-          <a:p>
-            <a:r>
-              <a:rPr lang="ja-JP" altLang="en-US" dirty="0">
-                <a:highlight>
-                  <a:srgbClr val="C0C0C0"/>
-                </a:highlight>
-              </a:rPr>
-              <a:t>作品展示会用 ゲーム企画書</a:t>
-            </a:r>
-            <a:endParaRPr kumimoji="1" lang="ja-JP" altLang="en-US" dirty="0">
-              <a:highlight>
-                <a:srgbClr val="C0C0C0"/>
-              </a:highlight>
-            </a:endParaRPr>
-          </a:p>
-        </p:txBody>
-      </p:sp>
-      <p:sp>
-        <p:nvSpPr>
-          <p:cNvPr id="2" name="テキスト ボックス 1">
-            <a:extLst>
-              <a:ext uri="{FF2B5EF4-FFF2-40B4-BE49-F238E27FC236}">
-                <a16:creationId xmlns:a16="http://schemas.microsoft.com/office/drawing/2014/main" id="{61042F20-09F0-4948-A172-DCE42BD1930A}"/>
-              </a:ext>
-            </a:extLst>
-          </p:cNvPr>
-          <p:cNvSpPr txBox="1"/>
-          <p:nvPr/>
-        </p:nvSpPr>
-        <p:spPr>
-          <a:xfrm>
-            <a:off x="1103086" y="1219200"/>
-            <a:ext cx="1364343" cy="369332"/>
-          </a:xfrm>
-          <a:prstGeom prst="rect">
-            <a:avLst/>
-          </a:prstGeom>
-          <a:noFill/>
-        </p:spPr>
-        <p:txBody>
-          <a:bodyPr wrap="square" rtlCol="0">
-            <a:spAutoFit/>
-          </a:bodyPr>
-          <a:lstStyle/>
-          <a:p>
-            <a:r>
-              <a:rPr kumimoji="1" lang="ja-JP" altLang="en-US" dirty="0"/>
-              <a:t>ステージ数</a:t>
-            </a:r>
-          </a:p>
-        </p:txBody>
-      </p:sp>
-      <p:sp>
-        <p:nvSpPr>
-          <p:cNvPr id="5" name="テキスト ボックス 4">
-            <a:extLst>
-              <a:ext uri="{FF2B5EF4-FFF2-40B4-BE49-F238E27FC236}">
-                <a16:creationId xmlns:a16="http://schemas.microsoft.com/office/drawing/2014/main" id="{2DFB9CE3-D8AB-4BD9-A0E5-083F17594824}"/>
-              </a:ext>
-            </a:extLst>
-          </p:cNvPr>
-          <p:cNvSpPr txBox="1"/>
-          <p:nvPr/>
-        </p:nvSpPr>
-        <p:spPr>
-          <a:xfrm>
-            <a:off x="1103086" y="1813574"/>
-            <a:ext cx="2590800" cy="1200329"/>
-          </a:xfrm>
-          <a:prstGeom prst="rect">
-            <a:avLst/>
-          </a:prstGeom>
-          <a:noFill/>
-        </p:spPr>
-        <p:txBody>
-          <a:bodyPr wrap="square" rtlCol="0">
-            <a:spAutoFit/>
-          </a:bodyPr>
-          <a:lstStyle/>
-          <a:p>
-            <a:r>
-              <a:rPr lang="ja-JP" altLang="en-US" b="0" i="0" dirty="0">
-                <a:solidFill>
-                  <a:srgbClr val="202122"/>
-                </a:solidFill>
-                <a:effectLst/>
-                <a:latin typeface="Arial" panose="020B0604020202020204" pitchFamily="34" charset="0"/>
-              </a:rPr>
-              <a:t>冥府界</a:t>
-            </a:r>
-            <a:endParaRPr lang="en-US" altLang="ja-JP" b="0" i="0" dirty="0">
-              <a:solidFill>
-                <a:srgbClr val="202122"/>
-              </a:solidFill>
-              <a:effectLst/>
-              <a:latin typeface="Arial" panose="020B0604020202020204" pitchFamily="34" charset="0"/>
-            </a:endParaRPr>
-          </a:p>
-          <a:p>
-            <a:r>
-              <a:rPr lang="ja-JP" altLang="en-US" b="0" i="0" dirty="0">
-                <a:solidFill>
-                  <a:srgbClr val="202122"/>
-                </a:solidFill>
-                <a:effectLst/>
-                <a:latin typeface="Arial" panose="020B0604020202020204" pitchFamily="34" charset="0"/>
-              </a:rPr>
-              <a:t>地上界</a:t>
-            </a:r>
-            <a:endParaRPr lang="en-US" altLang="ja-JP" b="0" i="0" dirty="0">
-              <a:solidFill>
-                <a:srgbClr val="202122"/>
-              </a:solidFill>
-              <a:effectLst/>
-              <a:latin typeface="Arial" panose="020B0604020202020204" pitchFamily="34" charset="0"/>
-            </a:endParaRPr>
-          </a:p>
-          <a:p>
-            <a:r>
-              <a:rPr lang="ja-JP" altLang="en-US" b="0" i="0" dirty="0">
-                <a:solidFill>
-                  <a:srgbClr val="202122"/>
-                </a:solidFill>
-                <a:effectLst/>
-                <a:latin typeface="Arial" panose="020B0604020202020204" pitchFamily="34" charset="0"/>
-              </a:rPr>
-              <a:t>天空界</a:t>
-            </a:r>
-            <a:endParaRPr lang="en-US" altLang="ja-JP" b="0" i="0" dirty="0">
-              <a:solidFill>
-                <a:srgbClr val="202122"/>
-              </a:solidFill>
-              <a:effectLst/>
-              <a:latin typeface="Arial" panose="020B0604020202020204" pitchFamily="34" charset="0"/>
-            </a:endParaRPr>
-          </a:p>
-          <a:p>
-            <a:r>
-              <a:rPr lang="en-US" altLang="ja-JP" dirty="0">
-                <a:solidFill>
-                  <a:srgbClr val="202122"/>
-                </a:solidFill>
-                <a:latin typeface="Arial" panose="020B0604020202020204" pitchFamily="34" charset="0"/>
-              </a:rPr>
-              <a:t>(</a:t>
-            </a:r>
-            <a:r>
-              <a:rPr lang="ja-JP" altLang="en-US" dirty="0">
-                <a:solidFill>
-                  <a:srgbClr val="202122"/>
-                </a:solidFill>
-                <a:latin typeface="Arial" panose="020B0604020202020204" pitchFamily="34" charset="0"/>
-              </a:rPr>
-              <a:t>できれば</a:t>
-            </a:r>
-            <a:r>
-              <a:rPr lang="en-US" altLang="ja-JP" dirty="0">
-                <a:solidFill>
-                  <a:srgbClr val="202122"/>
-                </a:solidFill>
-                <a:latin typeface="Arial" panose="020B0604020202020204" pitchFamily="34" charset="0"/>
-              </a:rPr>
-              <a:t>)</a:t>
-            </a:r>
-            <a:r>
-              <a:rPr lang="ja-JP" altLang="en-US" b="0" i="0" dirty="0">
-                <a:solidFill>
-                  <a:srgbClr val="202122"/>
-                </a:solidFill>
-                <a:effectLst/>
-                <a:latin typeface="Arial" panose="020B0604020202020204" pitchFamily="34" charset="0"/>
-              </a:rPr>
-              <a:t>天空の神殿</a:t>
-            </a:r>
-            <a:endParaRPr kumimoji="1" lang="ja-JP" altLang="en-US" dirty="0"/>
-          </a:p>
-        </p:txBody>
-      </p:sp>
-      <p:sp>
-        <p:nvSpPr>
-          <p:cNvPr id="6" name="テキスト ボックス 5">
-            <a:extLst>
-              <a:ext uri="{FF2B5EF4-FFF2-40B4-BE49-F238E27FC236}">
-                <a16:creationId xmlns:a16="http://schemas.microsoft.com/office/drawing/2014/main" id="{AE095011-ED07-6347-D2C4-977D30208CE7}"/>
-              </a:ext>
-            </a:extLst>
-          </p:cNvPr>
-          <p:cNvSpPr txBox="1"/>
-          <p:nvPr/>
-        </p:nvSpPr>
-        <p:spPr>
-          <a:xfrm>
-            <a:off x="1103086" y="3541059"/>
-            <a:ext cx="5495365" cy="1754326"/>
-          </a:xfrm>
-          <a:prstGeom prst="rect">
-            <a:avLst/>
-          </a:prstGeom>
-          <a:noFill/>
-        </p:spPr>
-        <p:txBody>
-          <a:bodyPr wrap="square" rtlCol="0">
-            <a:spAutoFit/>
-          </a:bodyPr>
-          <a:lstStyle/>
-          <a:p>
-            <a:r>
-              <a:rPr kumimoji="1" lang="ja-JP" altLang="en-US" dirty="0"/>
-              <a:t>死んだら</a:t>
-            </a:r>
-            <a:endParaRPr kumimoji="1" lang="en-US" altLang="ja-JP" dirty="0"/>
-          </a:p>
-          <a:p>
-            <a:r>
-              <a:rPr lang="ja-JP" altLang="en-US" dirty="0"/>
-              <a:t>　↓</a:t>
-            </a:r>
-            <a:endParaRPr lang="en-US" altLang="ja-JP" dirty="0"/>
-          </a:p>
-          <a:p>
-            <a:r>
-              <a:rPr kumimoji="1" lang="ja-JP" altLang="en-US" dirty="0"/>
-              <a:t>「ﾔﾗﾚﾁｬｯﾀ」と表示</a:t>
-            </a:r>
-            <a:endParaRPr kumimoji="1" lang="en-US" altLang="ja-JP" dirty="0"/>
-          </a:p>
-          <a:p>
-            <a:r>
-              <a:rPr lang="ja-JP" altLang="en-US" dirty="0"/>
-              <a:t>　　　↓</a:t>
-            </a:r>
-            <a:endParaRPr lang="en-US" altLang="ja-JP" dirty="0"/>
-          </a:p>
-          <a:p>
-            <a:r>
-              <a:rPr kumimoji="1" lang="ja-JP" altLang="en-US" dirty="0"/>
-              <a:t>コンテニューする</a:t>
-            </a:r>
-            <a:r>
-              <a:rPr lang="en-US" altLang="ja-JP" dirty="0"/>
-              <a:t>…</a:t>
-            </a:r>
-            <a:r>
-              <a:rPr lang="ja-JP" altLang="en-US" dirty="0"/>
-              <a:t>ステージの最初からやり直し</a:t>
-            </a:r>
-            <a:endParaRPr lang="en-US" altLang="ja-JP" dirty="0"/>
-          </a:p>
-          <a:p>
-            <a:r>
-              <a:rPr kumimoji="1" lang="ja-JP" altLang="en-US" dirty="0"/>
-              <a:t>セーブする</a:t>
-            </a:r>
-            <a:r>
-              <a:rPr lang="en-US" altLang="ja-JP" dirty="0"/>
-              <a:t>…</a:t>
-            </a:r>
-            <a:r>
-              <a:rPr lang="ja-JP" altLang="en-US" dirty="0"/>
-              <a:t>ステージの最初の地点を保存し終了</a:t>
-            </a:r>
-            <a:endParaRPr kumimoji="1" lang="ja-JP" altLang="en-US" dirty="0"/>
-          </a:p>
-        </p:txBody>
-      </p:sp>
-    </p:spTree>
-    <p:extLst>
-      <p:ext uri="{BB962C8B-B14F-4D97-AF65-F5344CB8AC3E}">
-        <p14:creationId xmlns:p14="http://schemas.microsoft.com/office/powerpoint/2010/main" val="3631817479"/>
-      </p:ext>
-    </p:extLst>
-  </p:cSld>
-  <p:clrMapOvr>
-    <a:masterClrMapping/>
-  </p:clrMapOvr>
-</p:sld>
-</file>
-
-<file path=ppt/slides/slide4.xml><?xml version="1.0" encoding="utf-8"?>
-<p:sld xmlns:a="http://schemas.openxmlformats.org/drawingml/2006/main" xmlns:r="http://schemas.openxmlformats.org/officeDocument/2006/relationships" xmlns:p="http://schemas.openxmlformats.org/presentationml/2006/main">
-  <p:cSld>
-    <p:spTree>
-      <p:nvGrpSpPr>
-        <p:cNvPr id="1" name=""/>
-        <p:cNvGrpSpPr/>
-        <p:nvPr/>
-      </p:nvGrpSpPr>
-      <p:grpSpPr>
-        <a:xfrm>
-          <a:off x="0" y="0"/>
-          <a:ext cx="0" cy="0"/>
-          <a:chOff x="0" y="0"/>
-          <a:chExt cx="0" cy="0"/>
-        </a:xfrm>
-      </p:grpSpPr>
-      <p:sp>
-        <p:nvSpPr>
-          <p:cNvPr id="4" name="テキスト ボックス 3">
-            <a:extLst>
-              <a:ext uri="{FF2B5EF4-FFF2-40B4-BE49-F238E27FC236}">
-                <a16:creationId xmlns:a16="http://schemas.microsoft.com/office/drawing/2014/main" id="{31421DED-0AB4-45AF-80E0-5DB4F9CC4890}"/>
-              </a:ext>
-            </a:extLst>
-          </p:cNvPr>
-          <p:cNvSpPr txBox="1"/>
-          <p:nvPr/>
-        </p:nvSpPr>
-        <p:spPr>
-          <a:xfrm>
-            <a:off x="196267" y="174172"/>
-            <a:ext cx="3016155" cy="369332"/>
-          </a:xfrm>
-          <a:prstGeom prst="rect">
-            <a:avLst/>
-          </a:prstGeom>
-          <a:noFill/>
-        </p:spPr>
-        <p:txBody>
-          <a:bodyPr wrap="square" rtlCol="0">
-            <a:spAutoFit/>
-          </a:bodyPr>
-          <a:lstStyle/>
-          <a:p>
-            <a:r>
-              <a:rPr lang="ja-JP" altLang="en-US" dirty="0">
-                <a:highlight>
-                  <a:srgbClr val="C0C0C0"/>
-                </a:highlight>
-              </a:rPr>
-              <a:t>作品展示会用 ゲーム企画書</a:t>
-            </a:r>
-            <a:endParaRPr kumimoji="1" lang="ja-JP" altLang="en-US" dirty="0">
-              <a:highlight>
-                <a:srgbClr val="C0C0C0"/>
-              </a:highlight>
-            </a:endParaRPr>
-          </a:p>
-        </p:txBody>
-      </p:sp>
-      <p:sp>
-        <p:nvSpPr>
-          <p:cNvPr id="7" name="テキスト ボックス 6">
-            <a:extLst>
-              <a:ext uri="{FF2B5EF4-FFF2-40B4-BE49-F238E27FC236}">
-                <a16:creationId xmlns:a16="http://schemas.microsoft.com/office/drawing/2014/main" id="{3D4B0F36-F305-4D1A-9557-D6AD2F680EB1}"/>
-              </a:ext>
-            </a:extLst>
-          </p:cNvPr>
-          <p:cNvSpPr txBox="1"/>
-          <p:nvPr/>
-        </p:nvSpPr>
-        <p:spPr>
-          <a:xfrm>
-            <a:off x="756667" y="1048038"/>
-            <a:ext cx="1895354" cy="369332"/>
-          </a:xfrm>
-          <a:prstGeom prst="rect">
-            <a:avLst/>
-          </a:prstGeom>
-          <a:noFill/>
-        </p:spPr>
-        <p:txBody>
-          <a:bodyPr wrap="square">
-            <a:spAutoFit/>
-          </a:bodyPr>
-          <a:lstStyle/>
-          <a:p>
-            <a:r>
-              <a:rPr lang="ja-JP" altLang="en-US" b="0" i="0" dirty="0">
-                <a:solidFill>
-                  <a:srgbClr val="202122"/>
-                </a:solidFill>
-                <a:effectLst/>
-                <a:latin typeface="Arial" panose="020B0604020202020204" pitchFamily="34" charset="0"/>
-              </a:rPr>
-              <a:t>冥府界ステージ</a:t>
-            </a:r>
-            <a:endParaRPr lang="en-US" altLang="ja-JP" b="0" i="0" dirty="0">
-              <a:solidFill>
-                <a:srgbClr val="202122"/>
-              </a:solidFill>
-              <a:effectLst/>
-              <a:latin typeface="Arial" panose="020B0604020202020204" pitchFamily="34" charset="0"/>
-            </a:endParaRPr>
-          </a:p>
-        </p:txBody>
-      </p:sp>
-      <p:sp>
-        <p:nvSpPr>
-          <p:cNvPr id="8" name="テキスト ボックス 7">
-            <a:extLst>
-              <a:ext uri="{FF2B5EF4-FFF2-40B4-BE49-F238E27FC236}">
-                <a16:creationId xmlns:a16="http://schemas.microsoft.com/office/drawing/2014/main" id="{CDD8C050-B036-4B3E-8028-A6CA2A99F8C2}"/>
-              </a:ext>
-            </a:extLst>
-          </p:cNvPr>
-          <p:cNvSpPr txBox="1"/>
-          <p:nvPr/>
-        </p:nvSpPr>
-        <p:spPr>
-          <a:xfrm>
-            <a:off x="756667" y="1608060"/>
-            <a:ext cx="4583574" cy="2585323"/>
-          </a:xfrm>
-          <a:prstGeom prst="rect">
-            <a:avLst/>
-          </a:prstGeom>
-          <a:noFill/>
-        </p:spPr>
-        <p:txBody>
-          <a:bodyPr wrap="square" rtlCol="0">
-            <a:spAutoFit/>
-          </a:bodyPr>
-          <a:lstStyle/>
-          <a:p>
-            <a:r>
-              <a:rPr lang="ja-JP" altLang="en-US" dirty="0"/>
-              <a:t>ギミック</a:t>
-            </a:r>
-            <a:endParaRPr lang="en-US" altLang="ja-JP" dirty="0"/>
-          </a:p>
-          <a:p>
-            <a:r>
-              <a:rPr lang="ja-JP" altLang="en-US" dirty="0">
-                <a:solidFill>
-                  <a:srgbClr val="202122"/>
-                </a:solidFill>
-                <a:latin typeface="Arial" panose="020B0604020202020204" pitchFamily="34" charset="0"/>
-              </a:rPr>
-              <a:t>・スクロールは上スクロール</a:t>
-            </a:r>
-            <a:endParaRPr lang="en-US" altLang="ja-JP" dirty="0">
-              <a:solidFill>
-                <a:srgbClr val="202122"/>
-              </a:solidFill>
-              <a:latin typeface="Arial" panose="020B0604020202020204" pitchFamily="34" charset="0"/>
-            </a:endParaRPr>
-          </a:p>
-          <a:p>
-            <a:r>
-              <a:rPr lang="ja-JP" altLang="en-US" dirty="0">
-                <a:solidFill>
-                  <a:srgbClr val="202122"/>
-                </a:solidFill>
-                <a:latin typeface="Arial" panose="020B0604020202020204" pitchFamily="34" charset="0"/>
-              </a:rPr>
-              <a:t>・扉に当たると別の部屋に移動し、中で敵と戦う。</a:t>
-            </a:r>
-            <a:endParaRPr lang="en-US" altLang="ja-JP" dirty="0">
-              <a:solidFill>
-                <a:srgbClr val="202122"/>
-              </a:solidFill>
-              <a:latin typeface="Arial" panose="020B0604020202020204" pitchFamily="34" charset="0"/>
-            </a:endParaRPr>
-          </a:p>
-          <a:p>
-            <a:r>
-              <a:rPr lang="ja-JP" altLang="en-US" dirty="0">
-                <a:solidFill>
-                  <a:srgbClr val="202122"/>
-                </a:solidFill>
-                <a:latin typeface="Arial" panose="020B0604020202020204" pitchFamily="34" charset="0"/>
-              </a:rPr>
-              <a:t>　また、壺がある部屋に移動し壺を壊してアイテムを取得できる。</a:t>
-            </a:r>
-            <a:endParaRPr lang="en-US" altLang="ja-JP" dirty="0">
-              <a:solidFill>
-                <a:srgbClr val="202122"/>
-              </a:solidFill>
-              <a:latin typeface="Arial" panose="020B0604020202020204" pitchFamily="34" charset="0"/>
-            </a:endParaRPr>
-          </a:p>
-          <a:p>
-            <a:r>
-              <a:rPr lang="ja-JP" altLang="en-US" dirty="0">
-                <a:solidFill>
-                  <a:srgbClr val="202122"/>
-                </a:solidFill>
-                <a:latin typeface="Arial" panose="020B0604020202020204" pitchFamily="34" charset="0"/>
-              </a:rPr>
-              <a:t>・下からすり抜けられる床</a:t>
-            </a:r>
-            <a:endParaRPr lang="en-US" altLang="ja-JP" dirty="0">
-              <a:solidFill>
-                <a:srgbClr val="202122"/>
-              </a:solidFill>
-              <a:latin typeface="Arial" panose="020B0604020202020204" pitchFamily="34" charset="0"/>
-            </a:endParaRPr>
-          </a:p>
-          <a:p>
-            <a:endParaRPr lang="en-US" altLang="ja-JP" dirty="0">
-              <a:solidFill>
-                <a:srgbClr val="202122"/>
-              </a:solidFill>
-              <a:latin typeface="Arial" panose="020B0604020202020204" pitchFamily="34" charset="0"/>
-            </a:endParaRPr>
-          </a:p>
-          <a:p>
-            <a:endParaRPr kumimoji="1" lang="ja-JP" altLang="en-US" dirty="0"/>
-          </a:p>
-        </p:txBody>
-      </p:sp>
-      <p:sp>
-        <p:nvSpPr>
-          <p:cNvPr id="9" name="テキスト ボックス 8">
-            <a:extLst>
-              <a:ext uri="{FF2B5EF4-FFF2-40B4-BE49-F238E27FC236}">
-                <a16:creationId xmlns:a16="http://schemas.microsoft.com/office/drawing/2014/main" id="{3941163E-EE53-468A-9749-7CF9B76F85E1}"/>
-              </a:ext>
-            </a:extLst>
-          </p:cNvPr>
-          <p:cNvSpPr txBox="1"/>
-          <p:nvPr/>
-        </p:nvSpPr>
-        <p:spPr>
-          <a:xfrm>
-            <a:off x="6003402" y="1689840"/>
-            <a:ext cx="5069712" cy="2585323"/>
-          </a:xfrm>
-          <a:prstGeom prst="rect">
-            <a:avLst/>
-          </a:prstGeom>
-          <a:noFill/>
-        </p:spPr>
-        <p:txBody>
-          <a:bodyPr wrap="square" rtlCol="0">
-            <a:spAutoFit/>
-          </a:bodyPr>
-          <a:lstStyle/>
-          <a:p>
-            <a:r>
-              <a:rPr kumimoji="1" lang="ja-JP" altLang="en-US" dirty="0"/>
-              <a:t>エネミー</a:t>
-            </a:r>
-            <a:endParaRPr kumimoji="1" lang="en-US" altLang="ja-JP" dirty="0"/>
-          </a:p>
-          <a:p>
-            <a:r>
-              <a:rPr lang="ja-JP" altLang="en-US" dirty="0"/>
-              <a:t>・蛇は上の地面から歩いて落下してくる。</a:t>
-            </a:r>
-            <a:endParaRPr lang="en-US" altLang="ja-JP" dirty="0"/>
-          </a:p>
-          <a:p>
-            <a:r>
-              <a:rPr kumimoji="1" lang="ja-JP" altLang="en-US" dirty="0"/>
-              <a:t>・</a:t>
-            </a:r>
-            <a:r>
-              <a:rPr lang="ja-JP" altLang="en-US" b="0" i="0" dirty="0">
-                <a:solidFill>
-                  <a:srgbClr val="484949"/>
-                </a:solidFill>
-                <a:effectLst/>
-                <a:latin typeface="ヒラギノ角ゴ Pro W3"/>
-              </a:rPr>
-              <a:t>モノアイ</a:t>
-            </a:r>
-            <a:r>
-              <a:rPr lang="en-US" altLang="ja-JP" b="0" i="0" dirty="0">
-                <a:solidFill>
-                  <a:srgbClr val="484949"/>
-                </a:solidFill>
-                <a:effectLst/>
-                <a:latin typeface="ヒラギノ角ゴ Pro W3"/>
-              </a:rPr>
-              <a:t>(</a:t>
-            </a:r>
-            <a:r>
-              <a:rPr lang="ja-JP" altLang="en-US" b="0" i="0" dirty="0">
-                <a:solidFill>
-                  <a:srgbClr val="484949"/>
-                </a:solidFill>
-                <a:effectLst/>
-                <a:latin typeface="ヒラギノ角ゴ Pro W3"/>
-              </a:rPr>
-              <a:t>目玉の敵</a:t>
-            </a:r>
-            <a:r>
-              <a:rPr lang="en-US" altLang="ja-JP" b="0" i="0" dirty="0">
-                <a:solidFill>
-                  <a:srgbClr val="484949"/>
-                </a:solidFill>
-                <a:effectLst/>
-                <a:latin typeface="ヒラギノ角ゴ Pro W3"/>
-              </a:rPr>
-              <a:t>)</a:t>
-            </a:r>
-            <a:r>
-              <a:rPr lang="ja-JP" altLang="en-US" b="0" i="0" dirty="0">
-                <a:solidFill>
-                  <a:srgbClr val="484949"/>
-                </a:solidFill>
-                <a:effectLst/>
-                <a:latin typeface="ヒラギノ角ゴ Pro W3"/>
-              </a:rPr>
-              <a:t>は空中を規則的</a:t>
-            </a:r>
-            <a:r>
-              <a:rPr lang="en-US" altLang="ja-JP" b="0" i="0" dirty="0">
-                <a:solidFill>
-                  <a:srgbClr val="484949"/>
-                </a:solidFill>
-                <a:effectLst/>
-                <a:latin typeface="ヒラギノ角ゴ Pro W3"/>
-              </a:rPr>
-              <a:t>(?)</a:t>
-            </a:r>
-            <a:r>
-              <a:rPr lang="ja-JP" altLang="en-US" b="0" i="0" dirty="0">
-                <a:solidFill>
-                  <a:srgbClr val="484949"/>
-                </a:solidFill>
-                <a:effectLst/>
-                <a:latin typeface="ヒラギノ角ゴ Pro W3"/>
-              </a:rPr>
-              <a:t>に飛ぶ</a:t>
-            </a:r>
-            <a:endParaRPr lang="en-US" altLang="ja-JP" b="0" i="0" dirty="0">
-              <a:solidFill>
-                <a:srgbClr val="484949"/>
-              </a:solidFill>
-              <a:effectLst/>
-              <a:latin typeface="ヒラギノ角ゴ Pro W3"/>
-            </a:endParaRPr>
-          </a:p>
-          <a:p>
-            <a:r>
-              <a:rPr kumimoji="1" lang="ja-JP" altLang="en-US" dirty="0"/>
-              <a:t>・</a:t>
-            </a:r>
-            <a:r>
-              <a:rPr lang="ja-JP" altLang="en-US" dirty="0"/>
-              <a:t>死神が向いている方向にプレイヤーがいたら部下を呼ぶ</a:t>
-            </a:r>
-            <a:r>
-              <a:rPr lang="en-US" altLang="ja-JP" dirty="0"/>
-              <a:t>(4</a:t>
-            </a:r>
-            <a:r>
-              <a:rPr lang="ja-JP" altLang="en-US" dirty="0"/>
-              <a:t>～</a:t>
-            </a:r>
-            <a:r>
-              <a:rPr lang="en-US" altLang="ja-JP" dirty="0"/>
-              <a:t>5</a:t>
-            </a:r>
-            <a:r>
-              <a:rPr lang="ja-JP" altLang="en-US" dirty="0"/>
-              <a:t>体</a:t>
-            </a:r>
-            <a:r>
-              <a:rPr lang="en-US" altLang="ja-JP" dirty="0"/>
-              <a:t>)</a:t>
-            </a:r>
-          </a:p>
-          <a:p>
-            <a:r>
-              <a:rPr lang="ja-JP" altLang="en-US" dirty="0"/>
-              <a:t>・歩いている位置に突然下から炎のような敵が現れる。</a:t>
-            </a:r>
-            <a:endParaRPr lang="en-US" altLang="ja-JP" dirty="0"/>
-          </a:p>
-          <a:p>
-            <a:endParaRPr lang="en-US" altLang="ja-JP" dirty="0"/>
-          </a:p>
-          <a:p>
-            <a:endParaRPr kumimoji="1" lang="ja-JP" altLang="en-US" dirty="0"/>
-          </a:p>
-        </p:txBody>
-      </p:sp>
-      <p:sp>
-        <p:nvSpPr>
-          <p:cNvPr id="10" name="テキスト ボックス 9">
-            <a:extLst>
-              <a:ext uri="{FF2B5EF4-FFF2-40B4-BE49-F238E27FC236}">
-                <a16:creationId xmlns:a16="http://schemas.microsoft.com/office/drawing/2014/main" id="{534B3E28-1A98-472A-8EAE-180512293CB0}"/>
-              </a:ext>
-            </a:extLst>
-          </p:cNvPr>
-          <p:cNvSpPr txBox="1"/>
-          <p:nvPr/>
-        </p:nvSpPr>
-        <p:spPr>
-          <a:xfrm>
-            <a:off x="2963120" y="4665601"/>
-            <a:ext cx="5787341" cy="2308324"/>
-          </a:xfrm>
-          <a:prstGeom prst="rect">
-            <a:avLst/>
-          </a:prstGeom>
-          <a:noFill/>
-        </p:spPr>
-        <p:txBody>
-          <a:bodyPr wrap="square" rtlCol="0">
-            <a:spAutoFit/>
-          </a:bodyPr>
-          <a:lstStyle/>
-          <a:p>
-            <a:r>
-              <a:rPr kumimoji="1" lang="ja-JP" altLang="en-US" dirty="0"/>
-              <a:t>アイテム</a:t>
-            </a:r>
-            <a:endParaRPr kumimoji="1" lang="en-US" altLang="ja-JP" dirty="0"/>
-          </a:p>
-          <a:p>
-            <a:r>
-              <a:rPr kumimoji="1" lang="ja-JP" altLang="en-US" dirty="0"/>
-              <a:t>・竪琴を拾うと一定時間敵が鍵になる。</a:t>
-            </a:r>
-            <a:endParaRPr kumimoji="1" lang="en-US" altLang="ja-JP" dirty="0"/>
-          </a:p>
-          <a:p>
-            <a:r>
-              <a:rPr kumimoji="1" lang="ja-JP" altLang="en-US" dirty="0"/>
-              <a:t>・敵を倒すとハート</a:t>
-            </a:r>
-            <a:r>
-              <a:rPr kumimoji="1" lang="en-US" altLang="ja-JP" dirty="0"/>
-              <a:t>(</a:t>
-            </a:r>
-            <a:r>
-              <a:rPr kumimoji="1" lang="ja-JP" altLang="en-US" dirty="0"/>
-              <a:t>もしくはハートの欠片</a:t>
-            </a:r>
-            <a:r>
-              <a:rPr kumimoji="1" lang="en-US" altLang="ja-JP" dirty="0"/>
-              <a:t>)</a:t>
-            </a:r>
-            <a:r>
-              <a:rPr kumimoji="1" lang="ja-JP" altLang="en-US" dirty="0"/>
-              <a:t>が落ちる</a:t>
-            </a:r>
-            <a:endParaRPr kumimoji="1" lang="en-US" altLang="ja-JP" dirty="0"/>
-          </a:p>
-          <a:p>
-            <a:r>
-              <a:rPr lang="ja-JP" altLang="en-US" dirty="0"/>
-              <a:t>ハートを取るとスコアが上がり、次のステージでの</a:t>
-            </a:r>
-            <a:r>
-              <a:rPr lang="en-US" altLang="ja-JP" dirty="0"/>
-              <a:t>HP</a:t>
-            </a:r>
-            <a:r>
-              <a:rPr lang="ja-JP" altLang="en-US" dirty="0"/>
-              <a:t>上限が上がる。</a:t>
-            </a:r>
-            <a:endParaRPr kumimoji="1" lang="en-US" altLang="ja-JP" dirty="0"/>
-          </a:p>
-          <a:p>
-            <a:r>
-              <a:rPr lang="ja-JP" altLang="en-US" dirty="0"/>
-              <a:t>・ワインを取ると</a:t>
-            </a:r>
-            <a:r>
-              <a:rPr lang="en-US" altLang="ja-JP" dirty="0"/>
-              <a:t>HP</a:t>
-            </a:r>
-            <a:r>
-              <a:rPr lang="ja-JP" altLang="en-US" dirty="0"/>
-              <a:t>が回復する</a:t>
-            </a:r>
-            <a:endParaRPr lang="en-US" altLang="ja-JP" dirty="0"/>
-          </a:p>
-          <a:p>
-            <a:endParaRPr kumimoji="1" lang="en-US" altLang="ja-JP" dirty="0"/>
-          </a:p>
-          <a:p>
-            <a:endParaRPr kumimoji="1" lang="ja-JP" altLang="en-US" dirty="0"/>
-          </a:p>
-        </p:txBody>
-      </p:sp>
-    </p:spTree>
-    <p:extLst>
-      <p:ext uri="{BB962C8B-B14F-4D97-AF65-F5344CB8AC3E}">
-        <p14:creationId xmlns:p14="http://schemas.microsoft.com/office/powerpoint/2010/main" val="351599355"/>
-      </p:ext>
-    </p:extLst>
-  </p:cSld>
-  <p:clrMapOvr>
-    <a:masterClrMapping/>
-  </p:clrMapOvr>
-</p:sld>
-</file>
-
 <file path=ppt/slides/slide5.xml><?xml version="1.0" encoding="utf-8"?>
 <p:sld xmlns:a="http://schemas.openxmlformats.org/drawingml/2006/main" xmlns:r="http://schemas.openxmlformats.org/officeDocument/2006/relationships" xmlns:p="http://schemas.openxmlformats.org/presentationml/2006/main">
   <p:cSld>
@@ -5519,258 +5810,10 @@
           </a:p>
         </p:txBody>
       </p:sp>
-      <p:sp>
-        <p:nvSpPr>
-          <p:cNvPr id="2" name="テキスト ボックス 1">
-            <a:extLst>
-              <a:ext uri="{FF2B5EF4-FFF2-40B4-BE49-F238E27FC236}">
-                <a16:creationId xmlns:a16="http://schemas.microsoft.com/office/drawing/2014/main" id="{61042F20-09F0-4948-A172-DCE42BD1930A}"/>
-              </a:ext>
-            </a:extLst>
-          </p:cNvPr>
-          <p:cNvSpPr txBox="1"/>
-          <p:nvPr/>
-        </p:nvSpPr>
-        <p:spPr>
-          <a:xfrm>
-            <a:off x="1103086" y="1219200"/>
-            <a:ext cx="1364343" cy="369332"/>
-          </a:xfrm>
-          <a:prstGeom prst="rect">
-            <a:avLst/>
-          </a:prstGeom>
-          <a:noFill/>
-        </p:spPr>
-        <p:txBody>
-          <a:bodyPr wrap="square" rtlCol="0">
-            <a:spAutoFit/>
-          </a:bodyPr>
-          <a:lstStyle/>
-          <a:p>
-            <a:r>
-              <a:rPr kumimoji="1" lang="ja-JP" altLang="en-US" dirty="0"/>
-              <a:t>ステージ数</a:t>
-            </a:r>
-          </a:p>
-        </p:txBody>
-      </p:sp>
-      <p:sp>
-        <p:nvSpPr>
-          <p:cNvPr id="5" name="テキスト ボックス 4">
-            <a:extLst>
-              <a:ext uri="{FF2B5EF4-FFF2-40B4-BE49-F238E27FC236}">
-                <a16:creationId xmlns:a16="http://schemas.microsoft.com/office/drawing/2014/main" id="{2DFB9CE3-D8AB-4BD9-A0E5-083F17594824}"/>
-              </a:ext>
-            </a:extLst>
-          </p:cNvPr>
-          <p:cNvSpPr txBox="1"/>
-          <p:nvPr/>
-        </p:nvSpPr>
-        <p:spPr>
-          <a:xfrm>
-            <a:off x="1103086" y="1813574"/>
-            <a:ext cx="2590800" cy="1200329"/>
-          </a:xfrm>
-          <a:prstGeom prst="rect">
-            <a:avLst/>
-          </a:prstGeom>
-          <a:noFill/>
-        </p:spPr>
-        <p:txBody>
-          <a:bodyPr wrap="square" rtlCol="0">
-            <a:spAutoFit/>
-          </a:bodyPr>
-          <a:lstStyle/>
-          <a:p>
-            <a:r>
-              <a:rPr lang="ja-JP" altLang="en-US" b="0" i="0" dirty="0">
-                <a:solidFill>
-                  <a:srgbClr val="202122"/>
-                </a:solidFill>
-                <a:effectLst/>
-                <a:latin typeface="Arial" panose="020B0604020202020204" pitchFamily="34" charset="0"/>
-              </a:rPr>
-              <a:t>冥府界</a:t>
-            </a:r>
-            <a:endParaRPr lang="en-US" altLang="ja-JP" b="0" i="0" dirty="0">
-              <a:solidFill>
-                <a:srgbClr val="202122"/>
-              </a:solidFill>
-              <a:effectLst/>
-              <a:latin typeface="Arial" panose="020B0604020202020204" pitchFamily="34" charset="0"/>
-            </a:endParaRPr>
-          </a:p>
-          <a:p>
-            <a:r>
-              <a:rPr lang="ja-JP" altLang="en-US" b="0" i="0" dirty="0">
-                <a:solidFill>
-                  <a:srgbClr val="202122"/>
-                </a:solidFill>
-                <a:effectLst/>
-                <a:latin typeface="Arial" panose="020B0604020202020204" pitchFamily="34" charset="0"/>
-              </a:rPr>
-              <a:t>地上界</a:t>
-            </a:r>
-            <a:endParaRPr lang="en-US" altLang="ja-JP" b="0" i="0" dirty="0">
-              <a:solidFill>
-                <a:srgbClr val="202122"/>
-              </a:solidFill>
-              <a:effectLst/>
-              <a:latin typeface="Arial" panose="020B0604020202020204" pitchFamily="34" charset="0"/>
-            </a:endParaRPr>
-          </a:p>
-          <a:p>
-            <a:r>
-              <a:rPr lang="ja-JP" altLang="en-US" b="0" i="0" dirty="0">
-                <a:solidFill>
-                  <a:srgbClr val="202122"/>
-                </a:solidFill>
-                <a:effectLst/>
-                <a:latin typeface="Arial" panose="020B0604020202020204" pitchFamily="34" charset="0"/>
-              </a:rPr>
-              <a:t>天空界</a:t>
-            </a:r>
-            <a:endParaRPr lang="en-US" altLang="ja-JP" b="0" i="0" dirty="0">
-              <a:solidFill>
-                <a:srgbClr val="202122"/>
-              </a:solidFill>
-              <a:effectLst/>
-              <a:latin typeface="Arial" panose="020B0604020202020204" pitchFamily="34" charset="0"/>
-            </a:endParaRPr>
-          </a:p>
-          <a:p>
-            <a:r>
-              <a:rPr lang="en-US" altLang="ja-JP" dirty="0">
-                <a:solidFill>
-                  <a:srgbClr val="202122"/>
-                </a:solidFill>
-                <a:latin typeface="Arial" panose="020B0604020202020204" pitchFamily="34" charset="0"/>
-              </a:rPr>
-              <a:t>(</a:t>
-            </a:r>
-            <a:r>
-              <a:rPr lang="ja-JP" altLang="en-US" dirty="0">
-                <a:solidFill>
-                  <a:srgbClr val="202122"/>
-                </a:solidFill>
-                <a:latin typeface="Arial" panose="020B0604020202020204" pitchFamily="34" charset="0"/>
-              </a:rPr>
-              <a:t>できれば</a:t>
-            </a:r>
-            <a:r>
-              <a:rPr lang="en-US" altLang="ja-JP" dirty="0">
-                <a:solidFill>
-                  <a:srgbClr val="202122"/>
-                </a:solidFill>
-                <a:latin typeface="Arial" panose="020B0604020202020204" pitchFamily="34" charset="0"/>
-              </a:rPr>
-              <a:t>)</a:t>
-            </a:r>
-            <a:r>
-              <a:rPr lang="ja-JP" altLang="en-US" b="0" i="0" dirty="0">
-                <a:solidFill>
-                  <a:srgbClr val="202122"/>
-                </a:solidFill>
-                <a:effectLst/>
-                <a:latin typeface="Arial" panose="020B0604020202020204" pitchFamily="34" charset="0"/>
-              </a:rPr>
-              <a:t>天空の神殿</a:t>
-            </a:r>
-            <a:endParaRPr kumimoji="1" lang="ja-JP" altLang="en-US" dirty="0"/>
-          </a:p>
-        </p:txBody>
-      </p:sp>
-      <p:sp>
-        <p:nvSpPr>
-          <p:cNvPr id="6" name="テキスト ボックス 5">
-            <a:extLst>
-              <a:ext uri="{FF2B5EF4-FFF2-40B4-BE49-F238E27FC236}">
-                <a16:creationId xmlns:a16="http://schemas.microsoft.com/office/drawing/2014/main" id="{AE095011-ED07-6347-D2C4-977D30208CE7}"/>
-              </a:ext>
-            </a:extLst>
-          </p:cNvPr>
-          <p:cNvSpPr txBox="1"/>
-          <p:nvPr/>
-        </p:nvSpPr>
-        <p:spPr>
-          <a:xfrm>
-            <a:off x="1103086" y="3541059"/>
-            <a:ext cx="5495365" cy="1754326"/>
-          </a:xfrm>
-          <a:prstGeom prst="rect">
-            <a:avLst/>
-          </a:prstGeom>
-          <a:noFill/>
-        </p:spPr>
-        <p:txBody>
-          <a:bodyPr wrap="square" rtlCol="0">
-            <a:spAutoFit/>
-          </a:bodyPr>
-          <a:lstStyle/>
-          <a:p>
-            <a:r>
-              <a:rPr kumimoji="1" lang="ja-JP" altLang="en-US" dirty="0"/>
-              <a:t>死んだら</a:t>
-            </a:r>
-            <a:endParaRPr kumimoji="1" lang="en-US" altLang="ja-JP" dirty="0"/>
-          </a:p>
-          <a:p>
-            <a:r>
-              <a:rPr lang="ja-JP" altLang="en-US" dirty="0"/>
-              <a:t>　↓</a:t>
-            </a:r>
-            <a:endParaRPr lang="en-US" altLang="ja-JP" dirty="0"/>
-          </a:p>
-          <a:p>
-            <a:r>
-              <a:rPr kumimoji="1" lang="ja-JP" altLang="en-US" dirty="0"/>
-              <a:t>「ﾔﾗﾚﾁｬｯﾀ」と表示</a:t>
-            </a:r>
-            <a:endParaRPr kumimoji="1" lang="en-US" altLang="ja-JP" dirty="0"/>
-          </a:p>
-          <a:p>
-            <a:r>
-              <a:rPr lang="ja-JP" altLang="en-US" dirty="0"/>
-              <a:t>　　　↓</a:t>
-            </a:r>
-            <a:endParaRPr lang="en-US" altLang="ja-JP" dirty="0"/>
-          </a:p>
-          <a:p>
-            <a:r>
-              <a:rPr kumimoji="1" lang="ja-JP" altLang="en-US" dirty="0"/>
-              <a:t>コンテニューする</a:t>
-            </a:r>
-            <a:r>
-              <a:rPr lang="en-US" altLang="ja-JP" dirty="0"/>
-              <a:t>…</a:t>
-            </a:r>
-            <a:r>
-              <a:rPr lang="ja-JP" altLang="en-US" dirty="0"/>
-              <a:t>ステージの最初からやり直し</a:t>
-            </a:r>
-            <a:endParaRPr lang="en-US" altLang="ja-JP" dirty="0"/>
-          </a:p>
-          <a:p>
-            <a:r>
-              <a:rPr kumimoji="1" lang="ja-JP" altLang="en-US" dirty="0"/>
-              <a:t>セーブする</a:t>
-            </a:r>
-            <a:r>
-              <a:rPr lang="en-US" altLang="ja-JP" dirty="0"/>
-              <a:t>…</a:t>
-            </a:r>
-            <a:r>
-              <a:rPr lang="ja-JP" altLang="en-US" dirty="0"/>
-              <a:t>ステージの最初の地点を保存し終了</a:t>
-            </a:r>
-            <a:endParaRPr kumimoji="1" lang="ja-JP" altLang="en-US" dirty="0"/>
-          </a:p>
-        </p:txBody>
-      </p:sp>
     </p:spTree>
     <p:extLst>
       <p:ext uri="{BB962C8B-B14F-4D97-AF65-F5344CB8AC3E}">
-        <p14:creationId xmlns:p14="http://schemas.microsoft.com/office/powerpoint/2010/main" val="1703286430"/>
+        <p14:creationId xmlns:p14="http://schemas.microsoft.com/office/powerpoint/2010/main" val="3631817479"/>
       </p:ext>
     </p:extLst>
   </p:cSld>
@@ -5843,6 +5886,669 @@
       </p:sp>
       <p:sp>
         <p:nvSpPr>
+          <p:cNvPr id="7" name="テキスト ボックス 6">
+            <a:extLst>
+              <a:ext uri="{FF2B5EF4-FFF2-40B4-BE49-F238E27FC236}">
+                <a16:creationId xmlns:a16="http://schemas.microsoft.com/office/drawing/2014/main" id="{3D4B0F36-F305-4D1A-9557-D6AD2F680EB1}"/>
+              </a:ext>
+            </a:extLst>
+          </p:cNvPr>
+          <p:cNvSpPr txBox="1"/>
+          <p:nvPr/>
+        </p:nvSpPr>
+        <p:spPr>
+          <a:xfrm>
+            <a:off x="439336" y="543504"/>
+            <a:ext cx="2773086" cy="369332"/>
+          </a:xfrm>
+          <a:prstGeom prst="rect">
+            <a:avLst/>
+          </a:prstGeom>
+          <a:noFill/>
+        </p:spPr>
+        <p:txBody>
+          <a:bodyPr wrap="square">
+            <a:spAutoFit/>
+          </a:bodyPr>
+          <a:lstStyle/>
+          <a:p>
+            <a:r>
+              <a:rPr lang="ja-JP" altLang="en-US" b="0" i="0" dirty="0">
+                <a:solidFill>
+                  <a:srgbClr val="202122"/>
+                </a:solidFill>
+                <a:effectLst/>
+                <a:latin typeface="Arial" panose="020B0604020202020204" pitchFamily="34" charset="0"/>
+              </a:rPr>
+              <a:t>冥府界ステージ</a:t>
+            </a:r>
+            <a:r>
+              <a:rPr lang="en-US" altLang="ja-JP" b="0" i="0" dirty="0">
+                <a:solidFill>
+                  <a:srgbClr val="202122"/>
+                </a:solidFill>
+                <a:effectLst/>
+                <a:latin typeface="Arial" panose="020B0604020202020204" pitchFamily="34" charset="0"/>
+              </a:rPr>
+              <a:t>…</a:t>
+            </a:r>
+            <a:r>
+              <a:rPr lang="ja-JP" altLang="en-US" b="0" i="0" dirty="0">
+                <a:solidFill>
+                  <a:srgbClr val="202122"/>
+                </a:solidFill>
+                <a:effectLst/>
+                <a:latin typeface="Arial" panose="020B0604020202020204" pitchFamily="34" charset="0"/>
+              </a:rPr>
+              <a:t>マップ</a:t>
+            </a:r>
+            <a:endParaRPr lang="en-US" altLang="ja-JP" b="0" i="0" dirty="0">
+              <a:solidFill>
+                <a:srgbClr val="202122"/>
+              </a:solidFill>
+              <a:effectLst/>
+              <a:latin typeface="Arial" panose="020B0604020202020204" pitchFamily="34" charset="0"/>
+            </a:endParaRPr>
+          </a:p>
+        </p:txBody>
+      </p:sp>
+      <p:pic>
+        <p:nvPicPr>
+          <p:cNvPr id="11" name="図 10">
+            <a:extLst>
+              <a:ext uri="{FF2B5EF4-FFF2-40B4-BE49-F238E27FC236}">
+                <a16:creationId xmlns:a16="http://schemas.microsoft.com/office/drawing/2014/main" id="{D4992C9F-2DF0-41DB-B84B-C1054D22E11F}"/>
+              </a:ext>
+            </a:extLst>
+          </p:cNvPr>
+          <p:cNvPicPr>
+            <a:picLocks noChangeAspect="1"/>
+          </p:cNvPicPr>
+          <p:nvPr/>
+        </p:nvPicPr>
+        <p:blipFill>
+          <a:blip r:embed="rId2">
+            <a:extLst>
+              <a:ext uri="{28A0092B-C50C-407E-A947-70E740481C1C}">
+                <a14:useLocalDpi xmlns:a14="http://schemas.microsoft.com/office/drawing/2010/main" val="0"/>
+              </a:ext>
+            </a:extLst>
+          </a:blip>
+          <a:stretch>
+            <a:fillRect/>
+          </a:stretch>
+        </p:blipFill>
+        <p:spPr>
+          <a:xfrm>
+            <a:off x="0" y="1013750"/>
+            <a:ext cx="5844250" cy="5844250"/>
+          </a:xfrm>
+          <a:prstGeom prst="rect">
+            <a:avLst/>
+          </a:prstGeom>
+        </p:spPr>
+      </p:pic>
+    </p:spTree>
+    <p:extLst>
+      <p:ext uri="{BB962C8B-B14F-4D97-AF65-F5344CB8AC3E}">
+        <p14:creationId xmlns:p14="http://schemas.microsoft.com/office/powerpoint/2010/main" val="351599355"/>
+      </p:ext>
+    </p:extLst>
+  </p:cSld>
+  <p:clrMapOvr>
+    <a:masterClrMapping/>
+  </p:clrMapOvr>
+</p:sld>
+</file>
+
+<file path=ppt/slides/slide7.xml><?xml version="1.0" encoding="utf-8"?>
+<p:sld xmlns:a="http://schemas.openxmlformats.org/drawingml/2006/main" xmlns:r="http://schemas.openxmlformats.org/officeDocument/2006/relationships" xmlns:p="http://schemas.openxmlformats.org/presentationml/2006/main">
+  <p:cSld>
+    <p:spTree>
+      <p:nvGrpSpPr>
+        <p:cNvPr id="1" name=""/>
+        <p:cNvGrpSpPr/>
+        <p:nvPr/>
+      </p:nvGrpSpPr>
+      <p:grpSpPr>
+        <a:xfrm>
+          <a:off x="0" y="0"/>
+          <a:ext cx="0" cy="0"/>
+          <a:chOff x="0" y="0"/>
+          <a:chExt cx="0" cy="0"/>
+        </a:xfrm>
+      </p:grpSpPr>
+      <p:sp>
+        <p:nvSpPr>
+          <p:cNvPr id="4" name="テキスト ボックス 3">
+            <a:extLst>
+              <a:ext uri="{FF2B5EF4-FFF2-40B4-BE49-F238E27FC236}">
+                <a16:creationId xmlns:a16="http://schemas.microsoft.com/office/drawing/2014/main" id="{31421DED-0AB4-45AF-80E0-5DB4F9CC4890}"/>
+              </a:ext>
+            </a:extLst>
+          </p:cNvPr>
+          <p:cNvSpPr txBox="1"/>
+          <p:nvPr/>
+        </p:nvSpPr>
+        <p:spPr>
+          <a:xfrm>
+            <a:off x="196267" y="174172"/>
+            <a:ext cx="3016155" cy="369332"/>
+          </a:xfrm>
+          <a:prstGeom prst="rect">
+            <a:avLst/>
+          </a:prstGeom>
+          <a:noFill/>
+        </p:spPr>
+        <p:txBody>
+          <a:bodyPr wrap="square" rtlCol="0">
+            <a:spAutoFit/>
+          </a:bodyPr>
+          <a:lstStyle/>
+          <a:p>
+            <a:r>
+              <a:rPr lang="ja-JP" altLang="en-US" dirty="0">
+                <a:highlight>
+                  <a:srgbClr val="C0C0C0"/>
+                </a:highlight>
+              </a:rPr>
+              <a:t>作品展示会用 ゲーム企画書</a:t>
+            </a:r>
+            <a:endParaRPr kumimoji="1" lang="ja-JP" altLang="en-US" dirty="0">
+              <a:highlight>
+                <a:srgbClr val="C0C0C0"/>
+              </a:highlight>
+            </a:endParaRPr>
+          </a:p>
+        </p:txBody>
+      </p:sp>
+      <p:sp>
+        <p:nvSpPr>
+          <p:cNvPr id="7" name="テキスト ボックス 6">
+            <a:extLst>
+              <a:ext uri="{FF2B5EF4-FFF2-40B4-BE49-F238E27FC236}">
+                <a16:creationId xmlns:a16="http://schemas.microsoft.com/office/drawing/2014/main" id="{803DEB8D-76EA-442B-83B2-5DD0EF827C0B}"/>
+              </a:ext>
+            </a:extLst>
+          </p:cNvPr>
+          <p:cNvSpPr txBox="1"/>
+          <p:nvPr/>
+        </p:nvSpPr>
+        <p:spPr>
+          <a:xfrm>
+            <a:off x="686728" y="1028343"/>
+            <a:ext cx="1895354" cy="369332"/>
+          </a:xfrm>
+          <a:prstGeom prst="rect">
+            <a:avLst/>
+          </a:prstGeom>
+          <a:noFill/>
+        </p:spPr>
+        <p:txBody>
+          <a:bodyPr wrap="square">
+            <a:spAutoFit/>
+          </a:bodyPr>
+          <a:lstStyle/>
+          <a:p>
+            <a:r>
+              <a:rPr lang="ja-JP" altLang="en-US" b="0" i="0" dirty="0">
+                <a:solidFill>
+                  <a:srgbClr val="202122"/>
+                </a:solidFill>
+                <a:effectLst/>
+                <a:latin typeface="Arial" panose="020B0604020202020204" pitchFamily="34" charset="0"/>
+              </a:rPr>
+              <a:t>冥府界ステージ</a:t>
+            </a:r>
+            <a:endParaRPr lang="en-US" altLang="ja-JP" b="0" i="0" dirty="0">
+              <a:solidFill>
+                <a:srgbClr val="202122"/>
+              </a:solidFill>
+              <a:effectLst/>
+              <a:latin typeface="Arial" panose="020B0604020202020204" pitchFamily="34" charset="0"/>
+            </a:endParaRPr>
+          </a:p>
+        </p:txBody>
+      </p:sp>
+      <p:sp>
+        <p:nvSpPr>
+          <p:cNvPr id="9" name="テキスト ボックス 8">
+            <a:extLst>
+              <a:ext uri="{FF2B5EF4-FFF2-40B4-BE49-F238E27FC236}">
+                <a16:creationId xmlns:a16="http://schemas.microsoft.com/office/drawing/2014/main" id="{0A8A494B-FC40-4263-9B8E-D70677401058}"/>
+              </a:ext>
+            </a:extLst>
+          </p:cNvPr>
+          <p:cNvSpPr txBox="1"/>
+          <p:nvPr/>
+        </p:nvSpPr>
+        <p:spPr>
+          <a:xfrm>
+            <a:off x="290295" y="1397675"/>
+            <a:ext cx="4583574" cy="2031325"/>
+          </a:xfrm>
+          <a:prstGeom prst="rect">
+            <a:avLst/>
+          </a:prstGeom>
+          <a:noFill/>
+        </p:spPr>
+        <p:txBody>
+          <a:bodyPr wrap="square" rtlCol="0">
+            <a:spAutoFit/>
+          </a:bodyPr>
+          <a:lstStyle/>
+          <a:p>
+            <a:r>
+              <a:rPr lang="ja-JP" altLang="en-US" dirty="0"/>
+              <a:t>ギミック</a:t>
+            </a:r>
+            <a:endParaRPr lang="en-US" altLang="ja-JP" dirty="0"/>
+          </a:p>
+          <a:p>
+            <a:r>
+              <a:rPr lang="ja-JP" altLang="en-US" dirty="0">
+                <a:solidFill>
+                  <a:srgbClr val="202122"/>
+                </a:solidFill>
+                <a:latin typeface="Arial" panose="020B0604020202020204" pitchFamily="34" charset="0"/>
+              </a:rPr>
+              <a:t>・スクロールは上スクロール</a:t>
+            </a:r>
+            <a:endParaRPr lang="en-US" altLang="ja-JP" dirty="0">
+              <a:solidFill>
+                <a:srgbClr val="202122"/>
+              </a:solidFill>
+              <a:latin typeface="Arial" panose="020B0604020202020204" pitchFamily="34" charset="0"/>
+            </a:endParaRPr>
+          </a:p>
+          <a:p>
+            <a:r>
+              <a:rPr lang="ja-JP" altLang="en-US" dirty="0">
+                <a:solidFill>
+                  <a:srgbClr val="202122"/>
+                </a:solidFill>
+                <a:latin typeface="Arial" panose="020B0604020202020204" pitchFamily="34" charset="0"/>
+              </a:rPr>
+              <a:t>・扉に当たると別の部屋に移動し、中で敵と戦う。</a:t>
+            </a:r>
+            <a:endParaRPr lang="en-US" altLang="ja-JP" dirty="0">
+              <a:solidFill>
+                <a:srgbClr val="202122"/>
+              </a:solidFill>
+              <a:latin typeface="Arial" panose="020B0604020202020204" pitchFamily="34" charset="0"/>
+            </a:endParaRPr>
+          </a:p>
+          <a:p>
+            <a:r>
+              <a:rPr lang="ja-JP" altLang="en-US" dirty="0">
+                <a:solidFill>
+                  <a:srgbClr val="202122"/>
+                </a:solidFill>
+                <a:latin typeface="Arial" panose="020B0604020202020204" pitchFamily="34" charset="0"/>
+              </a:rPr>
+              <a:t>　また、壺がある部屋に移動し壺を壊してアイテムを取得できる。</a:t>
+            </a:r>
+            <a:endParaRPr lang="en-US" altLang="ja-JP" dirty="0">
+              <a:solidFill>
+                <a:srgbClr val="202122"/>
+              </a:solidFill>
+              <a:latin typeface="Arial" panose="020B0604020202020204" pitchFamily="34" charset="0"/>
+            </a:endParaRPr>
+          </a:p>
+          <a:p>
+            <a:r>
+              <a:rPr lang="ja-JP" altLang="en-US" dirty="0">
+                <a:solidFill>
+                  <a:srgbClr val="202122"/>
+                </a:solidFill>
+                <a:latin typeface="Arial" panose="020B0604020202020204" pitchFamily="34" charset="0"/>
+              </a:rPr>
+              <a:t>・下からすり抜けられる床</a:t>
+            </a:r>
+            <a:endParaRPr lang="en-US" altLang="ja-JP" dirty="0">
+              <a:solidFill>
+                <a:srgbClr val="202122"/>
+              </a:solidFill>
+              <a:latin typeface="Arial" panose="020B0604020202020204" pitchFamily="34" charset="0"/>
+            </a:endParaRPr>
+          </a:p>
+        </p:txBody>
+      </p:sp>
+      <p:sp>
+        <p:nvSpPr>
+          <p:cNvPr id="10" name="テキスト ボックス 9">
+            <a:extLst>
+              <a:ext uri="{FF2B5EF4-FFF2-40B4-BE49-F238E27FC236}">
+                <a16:creationId xmlns:a16="http://schemas.microsoft.com/office/drawing/2014/main" id="{C63C2CC1-6337-486F-8C85-3DCD40E624AF}"/>
+              </a:ext>
+            </a:extLst>
+          </p:cNvPr>
+          <p:cNvSpPr txBox="1"/>
+          <p:nvPr/>
+        </p:nvSpPr>
+        <p:spPr>
+          <a:xfrm>
+            <a:off x="5603075" y="1536174"/>
+            <a:ext cx="5787341" cy="1754326"/>
+          </a:xfrm>
+          <a:prstGeom prst="rect">
+            <a:avLst/>
+          </a:prstGeom>
+          <a:noFill/>
+        </p:spPr>
+        <p:txBody>
+          <a:bodyPr wrap="square" rtlCol="0">
+            <a:spAutoFit/>
+          </a:bodyPr>
+          <a:lstStyle/>
+          <a:p>
+            <a:r>
+              <a:rPr kumimoji="1" lang="ja-JP" altLang="en-US" dirty="0"/>
+              <a:t>エネミー</a:t>
+            </a:r>
+            <a:endParaRPr kumimoji="1" lang="en-US" altLang="ja-JP" dirty="0"/>
+          </a:p>
+          <a:p>
+            <a:r>
+              <a:rPr lang="ja-JP" altLang="en-US" dirty="0"/>
+              <a:t>・蛇は上の地面から歩いて落下してくる。</a:t>
+            </a:r>
+            <a:endParaRPr lang="en-US" altLang="ja-JP" dirty="0"/>
+          </a:p>
+          <a:p>
+            <a:r>
+              <a:rPr kumimoji="1" lang="ja-JP" altLang="en-US" dirty="0"/>
+              <a:t>・</a:t>
+            </a:r>
+            <a:r>
+              <a:rPr lang="ja-JP" altLang="en-US" b="0" i="0" dirty="0">
+                <a:solidFill>
+                  <a:srgbClr val="484949"/>
+                </a:solidFill>
+                <a:effectLst/>
+                <a:latin typeface="ヒラギノ角ゴ Pro W3"/>
+              </a:rPr>
+              <a:t>モノアイ</a:t>
+            </a:r>
+            <a:r>
+              <a:rPr lang="en-US" altLang="ja-JP" b="0" i="0" dirty="0">
+                <a:solidFill>
+                  <a:srgbClr val="484949"/>
+                </a:solidFill>
+                <a:effectLst/>
+                <a:latin typeface="ヒラギノ角ゴ Pro W3"/>
+              </a:rPr>
+              <a:t>(</a:t>
+            </a:r>
+            <a:r>
+              <a:rPr lang="ja-JP" altLang="en-US" b="0" i="0" dirty="0">
+                <a:solidFill>
+                  <a:srgbClr val="484949"/>
+                </a:solidFill>
+                <a:effectLst/>
+                <a:latin typeface="ヒラギノ角ゴ Pro W3"/>
+              </a:rPr>
+              <a:t>目玉の敵</a:t>
+            </a:r>
+            <a:r>
+              <a:rPr lang="en-US" altLang="ja-JP" b="0" i="0" dirty="0">
+                <a:solidFill>
+                  <a:srgbClr val="484949"/>
+                </a:solidFill>
+                <a:effectLst/>
+                <a:latin typeface="ヒラギノ角ゴ Pro W3"/>
+              </a:rPr>
+              <a:t>)</a:t>
+            </a:r>
+            <a:r>
+              <a:rPr lang="ja-JP" altLang="en-US" b="0" i="0" dirty="0">
+                <a:solidFill>
+                  <a:srgbClr val="484949"/>
+                </a:solidFill>
+                <a:effectLst/>
+                <a:latin typeface="ヒラギノ角ゴ Pro W3"/>
+              </a:rPr>
+              <a:t>は空中を規則的</a:t>
+            </a:r>
+            <a:r>
+              <a:rPr lang="en-US" altLang="ja-JP" b="0" i="0" dirty="0">
+                <a:solidFill>
+                  <a:srgbClr val="484949"/>
+                </a:solidFill>
+                <a:effectLst/>
+                <a:latin typeface="ヒラギノ角ゴ Pro W3"/>
+              </a:rPr>
+              <a:t>(?)</a:t>
+            </a:r>
+            <a:r>
+              <a:rPr lang="ja-JP" altLang="en-US" b="0" i="0" dirty="0">
+                <a:solidFill>
+                  <a:srgbClr val="484949"/>
+                </a:solidFill>
+                <a:effectLst/>
+                <a:latin typeface="ヒラギノ角ゴ Pro W3"/>
+              </a:rPr>
+              <a:t>に飛ぶ</a:t>
+            </a:r>
+            <a:endParaRPr lang="en-US" altLang="ja-JP" b="0" i="0" dirty="0">
+              <a:solidFill>
+                <a:srgbClr val="484949"/>
+              </a:solidFill>
+              <a:effectLst/>
+              <a:latin typeface="ヒラギノ角ゴ Pro W3"/>
+            </a:endParaRPr>
+          </a:p>
+          <a:p>
+            <a:r>
+              <a:rPr kumimoji="1" lang="ja-JP" altLang="en-US" dirty="0"/>
+              <a:t>・</a:t>
+            </a:r>
+            <a:r>
+              <a:rPr lang="ja-JP" altLang="en-US" dirty="0"/>
+              <a:t>死神が向いている方向にプレイヤーがいたら部下を呼ぶ</a:t>
+            </a:r>
+            <a:r>
+              <a:rPr lang="en-US" altLang="ja-JP" dirty="0"/>
+              <a:t>(4</a:t>
+            </a:r>
+            <a:r>
+              <a:rPr lang="ja-JP" altLang="en-US" dirty="0"/>
+              <a:t>～</a:t>
+            </a:r>
+            <a:r>
+              <a:rPr lang="en-US" altLang="ja-JP" dirty="0"/>
+              <a:t>5</a:t>
+            </a:r>
+            <a:r>
+              <a:rPr lang="ja-JP" altLang="en-US" dirty="0"/>
+              <a:t>体</a:t>
+            </a:r>
+            <a:r>
+              <a:rPr lang="en-US" altLang="ja-JP" dirty="0"/>
+              <a:t>)</a:t>
+            </a:r>
+          </a:p>
+          <a:p>
+            <a:r>
+              <a:rPr lang="ja-JP" altLang="en-US" dirty="0"/>
+              <a:t>・歩いている位置に突然下から炎のような敵が現れる。</a:t>
+            </a:r>
+            <a:endParaRPr lang="en-US" altLang="ja-JP" dirty="0"/>
+          </a:p>
+        </p:txBody>
+      </p:sp>
+      <p:sp>
+        <p:nvSpPr>
+          <p:cNvPr id="11" name="テキスト ボックス 10">
+            <a:extLst>
+              <a:ext uri="{FF2B5EF4-FFF2-40B4-BE49-F238E27FC236}">
+                <a16:creationId xmlns:a16="http://schemas.microsoft.com/office/drawing/2014/main" id="{D5F71ED8-64F3-4421-9371-B69D803F5D7C}"/>
+              </a:ext>
+            </a:extLst>
+          </p:cNvPr>
+          <p:cNvSpPr txBox="1"/>
+          <p:nvPr/>
+        </p:nvSpPr>
+        <p:spPr>
+          <a:xfrm>
+            <a:off x="3212422" y="3899907"/>
+            <a:ext cx="5787341" cy="1754326"/>
+          </a:xfrm>
+          <a:prstGeom prst="rect">
+            <a:avLst/>
+          </a:prstGeom>
+          <a:noFill/>
+        </p:spPr>
+        <p:txBody>
+          <a:bodyPr wrap="square" rtlCol="0">
+            <a:spAutoFit/>
+          </a:bodyPr>
+          <a:lstStyle/>
+          <a:p>
+            <a:r>
+              <a:rPr kumimoji="1" lang="ja-JP" altLang="en-US" dirty="0"/>
+              <a:t>アイテム</a:t>
+            </a:r>
+            <a:endParaRPr kumimoji="1" lang="en-US" altLang="ja-JP" dirty="0"/>
+          </a:p>
+          <a:p>
+            <a:r>
+              <a:rPr kumimoji="1" lang="ja-JP" altLang="en-US" dirty="0"/>
+              <a:t>・竪琴を拾うと一定時間敵が鍵になる。</a:t>
+            </a:r>
+            <a:endParaRPr kumimoji="1" lang="en-US" altLang="ja-JP" dirty="0"/>
+          </a:p>
+          <a:p>
+            <a:r>
+              <a:rPr kumimoji="1" lang="ja-JP" altLang="en-US" dirty="0"/>
+              <a:t>・敵を倒すとハート</a:t>
+            </a:r>
+            <a:r>
+              <a:rPr kumimoji="1" lang="en-US" altLang="ja-JP" dirty="0"/>
+              <a:t>(</a:t>
+            </a:r>
+            <a:r>
+              <a:rPr kumimoji="1" lang="ja-JP" altLang="en-US" dirty="0"/>
+              <a:t>もしくはハートの欠片</a:t>
+            </a:r>
+            <a:r>
+              <a:rPr kumimoji="1" lang="en-US" altLang="ja-JP" dirty="0"/>
+              <a:t>)</a:t>
+            </a:r>
+            <a:r>
+              <a:rPr kumimoji="1" lang="ja-JP" altLang="en-US" dirty="0"/>
+              <a:t>が落ちる</a:t>
+            </a:r>
+            <a:endParaRPr kumimoji="1" lang="en-US" altLang="ja-JP" dirty="0"/>
+          </a:p>
+          <a:p>
+            <a:r>
+              <a:rPr lang="ja-JP" altLang="en-US" dirty="0"/>
+              <a:t>ハートを取るとスコアが上がり、次のステージでの</a:t>
+            </a:r>
+            <a:r>
+              <a:rPr lang="en-US" altLang="ja-JP" dirty="0"/>
+              <a:t>HP</a:t>
+            </a:r>
+            <a:r>
+              <a:rPr lang="ja-JP" altLang="en-US" dirty="0"/>
+              <a:t>上限が上がる。</a:t>
+            </a:r>
+            <a:endParaRPr kumimoji="1" lang="en-US" altLang="ja-JP" dirty="0"/>
+          </a:p>
+          <a:p>
+            <a:r>
+              <a:rPr lang="ja-JP" altLang="en-US" dirty="0"/>
+              <a:t>・ワインを取ると</a:t>
+            </a:r>
+            <a:r>
+              <a:rPr lang="en-US" altLang="ja-JP" dirty="0"/>
+              <a:t>HP</a:t>
+            </a:r>
+            <a:r>
+              <a:rPr lang="ja-JP" altLang="en-US" dirty="0"/>
+              <a:t>が回復する</a:t>
+            </a:r>
+            <a:endParaRPr lang="en-US" altLang="ja-JP" dirty="0"/>
+          </a:p>
+        </p:txBody>
+      </p:sp>
+    </p:spTree>
+    <p:extLst>
+      <p:ext uri="{BB962C8B-B14F-4D97-AF65-F5344CB8AC3E}">
+        <p14:creationId xmlns:p14="http://schemas.microsoft.com/office/powerpoint/2010/main" val="1703286430"/>
+      </p:ext>
+    </p:extLst>
+  </p:cSld>
+  <p:clrMapOvr>
+    <a:masterClrMapping/>
+  </p:clrMapOvr>
+</p:sld>
+</file>
+
+<file path=ppt/slides/slide8.xml><?xml version="1.0" encoding="utf-8"?>
+<p:sld xmlns:a="http://schemas.openxmlformats.org/drawingml/2006/main" xmlns:r="http://schemas.openxmlformats.org/officeDocument/2006/relationships" xmlns:p="http://schemas.openxmlformats.org/presentationml/2006/main">
+  <p:cSld>
+    <p:spTree>
+      <p:nvGrpSpPr>
+        <p:cNvPr id="1" name=""/>
+        <p:cNvGrpSpPr/>
+        <p:nvPr/>
+      </p:nvGrpSpPr>
+      <p:grpSpPr>
+        <a:xfrm>
+          <a:off x="0" y="0"/>
+          <a:ext cx="0" cy="0"/>
+          <a:chOff x="0" y="0"/>
+          <a:chExt cx="0" cy="0"/>
+        </a:xfrm>
+      </p:grpSpPr>
+      <p:sp>
+        <p:nvSpPr>
+          <p:cNvPr id="4" name="テキスト ボックス 3">
+            <a:extLst>
+              <a:ext uri="{FF2B5EF4-FFF2-40B4-BE49-F238E27FC236}">
+                <a16:creationId xmlns:a16="http://schemas.microsoft.com/office/drawing/2014/main" id="{31421DED-0AB4-45AF-80E0-5DB4F9CC4890}"/>
+              </a:ext>
+            </a:extLst>
+          </p:cNvPr>
+          <p:cNvSpPr txBox="1"/>
+          <p:nvPr/>
+        </p:nvSpPr>
+        <p:spPr>
+          <a:xfrm>
+            <a:off x="196267" y="174172"/>
+            <a:ext cx="3016155" cy="369332"/>
+          </a:xfrm>
+          <a:prstGeom prst="rect">
+            <a:avLst/>
+          </a:prstGeom>
+          <a:noFill/>
+        </p:spPr>
+        <p:txBody>
+          <a:bodyPr wrap="square" rtlCol="0">
+            <a:spAutoFit/>
+          </a:bodyPr>
+          <a:lstStyle/>
+          <a:p>
+            <a:r>
+              <a:rPr lang="ja-JP" altLang="en-US" dirty="0">
+                <a:highlight>
+                  <a:srgbClr val="C0C0C0"/>
+                </a:highlight>
+              </a:rPr>
+              <a:t>作品展示会用 ゲーム企画書</a:t>
+            </a:r>
+            <a:endParaRPr kumimoji="1" lang="ja-JP" altLang="en-US" dirty="0">
+              <a:highlight>
+                <a:srgbClr val="C0C0C0"/>
+              </a:highlight>
+            </a:endParaRPr>
+          </a:p>
+        </p:txBody>
+      </p:sp>
+      <p:sp>
+        <p:nvSpPr>
           <p:cNvPr id="3" name="テキスト ボックス 2">
             <a:extLst>
               <a:ext uri="{FF2B5EF4-FFF2-40B4-BE49-F238E27FC236}">
@@ -5855,7 +6561,7 @@
         </p:nvSpPr>
         <p:spPr>
           <a:xfrm>
-            <a:off x="3447142" y="2690336"/>
+            <a:off x="3212422" y="1625465"/>
             <a:ext cx="5297715" cy="1477328"/>
           </a:xfrm>
           <a:prstGeom prst="rect">
@@ -5912,6 +6618,93 @@
             </a:r>
           </a:p>
           <a:p>
+            <a:endParaRPr kumimoji="1" lang="ja-JP" altLang="en-US" dirty="0"/>
+          </a:p>
+        </p:txBody>
+      </p:sp>
+      <p:sp>
+        <p:nvSpPr>
+          <p:cNvPr id="5" name="テキスト ボックス 4">
+            <a:extLst>
+              <a:ext uri="{FF2B5EF4-FFF2-40B4-BE49-F238E27FC236}">
+                <a16:creationId xmlns:a16="http://schemas.microsoft.com/office/drawing/2014/main" id="{1B1C3F62-92FE-4327-8FE4-58FC224FC0DA}"/>
+              </a:ext>
+            </a:extLst>
+          </p:cNvPr>
+          <p:cNvSpPr txBox="1"/>
+          <p:nvPr/>
+        </p:nvSpPr>
+        <p:spPr>
+          <a:xfrm>
+            <a:off x="2711967" y="3734952"/>
+            <a:ext cx="5495365" cy="1754326"/>
+          </a:xfrm>
+          <a:prstGeom prst="rect">
+            <a:avLst/>
+          </a:prstGeom>
+          <a:noFill/>
+        </p:spPr>
+        <p:txBody>
+          <a:bodyPr wrap="square" rtlCol="0">
+            <a:spAutoFit/>
+          </a:bodyPr>
+          <a:lstStyle/>
+          <a:p>
+            <a:r>
+              <a:rPr kumimoji="1" lang="ja-JP" altLang="en-US" dirty="0"/>
+              <a:t>死んだら</a:t>
+            </a:r>
+            <a:endParaRPr kumimoji="1" lang="en-US" altLang="ja-JP" dirty="0"/>
+          </a:p>
+          <a:p>
+            <a:r>
+              <a:rPr lang="ja-JP" altLang="en-US" dirty="0"/>
+              <a:t>　↓</a:t>
+            </a:r>
+            <a:endParaRPr lang="en-US" altLang="ja-JP" dirty="0"/>
+          </a:p>
+          <a:p>
+            <a:r>
+              <a:rPr kumimoji="1" lang="ja-JP" altLang="en-US" dirty="0"/>
+              <a:t>「ﾔﾗﾚﾁｬｯﾀ」と表示</a:t>
+            </a:r>
+            <a:endParaRPr kumimoji="1" lang="en-US" altLang="ja-JP" dirty="0"/>
+          </a:p>
+          <a:p>
+            <a:r>
+              <a:rPr lang="ja-JP" altLang="en-US" dirty="0"/>
+              <a:t>　　　↓</a:t>
+            </a:r>
+            <a:endParaRPr lang="en-US" altLang="ja-JP" dirty="0"/>
+          </a:p>
+          <a:p>
+            <a:r>
+              <a:rPr kumimoji="1" lang="ja-JP" altLang="en-US" dirty="0"/>
+              <a:t>コンテニューする</a:t>
+            </a:r>
+            <a:r>
+              <a:rPr lang="en-US" altLang="ja-JP" dirty="0"/>
+              <a:t>…</a:t>
+            </a:r>
+            <a:r>
+              <a:rPr lang="ja-JP" altLang="en-US" dirty="0"/>
+              <a:t>ステージの最初からやり直し</a:t>
+            </a:r>
+            <a:endParaRPr lang="en-US" altLang="ja-JP" dirty="0"/>
+          </a:p>
+          <a:p>
+            <a:r>
+              <a:rPr kumimoji="1" lang="ja-JP" altLang="en-US" dirty="0"/>
+              <a:t>セーブする</a:t>
+            </a:r>
+            <a:r>
+              <a:rPr lang="en-US" altLang="ja-JP" dirty="0"/>
+              <a:t>…</a:t>
+            </a:r>
+            <a:r>
+              <a:rPr lang="ja-JP" altLang="en-US" dirty="0"/>
+              <a:t>ステージの最初の地点を保存し終了</a:t>
+            </a:r>
             <a:endParaRPr kumimoji="1" lang="ja-JP" altLang="en-US" dirty="0"/>
           </a:p>
         </p:txBody>
@@ -5929,111 +6722,133 @@
 </p:sld>
 </file>
 
+<file path=ppt/slides/slide9.xml><?xml version="1.0" encoding="utf-8"?>
+<p:sld xmlns:a="http://schemas.openxmlformats.org/drawingml/2006/main" xmlns:r="http://schemas.openxmlformats.org/officeDocument/2006/relationships" xmlns:p="http://schemas.openxmlformats.org/presentationml/2006/main">
+  <p:cSld>
+    <p:spTree>
+      <p:nvGrpSpPr>
+        <p:cNvPr id="1" name=""/>
+        <p:cNvGrpSpPr/>
+        <p:nvPr/>
+      </p:nvGrpSpPr>
+      <p:grpSpPr>
+        <a:xfrm>
+          <a:off x="0" y="0"/>
+          <a:ext cx="0" cy="0"/>
+          <a:chOff x="0" y="0"/>
+          <a:chExt cx="0" cy="0"/>
+        </a:xfrm>
+      </p:grpSpPr>
+      <p:sp>
+        <p:nvSpPr>
+          <p:cNvPr id="4" name="テキスト ボックス 3">
+            <a:extLst>
+              <a:ext uri="{FF2B5EF4-FFF2-40B4-BE49-F238E27FC236}">
+                <a16:creationId xmlns:a16="http://schemas.microsoft.com/office/drawing/2014/main" id="{31421DED-0AB4-45AF-80E0-5DB4F9CC4890}"/>
+              </a:ext>
+            </a:extLst>
+          </p:cNvPr>
+          <p:cNvSpPr txBox="1"/>
+          <p:nvPr/>
+        </p:nvSpPr>
+        <p:spPr>
+          <a:xfrm>
+            <a:off x="196267" y="174172"/>
+            <a:ext cx="3016155" cy="369332"/>
+          </a:xfrm>
+          <a:prstGeom prst="rect">
+            <a:avLst/>
+          </a:prstGeom>
+          <a:noFill/>
+        </p:spPr>
+        <p:txBody>
+          <a:bodyPr wrap="square" rtlCol="0">
+            <a:spAutoFit/>
+          </a:bodyPr>
+          <a:lstStyle/>
+          <a:p>
+            <a:r>
+              <a:rPr lang="ja-JP" altLang="en-US" dirty="0">
+                <a:highlight>
+                  <a:srgbClr val="C0C0C0"/>
+                </a:highlight>
+              </a:rPr>
+              <a:t>作品展示会用 ゲーム企画書</a:t>
+            </a:r>
+            <a:endParaRPr kumimoji="1" lang="ja-JP" altLang="en-US" dirty="0">
+              <a:highlight>
+                <a:srgbClr val="C0C0C0"/>
+              </a:highlight>
+            </a:endParaRPr>
+          </a:p>
+        </p:txBody>
+      </p:sp>
+    </p:spTree>
+    <p:extLst>
+      <p:ext uri="{BB962C8B-B14F-4D97-AF65-F5344CB8AC3E}">
+        <p14:creationId xmlns:p14="http://schemas.microsoft.com/office/powerpoint/2010/main" val="1939376704"/>
+      </p:ext>
+    </p:extLst>
+  </p:cSld>
+  <p:clrMapOvr>
+    <a:masterClrMapping/>
+  </p:clrMapOvr>
+</p:sld>
+</file>
+
 <file path=ppt/theme/theme1.xml><?xml version="1.0" encoding="utf-8"?>
-<a:theme xmlns:a="http://schemas.openxmlformats.org/drawingml/2006/main" name="Office テーマ">
+<a:theme xmlns:a="http://schemas.openxmlformats.org/drawingml/2006/main" name="フレーム">
   <a:themeElements>
-    <a:clrScheme name="Office">
+    <a:clrScheme name="フレーム">
       <a:dk1>
-        <a:sysClr val="windowText" lastClr="000000"/>
+        <a:srgbClr val="000000"/>
       </a:dk1>
       <a:lt1>
-        <a:sysClr val="window" lastClr="FFFFFF"/>
+        <a:srgbClr val="FFFFFF"/>
       </a:lt1>
       <a:dk2>
-        <a:srgbClr val="44546A"/>
+        <a:srgbClr val="545454"/>
       </a:dk2>
       <a:lt2>
-        <a:srgbClr val="E7E6E6"/>
+        <a:srgbClr val="BFBFBF"/>
       </a:lt2>
       <a:accent1>
-        <a:srgbClr val="4472C4"/>
+        <a:srgbClr val="40BAD2"/>
       </a:accent1>
       <a:accent2>
-        <a:srgbClr val="ED7D31"/>
+        <a:srgbClr val="FAB900"/>
       </a:accent2>
       <a:accent3>
-        <a:srgbClr val="A5A5A5"/>
+        <a:srgbClr val="90BB23"/>
       </a:accent3>
       <a:accent4>
-        <a:srgbClr val="FFC000"/>
+        <a:srgbClr val="EE7008"/>
       </a:accent4>
       <a:accent5>
-        <a:srgbClr val="5B9BD5"/>
+        <a:srgbClr val="1AB39F"/>
       </a:accent5>
       <a:accent6>
-        <a:srgbClr val="70AD47"/>
+        <a:srgbClr val="D5393D"/>
       </a:accent6>
       <a:hlink>
-        <a:srgbClr val="0563C1"/>
+        <a:srgbClr val="90BB23"/>
       </a:hlink>
       <a:folHlink>
-        <a:srgbClr val="954F72"/>
+        <a:srgbClr val="EE7008"/>
       </a:folHlink>
     </a:clrScheme>
-    <a:fontScheme name="Office">
+    <a:fontScheme name="フレーム">
       <a:majorFont>
-        <a:latin typeface="游ゴシック Light" panose="020F0302020204030204"/>
+        <a:latin typeface="Corbel" panose="020B0503020204020204"/>
         <a:ea typeface=""/>
         <a:cs typeface=""/>
-        <a:font script="Jpan" typeface="游ゴシック Light"/>
-        <a:font script="Hang" typeface="맑은 고딕"/>
-        <a:font script="Hans" typeface="等线 Light"/>
-        <a:font script="Hant" typeface="新細明體"/>
-        <a:font script="Arab" typeface="Times New Roman"/>
-        <a:font script="Hebr" typeface="Times New Roman"/>
-        <a:font script="Thai" typeface="Angsana New"/>
-        <a:font script="Ethi" typeface="Nyala"/>
-        <a:font script="Beng" typeface="Vrinda"/>
-        <a:font script="Gujr" typeface="Shruti"/>
-        <a:font script="Khmr" typeface="MoolBoran"/>
-        <a:font script="Knda" typeface="Tunga"/>
-        <a:font script="Guru" typeface="Raavi"/>
-        <a:font script="Cans" typeface="Euphemia"/>
-        <a:font script="Cher" typeface="Plantagenet Cherokee"/>
-        <a:font script="Yiii" typeface="Microsoft Yi Baiti"/>
-        <a:font script="Tibt" typeface="Microsoft Himalaya"/>
-        <a:font script="Thaa" typeface="MV Boli"/>
-        <a:font script="Deva" typeface="Mangal"/>
-        <a:font script="Telu" typeface="Gautami"/>
-        <a:font script="Taml" typeface="Latha"/>
-        <a:font script="Syrc" typeface="Estrangelo Edessa"/>
-        <a:font script="Orya" typeface="Kalinga"/>
-        <a:font script="Mlym" typeface="Kartika"/>
-        <a:font script="Laoo" typeface="DokChampa"/>
-        <a:font script="Sinh" typeface="Iskoola Pota"/>
-        <a:font script="Mong" typeface="Mongolian Baiti"/>
-        <a:font script="Viet" typeface="Times New Roman"/>
-        <a:font script="Uigh" typeface="Microsoft Uighur"/>
-        <a:font script="Geor" typeface="Sylfaen"/>
-        <a:font script="Armn" typeface="Arial"/>
-        <a:font script="Bugi" typeface="Leelawadee UI"/>
-        <a:font script="Bopo" typeface="Microsoft JhengHei"/>
-        <a:font script="Java" typeface="Javanese Text"/>
-        <a:font script="Lisu" typeface="Segoe UI"/>
-        <a:font script="Mymr" typeface="Myanmar Text"/>
-        <a:font script="Nkoo" typeface="Ebrima"/>
-        <a:font script="Olck" typeface="Nirmala UI"/>
-        <a:font script="Osma" typeface="Ebrima"/>
-        <a:font script="Phag" typeface="Phagspa"/>
-        <a:font script="Syrn" typeface="Estrangelo Edessa"/>
-        <a:font script="Syrj" typeface="Estrangelo Edessa"/>
-        <a:font script="Syre" typeface="Estrangelo Edessa"/>
-        <a:font script="Sora" typeface="Nirmala UI"/>
-        <a:font script="Tale" typeface="Microsoft Tai Le"/>
-        <a:font script="Talu" typeface="Microsoft New Tai Lue"/>
-        <a:font script="Tfng" typeface="Ebrima"/>
-      </a:majorFont>
-      <a:minorFont>
-        <a:latin typeface="游ゴシック" panose="020F0502020204030204"/>
-        <a:ea typeface=""/>
-        <a:cs typeface=""/>
-        <a:font script="Jpan" typeface="游ゴシック"/>
-        <a:font script="Hang" typeface="맑은 고딕"/>
-        <a:font script="Hans" typeface="等线"/>
-        <a:font script="Hant" typeface="新細明體"/>
-        <a:font script="Arab" typeface="Arial"/>
-        <a:font script="Hebr" typeface="Arial"/>
-        <a:font script="Thai" typeface="Cordia New"/>
+        <a:font script="Jpan" typeface="ＭＳ ゴシック"/>
+        <a:font script="Hang" typeface="HY중고딕"/>
+        <a:font script="Hans" typeface="幼圆"/>
+        <a:font script="Hant" typeface="微軟正黑體"/>
+        <a:font script="Arab" typeface="Tahoma"/>
+        <a:font script="Hebr" typeface="Gisha"/>
+        <a:font script="Thai" typeface="DilleniaUPC"/>
         <a:font script="Ethi" typeface="Nyala"/>
         <a:font script="Beng" typeface="Vrinda"/>
         <a:font script="Gujr" typeface="Shruti"/>
@@ -6054,107 +6869,85 @@
         <a:font script="Laoo" typeface="DokChampa"/>
         <a:font script="Sinh" typeface="Iskoola Pota"/>
         <a:font script="Mong" typeface="Mongolian Baiti"/>
-        <a:font script="Viet" typeface="Arial"/>
+        <a:font script="Viet" typeface="Tahoma"/>
         <a:font script="Uigh" typeface="Microsoft Uighur"/>
         <a:font script="Geor" typeface="Sylfaen"/>
-        <a:font script="Armn" typeface="Arial"/>
-        <a:font script="Bugi" typeface="Leelawadee UI"/>
-        <a:font script="Bopo" typeface="Microsoft JhengHei"/>
-        <a:font script="Java" typeface="Javanese Text"/>
-        <a:font script="Lisu" typeface="Segoe UI"/>
-        <a:font script="Mymr" typeface="Myanmar Text"/>
-        <a:font script="Nkoo" typeface="Ebrima"/>
-        <a:font script="Olck" typeface="Nirmala UI"/>
-        <a:font script="Osma" typeface="Ebrima"/>
-        <a:font script="Phag" typeface="Phagspa"/>
-        <a:font script="Syrn" typeface="Estrangelo Edessa"/>
-        <a:font script="Syrj" typeface="Estrangelo Edessa"/>
-        <a:font script="Syre" typeface="Estrangelo Edessa"/>
-        <a:font script="Sora" typeface="Nirmala UI"/>
-        <a:font script="Tale" typeface="Microsoft Tai Le"/>
-        <a:font script="Talu" typeface="Microsoft New Tai Lue"/>
-        <a:font script="Tfng" typeface="Ebrima"/>
+      </a:majorFont>
+      <a:minorFont>
+        <a:latin typeface="Corbel" panose="020B0503020204020204"/>
+        <a:ea typeface=""/>
+        <a:cs typeface=""/>
+        <a:font script="Jpan" typeface="ＭＳ ゴシック"/>
+        <a:font script="Hang" typeface="HY중고딕"/>
+        <a:font script="Hans" typeface="幼圆"/>
+        <a:font script="Hant" typeface="微軟正黑體"/>
+        <a:font script="Arab" typeface="Tahoma"/>
+        <a:font script="Hebr" typeface="Gisha"/>
+        <a:font script="Thai" typeface="DilleniaUPC"/>
+        <a:font script="Ethi" typeface="Nyala"/>
+        <a:font script="Beng" typeface="Vrinda"/>
+        <a:font script="Gujr" typeface="Shruti"/>
+        <a:font script="Khmr" typeface="DaunPenh"/>
+        <a:font script="Knda" typeface="Tunga"/>
+        <a:font script="Guru" typeface="Raavi"/>
+        <a:font script="Cans" typeface="Euphemia"/>
+        <a:font script="Cher" typeface="Plantagenet Cherokee"/>
+        <a:font script="Yiii" typeface="Microsoft Yi Baiti"/>
+        <a:font script="Tibt" typeface="Microsoft Himalaya"/>
+        <a:font script="Thaa" typeface="MV Boli"/>
+        <a:font script="Deva" typeface="Mangal"/>
+        <a:font script="Telu" typeface="Gautami"/>
+        <a:font script="Taml" typeface="Latha"/>
+        <a:font script="Syrc" typeface="Estrangelo Edessa"/>
+        <a:font script="Orya" typeface="Kalinga"/>
+        <a:font script="Mlym" typeface="Kartika"/>
+        <a:font script="Laoo" typeface="DokChampa"/>
+        <a:font script="Sinh" typeface="Iskoola Pota"/>
+        <a:font script="Mong" typeface="Mongolian Baiti"/>
+        <a:font script="Viet" typeface="Verdana"/>
+        <a:font script="Uigh" typeface="Microsoft Uighur"/>
+        <a:font script="Geor" typeface="Sylfaen"/>
       </a:minorFont>
     </a:fontScheme>
-    <a:fmtScheme name="Office">
+    <a:fmtScheme name="フレーム">
       <a:fillStyleLst>
         <a:solidFill>
           <a:schemeClr val="phClr"/>
         </a:solidFill>
-        <a:gradFill rotWithShape="1">
-          <a:gsLst>
-            <a:gs pos="0">
-              <a:schemeClr val="phClr">
-                <a:lumMod val="110000"/>
-                <a:satMod val="105000"/>
-                <a:tint val="67000"/>
-              </a:schemeClr>
-            </a:gs>
-            <a:gs pos="50000">
-              <a:schemeClr val="phClr">
-                <a:lumMod val="105000"/>
-                <a:satMod val="103000"/>
-                <a:tint val="73000"/>
-              </a:schemeClr>
-            </a:gs>
-            <a:gs pos="100000">
-              <a:schemeClr val="phClr">
-                <a:lumMod val="105000"/>
-                <a:satMod val="109000"/>
-                <a:tint val="81000"/>
-              </a:schemeClr>
-            </a:gs>
-          </a:gsLst>
-          <a:lin ang="5400000" scaled="0"/>
-        </a:gradFill>
-        <a:gradFill rotWithShape="1">
-          <a:gsLst>
-            <a:gs pos="0">
-              <a:schemeClr val="phClr">
-                <a:satMod val="103000"/>
-                <a:lumMod val="102000"/>
-                <a:tint val="94000"/>
-              </a:schemeClr>
-            </a:gs>
-            <a:gs pos="50000">
-              <a:schemeClr val="phClr">
-                <a:satMod val="110000"/>
-                <a:lumMod val="100000"/>
-                <a:shade val="100000"/>
-              </a:schemeClr>
-            </a:gs>
-            <a:gs pos="100000">
-              <a:schemeClr val="phClr">
-                <a:lumMod val="99000"/>
-                <a:satMod val="120000"/>
-                <a:shade val="78000"/>
-              </a:schemeClr>
-            </a:gs>
-          </a:gsLst>
-          <a:lin ang="5400000" scaled="0"/>
-        </a:gradFill>
+        <a:solidFill>
+          <a:schemeClr val="phClr">
+            <a:tint val="65000"/>
+          </a:schemeClr>
+        </a:solidFill>
+        <a:solidFill>
+          <a:schemeClr val="phClr">
+            <a:shade val="80000"/>
+            <a:satMod val="150000"/>
+          </a:schemeClr>
+        </a:solidFill>
       </a:fillStyleLst>
       <a:lnStyleLst>
-        <a:ln w="6350" cap="flat" cmpd="sng" algn="ctr">
+        <a:ln w="9525" cap="flat" cmpd="sng" algn="ctr">
           <a:solidFill>
             <a:schemeClr val="phClr"/>
           </a:solidFill>
           <a:prstDash val="solid"/>
-          <a:miter lim="800000"/>
         </a:ln>
-        <a:ln w="12700" cap="flat" cmpd="sng" algn="ctr">
+        <a:ln w="10795" cap="flat" cmpd="sng" algn="ctr">
           <a:solidFill>
             <a:schemeClr val="phClr"/>
           </a:solidFill>
           <a:prstDash val="solid"/>
-          <a:miter lim="800000"/>
         </a:ln>
-        <a:ln w="19050" cap="flat" cmpd="sng" algn="ctr">
+        <a:ln w="17145" cap="flat" cmpd="sng" algn="ctr">
           <a:solidFill>
-            <a:schemeClr val="phClr"/>
+            <a:schemeClr val="phClr">
+              <a:shade val="95000"/>
+              <a:alpha val="50000"/>
+              <a:satMod val="150000"/>
+            </a:schemeClr>
           </a:solidFill>
           <a:prstDash val="solid"/>
-          <a:miter lim="800000"/>
         </a:ln>
       </a:lnStyleLst>
       <a:effectStyleLst>
@@ -6166,12 +6959,21 @@
         </a:effectStyle>
         <a:effectStyle>
           <a:effectLst>
-            <a:outerShdw blurRad="57150" dist="19050" dir="5400000" algn="ctr" rotWithShape="0">
+            <a:outerShdw blurRad="44450" dist="13970" dir="5400000" algn="ctr" rotWithShape="0">
               <a:srgbClr val="000000">
-                <a:alpha val="63000"/>
+                <a:alpha val="45000"/>
               </a:srgbClr>
             </a:outerShdw>
           </a:effectLst>
+          <a:scene3d>
+            <a:camera prst="orthographicFront">
+              <a:rot lat="0" lon="0" rev="0"/>
+            </a:camera>
+            <a:lightRig rig="twoPt" dir="tl"/>
+          </a:scene3d>
+          <a:sp3d prstMaterial="flat">
+            <a:bevelT w="12700" h="25400" prst="coolSlant"/>
+          </a:sp3d>
         </a:effectStyle>
       </a:effectStyleLst>
       <a:bgFillStyleLst>
@@ -6189,23 +6991,24 @@
             <a:gs pos="0">
               <a:schemeClr val="phClr">
                 <a:tint val="93000"/>
-                <a:satMod val="150000"/>
                 <a:shade val="98000"/>
+                <a:satMod val="120000"/>
                 <a:lumMod val="102000"/>
               </a:schemeClr>
             </a:gs>
-            <a:gs pos="50000">
+            <a:gs pos="48000">
               <a:schemeClr val="phClr">
                 <a:tint val="98000"/>
-                <a:satMod val="130000"/>
                 <a:shade val="90000"/>
+                <a:satMod val="110000"/>
                 <a:lumMod val="103000"/>
               </a:schemeClr>
             </a:gs>
             <a:gs pos="100000">
               <a:schemeClr val="phClr">
-                <a:shade val="63000"/>
-                <a:satMod val="120000"/>
+                <a:tint val="98000"/>
+                <a:shade val="80000"/>
+                <a:satMod val="100000"/>
               </a:schemeClr>
             </a:gs>
           </a:gsLst>
@@ -6218,7 +7021,7 @@
   <a:extraClrSchemeLst/>
   <a:extLst>
     <a:ext uri="{05A4C25C-085E-4340-85A3-A5531E510DB2}">
-      <thm15:themeFamily xmlns:thm15="http://schemas.microsoft.com/office/thememl/2012/main" name="Office Theme" id="{62F939B6-93AF-4DB8-9C6B-D6C7DFDC589F}" vid="{4A3C46E8-61CC-4603-A589-7422A47A8E4A}"/>
+      <thm15:themeFamily xmlns:thm15="http://schemas.microsoft.com/office/thememl/2012/main" name="Frame" id="{F226E7A2-7162-461C-9490-D27D9DC04E43}" vid="{629A0216-3BBD-45C0-B63F-2683BEA18F60}"/>
     </a:ext>
   </a:extLst>
 </a:theme>
